--- a/documentation/Diagrams.pptx
+++ b/documentation/Diagrams.pptx
@@ -6,6 +6,8 @@
   </p:sldMasterIdLst>
   <p:sldIdLst>
     <p:sldId id="256" r:id="rId2"/>
+    <p:sldId id="257" r:id="rId3"/>
+    <p:sldId id="258" r:id="rId4"/>
   </p:sldIdLst>
   <p:sldSz cx="12192000" cy="6858000"/>
   <p:notesSz cx="6858000" cy="9144000"/>
@@ -104,7 +106,4960 @@
       </a:defRPr>
     </a:lvl9pPr>
   </p:defaultTextStyle>
+  <p:extLst>
+    <p:ext uri="{EFAFB233-063F-42B5-8137-9DF3F51BA10A}">
+      <p15:sldGuideLst xmlns:p15="http://schemas.microsoft.com/office/powerpoint/2012/main"/>
+    </p:ext>
+  </p:extLst>
 </p:presentation>
+</file>
+
+<file path=ppt/diagrams/colors1.xml><?xml version="1.0" encoding="utf-8"?>
+<dgm:colorsDef xmlns:dgm="http://schemas.openxmlformats.org/drawingml/2006/diagram" xmlns:a="http://schemas.openxmlformats.org/drawingml/2006/main" uniqueId="urn:microsoft.com/office/officeart/2005/8/colors/accent1_2">
+  <dgm:title val=""/>
+  <dgm:desc val=""/>
+  <dgm:catLst>
+    <dgm:cat type="accent1" pri="11200"/>
+  </dgm:catLst>
+  <dgm:styleLbl name="node0">
+    <dgm:fillClrLst meth="repeat">
+      <a:schemeClr val="accent1"/>
+    </dgm:fillClrLst>
+    <dgm:linClrLst meth="repeat">
+      <a:schemeClr val="lt1"/>
+    </dgm:linClrLst>
+    <dgm:effectClrLst/>
+    <dgm:txLinClrLst/>
+    <dgm:txFillClrLst/>
+    <dgm:txEffectClrLst/>
+  </dgm:styleLbl>
+  <dgm:styleLbl name="alignNode1">
+    <dgm:fillClrLst meth="repeat">
+      <a:schemeClr val="accent1"/>
+    </dgm:fillClrLst>
+    <dgm:linClrLst meth="repeat">
+      <a:schemeClr val="accent1"/>
+    </dgm:linClrLst>
+    <dgm:effectClrLst/>
+    <dgm:txLinClrLst/>
+    <dgm:txFillClrLst/>
+    <dgm:txEffectClrLst/>
+  </dgm:styleLbl>
+  <dgm:styleLbl name="node1">
+    <dgm:fillClrLst meth="repeat">
+      <a:schemeClr val="accent1"/>
+    </dgm:fillClrLst>
+    <dgm:linClrLst meth="repeat">
+      <a:schemeClr val="lt1"/>
+    </dgm:linClrLst>
+    <dgm:effectClrLst/>
+    <dgm:txLinClrLst/>
+    <dgm:txFillClrLst/>
+    <dgm:txEffectClrLst/>
+  </dgm:styleLbl>
+  <dgm:styleLbl name="lnNode1">
+    <dgm:fillClrLst meth="repeat">
+      <a:schemeClr val="accent1"/>
+    </dgm:fillClrLst>
+    <dgm:linClrLst meth="repeat">
+      <a:schemeClr val="lt1"/>
+    </dgm:linClrLst>
+    <dgm:effectClrLst/>
+    <dgm:txLinClrLst/>
+    <dgm:txFillClrLst/>
+    <dgm:txEffectClrLst/>
+  </dgm:styleLbl>
+  <dgm:styleLbl name="vennNode1">
+    <dgm:fillClrLst meth="repeat">
+      <a:schemeClr val="accent1">
+        <a:alpha val="50000"/>
+      </a:schemeClr>
+    </dgm:fillClrLst>
+    <dgm:linClrLst meth="repeat">
+      <a:schemeClr val="lt1"/>
+    </dgm:linClrLst>
+    <dgm:effectClrLst/>
+    <dgm:txLinClrLst/>
+    <dgm:txFillClrLst/>
+    <dgm:txEffectClrLst/>
+  </dgm:styleLbl>
+  <dgm:styleLbl name="node2">
+    <dgm:fillClrLst meth="repeat">
+      <a:schemeClr val="accent1"/>
+    </dgm:fillClrLst>
+    <dgm:linClrLst meth="repeat">
+      <a:schemeClr val="lt1"/>
+    </dgm:linClrLst>
+    <dgm:effectClrLst/>
+    <dgm:txLinClrLst/>
+    <dgm:txFillClrLst/>
+    <dgm:txEffectClrLst/>
+  </dgm:styleLbl>
+  <dgm:styleLbl name="node3">
+    <dgm:fillClrLst meth="repeat">
+      <a:schemeClr val="accent1"/>
+    </dgm:fillClrLst>
+    <dgm:linClrLst meth="repeat">
+      <a:schemeClr val="lt1"/>
+    </dgm:linClrLst>
+    <dgm:effectClrLst/>
+    <dgm:txLinClrLst/>
+    <dgm:txFillClrLst/>
+    <dgm:txEffectClrLst/>
+  </dgm:styleLbl>
+  <dgm:styleLbl name="node4">
+    <dgm:fillClrLst meth="repeat">
+      <a:schemeClr val="accent1"/>
+    </dgm:fillClrLst>
+    <dgm:linClrLst meth="repeat">
+      <a:schemeClr val="lt1"/>
+    </dgm:linClrLst>
+    <dgm:effectClrLst/>
+    <dgm:txLinClrLst/>
+    <dgm:txFillClrLst/>
+    <dgm:txEffectClrLst/>
+  </dgm:styleLbl>
+  <dgm:styleLbl name="fgImgPlace1">
+    <dgm:fillClrLst meth="repeat">
+      <a:schemeClr val="accent1">
+        <a:tint val="50000"/>
+      </a:schemeClr>
+    </dgm:fillClrLst>
+    <dgm:linClrLst meth="repeat">
+      <a:schemeClr val="lt1"/>
+    </dgm:linClrLst>
+    <dgm:effectClrLst/>
+    <dgm:txLinClrLst/>
+    <dgm:txFillClrLst meth="repeat">
+      <a:schemeClr val="lt1"/>
+    </dgm:txFillClrLst>
+    <dgm:txEffectClrLst/>
+  </dgm:styleLbl>
+  <dgm:styleLbl name="alignImgPlace1">
+    <dgm:fillClrLst meth="repeat">
+      <a:schemeClr val="accent1">
+        <a:tint val="50000"/>
+      </a:schemeClr>
+    </dgm:fillClrLst>
+    <dgm:linClrLst meth="repeat">
+      <a:schemeClr val="lt1"/>
+    </dgm:linClrLst>
+    <dgm:effectClrLst/>
+    <dgm:txLinClrLst/>
+    <dgm:txFillClrLst meth="repeat">
+      <a:schemeClr val="lt1"/>
+    </dgm:txFillClrLst>
+    <dgm:txEffectClrLst/>
+  </dgm:styleLbl>
+  <dgm:styleLbl name="bgImgPlace1">
+    <dgm:fillClrLst meth="repeat">
+      <a:schemeClr val="accent1">
+        <a:tint val="50000"/>
+      </a:schemeClr>
+    </dgm:fillClrLst>
+    <dgm:linClrLst meth="repeat">
+      <a:schemeClr val="lt1"/>
+    </dgm:linClrLst>
+    <dgm:effectClrLst/>
+    <dgm:txLinClrLst/>
+    <dgm:txFillClrLst meth="repeat">
+      <a:schemeClr val="lt1"/>
+    </dgm:txFillClrLst>
+    <dgm:txEffectClrLst/>
+  </dgm:styleLbl>
+  <dgm:styleLbl name="sibTrans2D1">
+    <dgm:fillClrLst meth="repeat">
+      <a:schemeClr val="accent1">
+        <a:tint val="60000"/>
+      </a:schemeClr>
+    </dgm:fillClrLst>
+    <dgm:linClrLst meth="repeat">
+      <a:schemeClr val="accent1">
+        <a:tint val="60000"/>
+      </a:schemeClr>
+    </dgm:linClrLst>
+    <dgm:effectClrLst/>
+    <dgm:txLinClrLst/>
+    <dgm:txFillClrLst/>
+    <dgm:txEffectClrLst/>
+  </dgm:styleLbl>
+  <dgm:styleLbl name="fgSibTrans2D1">
+    <dgm:fillClrLst meth="repeat">
+      <a:schemeClr val="accent1">
+        <a:tint val="60000"/>
+      </a:schemeClr>
+    </dgm:fillClrLst>
+    <dgm:linClrLst meth="repeat">
+      <a:schemeClr val="accent1">
+        <a:tint val="60000"/>
+      </a:schemeClr>
+    </dgm:linClrLst>
+    <dgm:effectClrLst/>
+    <dgm:txLinClrLst/>
+    <dgm:txFillClrLst/>
+    <dgm:txEffectClrLst/>
+  </dgm:styleLbl>
+  <dgm:styleLbl name="bgSibTrans2D1">
+    <dgm:fillClrLst meth="repeat">
+      <a:schemeClr val="accent1">
+        <a:tint val="60000"/>
+      </a:schemeClr>
+    </dgm:fillClrLst>
+    <dgm:linClrLst meth="repeat">
+      <a:schemeClr val="accent1">
+        <a:tint val="60000"/>
+      </a:schemeClr>
+    </dgm:linClrLst>
+    <dgm:effectClrLst/>
+    <dgm:txLinClrLst/>
+    <dgm:txFillClrLst/>
+    <dgm:txEffectClrLst/>
+  </dgm:styleLbl>
+  <dgm:styleLbl name="sibTrans1D1">
+    <dgm:fillClrLst meth="repeat">
+      <a:schemeClr val="accent1"/>
+    </dgm:fillClrLst>
+    <dgm:linClrLst meth="repeat">
+      <a:schemeClr val="accent1"/>
+    </dgm:linClrLst>
+    <dgm:effectClrLst/>
+    <dgm:txLinClrLst/>
+    <dgm:txFillClrLst meth="repeat">
+      <a:schemeClr val="tx1"/>
+    </dgm:txFillClrLst>
+    <dgm:txEffectClrLst/>
+  </dgm:styleLbl>
+  <dgm:styleLbl name="callout">
+    <dgm:fillClrLst meth="repeat">
+      <a:schemeClr val="accent1"/>
+    </dgm:fillClrLst>
+    <dgm:linClrLst meth="repeat">
+      <a:schemeClr val="accent1">
+        <a:tint val="50000"/>
+      </a:schemeClr>
+    </dgm:linClrLst>
+    <dgm:effectClrLst/>
+    <dgm:txLinClrLst/>
+    <dgm:txFillClrLst meth="repeat">
+      <a:schemeClr val="tx1"/>
+    </dgm:txFillClrLst>
+    <dgm:txEffectClrLst/>
+  </dgm:styleLbl>
+  <dgm:styleLbl name="asst0">
+    <dgm:fillClrLst meth="repeat">
+      <a:schemeClr val="accent1"/>
+    </dgm:fillClrLst>
+    <dgm:linClrLst meth="repeat">
+      <a:schemeClr val="lt1"/>
+    </dgm:linClrLst>
+    <dgm:effectClrLst/>
+    <dgm:txLinClrLst/>
+    <dgm:txFillClrLst/>
+    <dgm:txEffectClrLst/>
+  </dgm:styleLbl>
+  <dgm:styleLbl name="asst1">
+    <dgm:fillClrLst meth="repeat">
+      <a:schemeClr val="accent1"/>
+    </dgm:fillClrLst>
+    <dgm:linClrLst meth="repeat">
+      <a:schemeClr val="lt1"/>
+    </dgm:linClrLst>
+    <dgm:effectClrLst/>
+    <dgm:txLinClrLst/>
+    <dgm:txFillClrLst/>
+    <dgm:txEffectClrLst/>
+  </dgm:styleLbl>
+  <dgm:styleLbl name="asst2">
+    <dgm:fillClrLst meth="repeat">
+      <a:schemeClr val="accent1"/>
+    </dgm:fillClrLst>
+    <dgm:linClrLst meth="repeat">
+      <a:schemeClr val="lt1"/>
+    </dgm:linClrLst>
+    <dgm:effectClrLst/>
+    <dgm:txLinClrLst/>
+    <dgm:txFillClrLst/>
+    <dgm:txEffectClrLst/>
+  </dgm:styleLbl>
+  <dgm:styleLbl name="asst3">
+    <dgm:fillClrLst meth="repeat">
+      <a:schemeClr val="accent1"/>
+    </dgm:fillClrLst>
+    <dgm:linClrLst meth="repeat">
+      <a:schemeClr val="lt1"/>
+    </dgm:linClrLst>
+    <dgm:effectClrLst/>
+    <dgm:txLinClrLst/>
+    <dgm:txFillClrLst/>
+    <dgm:txEffectClrLst/>
+  </dgm:styleLbl>
+  <dgm:styleLbl name="asst4">
+    <dgm:fillClrLst meth="repeat">
+      <a:schemeClr val="accent1"/>
+    </dgm:fillClrLst>
+    <dgm:linClrLst meth="repeat">
+      <a:schemeClr val="lt1"/>
+    </dgm:linClrLst>
+    <dgm:effectClrLst/>
+    <dgm:txLinClrLst/>
+    <dgm:txFillClrLst/>
+    <dgm:txEffectClrLst/>
+  </dgm:styleLbl>
+  <dgm:styleLbl name="parChTrans2D1">
+    <dgm:fillClrLst meth="repeat">
+      <a:schemeClr val="accent1">
+        <a:tint val="60000"/>
+      </a:schemeClr>
+    </dgm:fillClrLst>
+    <dgm:linClrLst meth="repeat">
+      <a:schemeClr val="accent1">
+        <a:tint val="60000"/>
+      </a:schemeClr>
+    </dgm:linClrLst>
+    <dgm:effectClrLst/>
+    <dgm:txLinClrLst/>
+    <dgm:txFillClrLst meth="repeat">
+      <a:schemeClr val="lt1"/>
+    </dgm:txFillClrLst>
+    <dgm:txEffectClrLst/>
+  </dgm:styleLbl>
+  <dgm:styleLbl name="parChTrans2D2">
+    <dgm:fillClrLst meth="repeat">
+      <a:schemeClr val="accent1"/>
+    </dgm:fillClrLst>
+    <dgm:linClrLst meth="repeat">
+      <a:schemeClr val="accent1"/>
+    </dgm:linClrLst>
+    <dgm:effectClrLst/>
+    <dgm:txLinClrLst/>
+    <dgm:txFillClrLst meth="repeat">
+      <a:schemeClr val="lt1"/>
+    </dgm:txFillClrLst>
+    <dgm:txEffectClrLst/>
+  </dgm:styleLbl>
+  <dgm:styleLbl name="parChTrans2D3">
+    <dgm:fillClrLst meth="repeat">
+      <a:schemeClr val="accent1"/>
+    </dgm:fillClrLst>
+    <dgm:linClrLst meth="repeat">
+      <a:schemeClr val="accent1"/>
+    </dgm:linClrLst>
+    <dgm:effectClrLst/>
+    <dgm:txLinClrLst/>
+    <dgm:txFillClrLst meth="repeat">
+      <a:schemeClr val="lt1"/>
+    </dgm:txFillClrLst>
+    <dgm:txEffectClrLst/>
+  </dgm:styleLbl>
+  <dgm:styleLbl name="parChTrans2D4">
+    <dgm:fillClrLst meth="repeat">
+      <a:schemeClr val="accent1"/>
+    </dgm:fillClrLst>
+    <dgm:linClrLst meth="repeat">
+      <a:schemeClr val="accent1"/>
+    </dgm:linClrLst>
+    <dgm:effectClrLst/>
+    <dgm:txLinClrLst/>
+    <dgm:txFillClrLst meth="repeat">
+      <a:schemeClr val="lt1"/>
+    </dgm:txFillClrLst>
+    <dgm:txEffectClrLst/>
+  </dgm:styleLbl>
+  <dgm:styleLbl name="parChTrans1D1">
+    <dgm:fillClrLst meth="repeat">
+      <a:schemeClr val="accent1"/>
+    </dgm:fillClrLst>
+    <dgm:linClrLst meth="repeat">
+      <a:schemeClr val="accent1">
+        <a:shade val="60000"/>
+      </a:schemeClr>
+    </dgm:linClrLst>
+    <dgm:effectClrLst/>
+    <dgm:txLinClrLst/>
+    <dgm:txFillClrLst meth="repeat">
+      <a:schemeClr val="tx1"/>
+    </dgm:txFillClrLst>
+    <dgm:txEffectClrLst/>
+  </dgm:styleLbl>
+  <dgm:styleLbl name="parChTrans1D2">
+    <dgm:fillClrLst meth="repeat">
+      <a:schemeClr val="accent1"/>
+    </dgm:fillClrLst>
+    <dgm:linClrLst meth="repeat">
+      <a:schemeClr val="accent1">
+        <a:shade val="60000"/>
+      </a:schemeClr>
+    </dgm:linClrLst>
+    <dgm:effectClrLst/>
+    <dgm:txLinClrLst/>
+    <dgm:txFillClrLst meth="repeat">
+      <a:schemeClr val="tx1"/>
+    </dgm:txFillClrLst>
+    <dgm:txEffectClrLst/>
+  </dgm:styleLbl>
+  <dgm:styleLbl name="parChTrans1D3">
+    <dgm:fillClrLst meth="repeat">
+      <a:schemeClr val="accent1"/>
+    </dgm:fillClrLst>
+    <dgm:linClrLst meth="repeat">
+      <a:schemeClr val="accent1">
+        <a:shade val="80000"/>
+      </a:schemeClr>
+    </dgm:linClrLst>
+    <dgm:effectClrLst/>
+    <dgm:txLinClrLst/>
+    <dgm:txFillClrLst meth="repeat">
+      <a:schemeClr val="tx1"/>
+    </dgm:txFillClrLst>
+    <dgm:txEffectClrLst/>
+  </dgm:styleLbl>
+  <dgm:styleLbl name="parChTrans1D4">
+    <dgm:fillClrLst meth="repeat">
+      <a:schemeClr val="accent1"/>
+    </dgm:fillClrLst>
+    <dgm:linClrLst meth="repeat">
+      <a:schemeClr val="accent1">
+        <a:shade val="80000"/>
+      </a:schemeClr>
+    </dgm:linClrLst>
+    <dgm:effectClrLst/>
+    <dgm:txLinClrLst/>
+    <dgm:txFillClrLst meth="repeat">
+      <a:schemeClr val="tx1"/>
+    </dgm:txFillClrLst>
+    <dgm:txEffectClrLst/>
+  </dgm:styleLbl>
+  <dgm:styleLbl name="fgAcc1">
+    <dgm:fillClrLst meth="repeat">
+      <a:schemeClr val="lt1">
+        <a:alpha val="90000"/>
+      </a:schemeClr>
+    </dgm:fillClrLst>
+    <dgm:linClrLst meth="repeat">
+      <a:schemeClr val="accent1"/>
+    </dgm:linClrLst>
+    <dgm:effectClrLst/>
+    <dgm:txLinClrLst/>
+    <dgm:txFillClrLst meth="repeat">
+      <a:schemeClr val="dk1"/>
+    </dgm:txFillClrLst>
+    <dgm:txEffectClrLst/>
+  </dgm:styleLbl>
+  <dgm:styleLbl name="conFgAcc1">
+    <dgm:fillClrLst meth="repeat">
+      <a:schemeClr val="lt1">
+        <a:alpha val="90000"/>
+      </a:schemeClr>
+    </dgm:fillClrLst>
+    <dgm:linClrLst meth="repeat">
+      <a:schemeClr val="accent1"/>
+    </dgm:linClrLst>
+    <dgm:effectClrLst/>
+    <dgm:txLinClrLst/>
+    <dgm:txFillClrLst meth="repeat">
+      <a:schemeClr val="dk1"/>
+    </dgm:txFillClrLst>
+    <dgm:txEffectClrLst/>
+  </dgm:styleLbl>
+  <dgm:styleLbl name="alignAcc1">
+    <dgm:fillClrLst meth="repeat">
+      <a:schemeClr val="lt1">
+        <a:alpha val="90000"/>
+      </a:schemeClr>
+    </dgm:fillClrLst>
+    <dgm:linClrLst meth="repeat">
+      <a:schemeClr val="accent1"/>
+    </dgm:linClrLst>
+    <dgm:effectClrLst/>
+    <dgm:txLinClrLst/>
+    <dgm:txFillClrLst meth="repeat">
+      <a:schemeClr val="dk1"/>
+    </dgm:txFillClrLst>
+    <dgm:txEffectClrLst/>
+  </dgm:styleLbl>
+  <dgm:styleLbl name="trAlignAcc1">
+    <dgm:fillClrLst meth="repeat">
+      <a:schemeClr val="lt1">
+        <a:alpha val="40000"/>
+      </a:schemeClr>
+    </dgm:fillClrLst>
+    <dgm:linClrLst meth="repeat">
+      <a:schemeClr val="accent1"/>
+    </dgm:linClrLst>
+    <dgm:effectClrLst/>
+    <dgm:txLinClrLst/>
+    <dgm:txFillClrLst meth="repeat">
+      <a:schemeClr val="dk1"/>
+    </dgm:txFillClrLst>
+    <dgm:txEffectClrLst/>
+  </dgm:styleLbl>
+  <dgm:styleLbl name="bgAcc1">
+    <dgm:fillClrLst meth="repeat">
+      <a:schemeClr val="lt1">
+        <a:alpha val="90000"/>
+      </a:schemeClr>
+    </dgm:fillClrLst>
+    <dgm:linClrLst meth="repeat">
+      <a:schemeClr val="accent1"/>
+    </dgm:linClrLst>
+    <dgm:effectClrLst/>
+    <dgm:txLinClrLst/>
+    <dgm:txFillClrLst meth="repeat">
+      <a:schemeClr val="dk1"/>
+    </dgm:txFillClrLst>
+    <dgm:txEffectClrLst/>
+  </dgm:styleLbl>
+  <dgm:styleLbl name="solidFgAcc1">
+    <dgm:fillClrLst meth="repeat">
+      <a:schemeClr val="lt1"/>
+    </dgm:fillClrLst>
+    <dgm:linClrLst meth="repeat">
+      <a:schemeClr val="accent1"/>
+    </dgm:linClrLst>
+    <dgm:effectClrLst/>
+    <dgm:txLinClrLst/>
+    <dgm:txFillClrLst meth="repeat">
+      <a:schemeClr val="dk1"/>
+    </dgm:txFillClrLst>
+    <dgm:txEffectClrLst/>
+  </dgm:styleLbl>
+  <dgm:styleLbl name="solidAlignAcc1">
+    <dgm:fillClrLst meth="repeat">
+      <a:schemeClr val="lt1"/>
+    </dgm:fillClrLst>
+    <dgm:linClrLst meth="repeat">
+      <a:schemeClr val="accent1"/>
+    </dgm:linClrLst>
+    <dgm:effectClrLst/>
+    <dgm:txLinClrLst/>
+    <dgm:txFillClrLst meth="repeat">
+      <a:schemeClr val="dk1"/>
+    </dgm:txFillClrLst>
+    <dgm:txEffectClrLst/>
+  </dgm:styleLbl>
+  <dgm:styleLbl name="solidBgAcc1">
+    <dgm:fillClrLst meth="repeat">
+      <a:schemeClr val="lt1"/>
+    </dgm:fillClrLst>
+    <dgm:linClrLst meth="repeat">
+      <a:schemeClr val="accent1"/>
+    </dgm:linClrLst>
+    <dgm:effectClrLst/>
+    <dgm:txLinClrLst/>
+    <dgm:txFillClrLst meth="repeat">
+      <a:schemeClr val="dk1"/>
+    </dgm:txFillClrLst>
+    <dgm:txEffectClrLst/>
+  </dgm:styleLbl>
+  <dgm:styleLbl name="fgAccFollowNode1">
+    <dgm:fillClrLst meth="repeat">
+      <a:schemeClr val="accent1">
+        <a:alpha val="90000"/>
+        <a:tint val="40000"/>
+      </a:schemeClr>
+    </dgm:fillClrLst>
+    <dgm:linClrLst meth="repeat">
+      <a:schemeClr val="accent1">
+        <a:alpha val="90000"/>
+        <a:tint val="40000"/>
+      </a:schemeClr>
+    </dgm:linClrLst>
+    <dgm:effectClrLst/>
+    <dgm:txLinClrLst/>
+    <dgm:txFillClrLst meth="repeat">
+      <a:schemeClr val="dk1"/>
+    </dgm:txFillClrLst>
+    <dgm:txEffectClrLst/>
+  </dgm:styleLbl>
+  <dgm:styleLbl name="alignAccFollowNode1">
+    <dgm:fillClrLst meth="repeat">
+      <a:schemeClr val="accent1">
+        <a:alpha val="90000"/>
+        <a:tint val="40000"/>
+      </a:schemeClr>
+    </dgm:fillClrLst>
+    <dgm:linClrLst meth="repeat">
+      <a:schemeClr val="accent1">
+        <a:alpha val="90000"/>
+        <a:tint val="40000"/>
+      </a:schemeClr>
+    </dgm:linClrLst>
+    <dgm:effectClrLst/>
+    <dgm:txLinClrLst/>
+    <dgm:txFillClrLst meth="repeat">
+      <a:schemeClr val="dk1"/>
+    </dgm:txFillClrLst>
+    <dgm:txEffectClrLst/>
+  </dgm:styleLbl>
+  <dgm:styleLbl name="bgAccFollowNode1">
+    <dgm:fillClrLst meth="repeat">
+      <a:schemeClr val="accent1">
+        <a:alpha val="90000"/>
+        <a:tint val="40000"/>
+      </a:schemeClr>
+    </dgm:fillClrLst>
+    <dgm:linClrLst meth="repeat">
+      <a:schemeClr val="accent1">
+        <a:alpha val="90000"/>
+        <a:tint val="40000"/>
+      </a:schemeClr>
+    </dgm:linClrLst>
+    <dgm:effectClrLst/>
+    <dgm:txLinClrLst/>
+    <dgm:txFillClrLst meth="repeat">
+      <a:schemeClr val="dk1"/>
+    </dgm:txFillClrLst>
+    <dgm:txEffectClrLst/>
+  </dgm:styleLbl>
+  <dgm:styleLbl name="fgAcc0">
+    <dgm:fillClrLst meth="repeat">
+      <a:schemeClr val="lt1">
+        <a:alpha val="90000"/>
+      </a:schemeClr>
+    </dgm:fillClrLst>
+    <dgm:linClrLst meth="repeat">
+      <a:schemeClr val="accent1"/>
+    </dgm:linClrLst>
+    <dgm:effectClrLst/>
+    <dgm:txLinClrLst/>
+    <dgm:txFillClrLst meth="repeat">
+      <a:schemeClr val="dk1"/>
+    </dgm:txFillClrLst>
+    <dgm:txEffectClrLst/>
+  </dgm:styleLbl>
+  <dgm:styleLbl name="fgAcc2">
+    <dgm:fillClrLst meth="repeat">
+      <a:schemeClr val="lt1">
+        <a:alpha val="90000"/>
+      </a:schemeClr>
+    </dgm:fillClrLst>
+    <dgm:linClrLst meth="repeat">
+      <a:schemeClr val="accent1"/>
+    </dgm:linClrLst>
+    <dgm:effectClrLst/>
+    <dgm:txLinClrLst/>
+    <dgm:txFillClrLst meth="repeat">
+      <a:schemeClr val="dk1"/>
+    </dgm:txFillClrLst>
+    <dgm:txEffectClrLst/>
+  </dgm:styleLbl>
+  <dgm:styleLbl name="fgAcc3">
+    <dgm:fillClrLst meth="repeat">
+      <a:schemeClr val="lt1">
+        <a:alpha val="90000"/>
+      </a:schemeClr>
+    </dgm:fillClrLst>
+    <dgm:linClrLst meth="repeat">
+      <a:schemeClr val="accent1"/>
+    </dgm:linClrLst>
+    <dgm:effectClrLst/>
+    <dgm:txLinClrLst/>
+    <dgm:txFillClrLst meth="repeat">
+      <a:schemeClr val="dk1"/>
+    </dgm:txFillClrLst>
+    <dgm:txEffectClrLst/>
+  </dgm:styleLbl>
+  <dgm:styleLbl name="fgAcc4">
+    <dgm:fillClrLst meth="repeat">
+      <a:schemeClr val="lt1">
+        <a:alpha val="90000"/>
+      </a:schemeClr>
+    </dgm:fillClrLst>
+    <dgm:linClrLst meth="repeat">
+      <a:schemeClr val="accent1"/>
+    </dgm:linClrLst>
+    <dgm:effectClrLst/>
+    <dgm:txLinClrLst/>
+    <dgm:txFillClrLst meth="repeat">
+      <a:schemeClr val="dk1"/>
+    </dgm:txFillClrLst>
+    <dgm:txEffectClrLst/>
+  </dgm:styleLbl>
+  <dgm:styleLbl name="bgShp">
+    <dgm:fillClrLst meth="repeat">
+      <a:schemeClr val="accent1">
+        <a:tint val="40000"/>
+      </a:schemeClr>
+    </dgm:fillClrLst>
+    <dgm:linClrLst meth="repeat">
+      <a:schemeClr val="accent1"/>
+    </dgm:linClrLst>
+    <dgm:effectClrLst/>
+    <dgm:txLinClrLst/>
+    <dgm:txFillClrLst meth="repeat">
+      <a:schemeClr val="dk1"/>
+    </dgm:txFillClrLst>
+    <dgm:txEffectClrLst/>
+  </dgm:styleLbl>
+  <dgm:styleLbl name="dkBgShp">
+    <dgm:fillClrLst meth="repeat">
+      <a:schemeClr val="accent1">
+        <a:shade val="80000"/>
+      </a:schemeClr>
+    </dgm:fillClrLst>
+    <dgm:linClrLst meth="repeat">
+      <a:schemeClr val="accent1"/>
+    </dgm:linClrLst>
+    <dgm:effectClrLst/>
+    <dgm:txLinClrLst/>
+    <dgm:txFillClrLst meth="repeat">
+      <a:schemeClr val="lt1"/>
+    </dgm:txFillClrLst>
+    <dgm:txEffectClrLst/>
+  </dgm:styleLbl>
+  <dgm:styleLbl name="trBgShp">
+    <dgm:fillClrLst meth="repeat">
+      <a:schemeClr val="accent1">
+        <a:tint val="50000"/>
+        <a:alpha val="40000"/>
+      </a:schemeClr>
+    </dgm:fillClrLst>
+    <dgm:linClrLst meth="repeat">
+      <a:schemeClr val="accent1"/>
+    </dgm:linClrLst>
+    <dgm:effectClrLst/>
+    <dgm:txLinClrLst/>
+    <dgm:txFillClrLst meth="repeat">
+      <a:schemeClr val="lt1"/>
+    </dgm:txFillClrLst>
+    <dgm:txEffectClrLst/>
+  </dgm:styleLbl>
+  <dgm:styleLbl name="fgShp">
+    <dgm:fillClrLst meth="repeat">
+      <a:schemeClr val="accent1">
+        <a:tint val="60000"/>
+      </a:schemeClr>
+    </dgm:fillClrLst>
+    <dgm:linClrLst meth="repeat">
+      <a:schemeClr val="lt1"/>
+    </dgm:linClrLst>
+    <dgm:effectClrLst/>
+    <dgm:txLinClrLst/>
+    <dgm:txFillClrLst meth="repeat">
+      <a:schemeClr val="dk1"/>
+    </dgm:txFillClrLst>
+    <dgm:txEffectClrLst/>
+  </dgm:styleLbl>
+  <dgm:styleLbl name="revTx">
+    <dgm:fillClrLst meth="repeat">
+      <a:schemeClr val="lt1">
+        <a:alpha val="0"/>
+      </a:schemeClr>
+    </dgm:fillClrLst>
+    <dgm:linClrLst meth="repeat">
+      <a:schemeClr val="dk1">
+        <a:alpha val="0"/>
+      </a:schemeClr>
+    </dgm:linClrLst>
+    <dgm:effectClrLst/>
+    <dgm:txLinClrLst/>
+    <dgm:txFillClrLst meth="repeat">
+      <a:schemeClr val="tx1"/>
+    </dgm:txFillClrLst>
+    <dgm:txEffectClrLst/>
+  </dgm:styleLbl>
+</dgm:colorsDef>
+</file>
+
+<file path=ppt/diagrams/colors2.xml><?xml version="1.0" encoding="utf-8"?>
+<dgm:colorsDef xmlns:dgm="http://schemas.openxmlformats.org/drawingml/2006/diagram" xmlns:a="http://schemas.openxmlformats.org/drawingml/2006/main" uniqueId="urn:microsoft.com/office/officeart/2005/8/colors/accent1_2">
+  <dgm:title val=""/>
+  <dgm:desc val=""/>
+  <dgm:catLst>
+    <dgm:cat type="accent1" pri="11200"/>
+  </dgm:catLst>
+  <dgm:styleLbl name="node0">
+    <dgm:fillClrLst meth="repeat">
+      <a:schemeClr val="accent1"/>
+    </dgm:fillClrLst>
+    <dgm:linClrLst meth="repeat">
+      <a:schemeClr val="lt1"/>
+    </dgm:linClrLst>
+    <dgm:effectClrLst/>
+    <dgm:txLinClrLst/>
+    <dgm:txFillClrLst/>
+    <dgm:txEffectClrLst/>
+  </dgm:styleLbl>
+  <dgm:styleLbl name="alignNode1">
+    <dgm:fillClrLst meth="repeat">
+      <a:schemeClr val="accent1"/>
+    </dgm:fillClrLst>
+    <dgm:linClrLst meth="repeat">
+      <a:schemeClr val="accent1"/>
+    </dgm:linClrLst>
+    <dgm:effectClrLst/>
+    <dgm:txLinClrLst/>
+    <dgm:txFillClrLst/>
+    <dgm:txEffectClrLst/>
+  </dgm:styleLbl>
+  <dgm:styleLbl name="node1">
+    <dgm:fillClrLst meth="repeat">
+      <a:schemeClr val="accent1"/>
+    </dgm:fillClrLst>
+    <dgm:linClrLst meth="repeat">
+      <a:schemeClr val="lt1"/>
+    </dgm:linClrLst>
+    <dgm:effectClrLst/>
+    <dgm:txLinClrLst/>
+    <dgm:txFillClrLst/>
+    <dgm:txEffectClrLst/>
+  </dgm:styleLbl>
+  <dgm:styleLbl name="lnNode1">
+    <dgm:fillClrLst meth="repeat">
+      <a:schemeClr val="accent1"/>
+    </dgm:fillClrLst>
+    <dgm:linClrLst meth="repeat">
+      <a:schemeClr val="lt1"/>
+    </dgm:linClrLst>
+    <dgm:effectClrLst/>
+    <dgm:txLinClrLst/>
+    <dgm:txFillClrLst/>
+    <dgm:txEffectClrLst/>
+  </dgm:styleLbl>
+  <dgm:styleLbl name="vennNode1">
+    <dgm:fillClrLst meth="repeat">
+      <a:schemeClr val="accent1">
+        <a:alpha val="50000"/>
+      </a:schemeClr>
+    </dgm:fillClrLst>
+    <dgm:linClrLst meth="repeat">
+      <a:schemeClr val="lt1"/>
+    </dgm:linClrLst>
+    <dgm:effectClrLst/>
+    <dgm:txLinClrLst/>
+    <dgm:txFillClrLst/>
+    <dgm:txEffectClrLst/>
+  </dgm:styleLbl>
+  <dgm:styleLbl name="node2">
+    <dgm:fillClrLst meth="repeat">
+      <a:schemeClr val="accent1"/>
+    </dgm:fillClrLst>
+    <dgm:linClrLst meth="repeat">
+      <a:schemeClr val="lt1"/>
+    </dgm:linClrLst>
+    <dgm:effectClrLst/>
+    <dgm:txLinClrLst/>
+    <dgm:txFillClrLst/>
+    <dgm:txEffectClrLst/>
+  </dgm:styleLbl>
+  <dgm:styleLbl name="node3">
+    <dgm:fillClrLst meth="repeat">
+      <a:schemeClr val="accent1"/>
+    </dgm:fillClrLst>
+    <dgm:linClrLst meth="repeat">
+      <a:schemeClr val="lt1"/>
+    </dgm:linClrLst>
+    <dgm:effectClrLst/>
+    <dgm:txLinClrLst/>
+    <dgm:txFillClrLst/>
+    <dgm:txEffectClrLst/>
+  </dgm:styleLbl>
+  <dgm:styleLbl name="node4">
+    <dgm:fillClrLst meth="repeat">
+      <a:schemeClr val="accent1"/>
+    </dgm:fillClrLst>
+    <dgm:linClrLst meth="repeat">
+      <a:schemeClr val="lt1"/>
+    </dgm:linClrLst>
+    <dgm:effectClrLst/>
+    <dgm:txLinClrLst/>
+    <dgm:txFillClrLst/>
+    <dgm:txEffectClrLst/>
+  </dgm:styleLbl>
+  <dgm:styleLbl name="fgImgPlace1">
+    <dgm:fillClrLst meth="repeat">
+      <a:schemeClr val="accent1">
+        <a:tint val="50000"/>
+      </a:schemeClr>
+    </dgm:fillClrLst>
+    <dgm:linClrLst meth="repeat">
+      <a:schemeClr val="lt1"/>
+    </dgm:linClrLst>
+    <dgm:effectClrLst/>
+    <dgm:txLinClrLst/>
+    <dgm:txFillClrLst meth="repeat">
+      <a:schemeClr val="lt1"/>
+    </dgm:txFillClrLst>
+    <dgm:txEffectClrLst/>
+  </dgm:styleLbl>
+  <dgm:styleLbl name="alignImgPlace1">
+    <dgm:fillClrLst meth="repeat">
+      <a:schemeClr val="accent1">
+        <a:tint val="50000"/>
+      </a:schemeClr>
+    </dgm:fillClrLst>
+    <dgm:linClrLst meth="repeat">
+      <a:schemeClr val="lt1"/>
+    </dgm:linClrLst>
+    <dgm:effectClrLst/>
+    <dgm:txLinClrLst/>
+    <dgm:txFillClrLst meth="repeat">
+      <a:schemeClr val="lt1"/>
+    </dgm:txFillClrLst>
+    <dgm:txEffectClrLst/>
+  </dgm:styleLbl>
+  <dgm:styleLbl name="bgImgPlace1">
+    <dgm:fillClrLst meth="repeat">
+      <a:schemeClr val="accent1">
+        <a:tint val="50000"/>
+      </a:schemeClr>
+    </dgm:fillClrLst>
+    <dgm:linClrLst meth="repeat">
+      <a:schemeClr val="lt1"/>
+    </dgm:linClrLst>
+    <dgm:effectClrLst/>
+    <dgm:txLinClrLst/>
+    <dgm:txFillClrLst meth="repeat">
+      <a:schemeClr val="lt1"/>
+    </dgm:txFillClrLst>
+    <dgm:txEffectClrLst/>
+  </dgm:styleLbl>
+  <dgm:styleLbl name="sibTrans2D1">
+    <dgm:fillClrLst meth="repeat">
+      <a:schemeClr val="accent1">
+        <a:tint val="60000"/>
+      </a:schemeClr>
+    </dgm:fillClrLst>
+    <dgm:linClrLst meth="repeat">
+      <a:schemeClr val="accent1">
+        <a:tint val="60000"/>
+      </a:schemeClr>
+    </dgm:linClrLst>
+    <dgm:effectClrLst/>
+    <dgm:txLinClrLst/>
+    <dgm:txFillClrLst/>
+    <dgm:txEffectClrLst/>
+  </dgm:styleLbl>
+  <dgm:styleLbl name="fgSibTrans2D1">
+    <dgm:fillClrLst meth="repeat">
+      <a:schemeClr val="accent1">
+        <a:tint val="60000"/>
+      </a:schemeClr>
+    </dgm:fillClrLst>
+    <dgm:linClrLst meth="repeat">
+      <a:schemeClr val="accent1">
+        <a:tint val="60000"/>
+      </a:schemeClr>
+    </dgm:linClrLst>
+    <dgm:effectClrLst/>
+    <dgm:txLinClrLst/>
+    <dgm:txFillClrLst/>
+    <dgm:txEffectClrLst/>
+  </dgm:styleLbl>
+  <dgm:styleLbl name="bgSibTrans2D1">
+    <dgm:fillClrLst meth="repeat">
+      <a:schemeClr val="accent1">
+        <a:tint val="60000"/>
+      </a:schemeClr>
+    </dgm:fillClrLst>
+    <dgm:linClrLst meth="repeat">
+      <a:schemeClr val="accent1">
+        <a:tint val="60000"/>
+      </a:schemeClr>
+    </dgm:linClrLst>
+    <dgm:effectClrLst/>
+    <dgm:txLinClrLst/>
+    <dgm:txFillClrLst/>
+    <dgm:txEffectClrLst/>
+  </dgm:styleLbl>
+  <dgm:styleLbl name="sibTrans1D1">
+    <dgm:fillClrLst meth="repeat">
+      <a:schemeClr val="accent1"/>
+    </dgm:fillClrLst>
+    <dgm:linClrLst meth="repeat">
+      <a:schemeClr val="accent1"/>
+    </dgm:linClrLst>
+    <dgm:effectClrLst/>
+    <dgm:txLinClrLst/>
+    <dgm:txFillClrLst meth="repeat">
+      <a:schemeClr val="tx1"/>
+    </dgm:txFillClrLst>
+    <dgm:txEffectClrLst/>
+  </dgm:styleLbl>
+  <dgm:styleLbl name="callout">
+    <dgm:fillClrLst meth="repeat">
+      <a:schemeClr val="accent1"/>
+    </dgm:fillClrLst>
+    <dgm:linClrLst meth="repeat">
+      <a:schemeClr val="accent1">
+        <a:tint val="50000"/>
+      </a:schemeClr>
+    </dgm:linClrLst>
+    <dgm:effectClrLst/>
+    <dgm:txLinClrLst/>
+    <dgm:txFillClrLst meth="repeat">
+      <a:schemeClr val="tx1"/>
+    </dgm:txFillClrLst>
+    <dgm:txEffectClrLst/>
+  </dgm:styleLbl>
+  <dgm:styleLbl name="asst0">
+    <dgm:fillClrLst meth="repeat">
+      <a:schemeClr val="accent1"/>
+    </dgm:fillClrLst>
+    <dgm:linClrLst meth="repeat">
+      <a:schemeClr val="lt1"/>
+    </dgm:linClrLst>
+    <dgm:effectClrLst/>
+    <dgm:txLinClrLst/>
+    <dgm:txFillClrLst/>
+    <dgm:txEffectClrLst/>
+  </dgm:styleLbl>
+  <dgm:styleLbl name="asst1">
+    <dgm:fillClrLst meth="repeat">
+      <a:schemeClr val="accent1"/>
+    </dgm:fillClrLst>
+    <dgm:linClrLst meth="repeat">
+      <a:schemeClr val="lt1"/>
+    </dgm:linClrLst>
+    <dgm:effectClrLst/>
+    <dgm:txLinClrLst/>
+    <dgm:txFillClrLst/>
+    <dgm:txEffectClrLst/>
+  </dgm:styleLbl>
+  <dgm:styleLbl name="asst2">
+    <dgm:fillClrLst meth="repeat">
+      <a:schemeClr val="accent1"/>
+    </dgm:fillClrLst>
+    <dgm:linClrLst meth="repeat">
+      <a:schemeClr val="lt1"/>
+    </dgm:linClrLst>
+    <dgm:effectClrLst/>
+    <dgm:txLinClrLst/>
+    <dgm:txFillClrLst/>
+    <dgm:txEffectClrLst/>
+  </dgm:styleLbl>
+  <dgm:styleLbl name="asst3">
+    <dgm:fillClrLst meth="repeat">
+      <a:schemeClr val="accent1"/>
+    </dgm:fillClrLst>
+    <dgm:linClrLst meth="repeat">
+      <a:schemeClr val="lt1"/>
+    </dgm:linClrLst>
+    <dgm:effectClrLst/>
+    <dgm:txLinClrLst/>
+    <dgm:txFillClrLst/>
+    <dgm:txEffectClrLst/>
+  </dgm:styleLbl>
+  <dgm:styleLbl name="asst4">
+    <dgm:fillClrLst meth="repeat">
+      <a:schemeClr val="accent1"/>
+    </dgm:fillClrLst>
+    <dgm:linClrLst meth="repeat">
+      <a:schemeClr val="lt1"/>
+    </dgm:linClrLst>
+    <dgm:effectClrLst/>
+    <dgm:txLinClrLst/>
+    <dgm:txFillClrLst/>
+    <dgm:txEffectClrLst/>
+  </dgm:styleLbl>
+  <dgm:styleLbl name="parChTrans2D1">
+    <dgm:fillClrLst meth="repeat">
+      <a:schemeClr val="accent1">
+        <a:tint val="60000"/>
+      </a:schemeClr>
+    </dgm:fillClrLst>
+    <dgm:linClrLst meth="repeat">
+      <a:schemeClr val="accent1">
+        <a:tint val="60000"/>
+      </a:schemeClr>
+    </dgm:linClrLst>
+    <dgm:effectClrLst/>
+    <dgm:txLinClrLst/>
+    <dgm:txFillClrLst meth="repeat">
+      <a:schemeClr val="lt1"/>
+    </dgm:txFillClrLst>
+    <dgm:txEffectClrLst/>
+  </dgm:styleLbl>
+  <dgm:styleLbl name="parChTrans2D2">
+    <dgm:fillClrLst meth="repeat">
+      <a:schemeClr val="accent1"/>
+    </dgm:fillClrLst>
+    <dgm:linClrLst meth="repeat">
+      <a:schemeClr val="accent1"/>
+    </dgm:linClrLst>
+    <dgm:effectClrLst/>
+    <dgm:txLinClrLst/>
+    <dgm:txFillClrLst meth="repeat">
+      <a:schemeClr val="lt1"/>
+    </dgm:txFillClrLst>
+    <dgm:txEffectClrLst/>
+  </dgm:styleLbl>
+  <dgm:styleLbl name="parChTrans2D3">
+    <dgm:fillClrLst meth="repeat">
+      <a:schemeClr val="accent1"/>
+    </dgm:fillClrLst>
+    <dgm:linClrLst meth="repeat">
+      <a:schemeClr val="accent1"/>
+    </dgm:linClrLst>
+    <dgm:effectClrLst/>
+    <dgm:txLinClrLst/>
+    <dgm:txFillClrLst meth="repeat">
+      <a:schemeClr val="lt1"/>
+    </dgm:txFillClrLst>
+    <dgm:txEffectClrLst/>
+  </dgm:styleLbl>
+  <dgm:styleLbl name="parChTrans2D4">
+    <dgm:fillClrLst meth="repeat">
+      <a:schemeClr val="accent1"/>
+    </dgm:fillClrLst>
+    <dgm:linClrLst meth="repeat">
+      <a:schemeClr val="accent1"/>
+    </dgm:linClrLst>
+    <dgm:effectClrLst/>
+    <dgm:txLinClrLst/>
+    <dgm:txFillClrLst meth="repeat">
+      <a:schemeClr val="lt1"/>
+    </dgm:txFillClrLst>
+    <dgm:txEffectClrLst/>
+  </dgm:styleLbl>
+  <dgm:styleLbl name="parChTrans1D1">
+    <dgm:fillClrLst meth="repeat">
+      <a:schemeClr val="accent1"/>
+    </dgm:fillClrLst>
+    <dgm:linClrLst meth="repeat">
+      <a:schemeClr val="accent1">
+        <a:shade val="60000"/>
+      </a:schemeClr>
+    </dgm:linClrLst>
+    <dgm:effectClrLst/>
+    <dgm:txLinClrLst/>
+    <dgm:txFillClrLst meth="repeat">
+      <a:schemeClr val="tx1"/>
+    </dgm:txFillClrLst>
+    <dgm:txEffectClrLst/>
+  </dgm:styleLbl>
+  <dgm:styleLbl name="parChTrans1D2">
+    <dgm:fillClrLst meth="repeat">
+      <a:schemeClr val="accent1"/>
+    </dgm:fillClrLst>
+    <dgm:linClrLst meth="repeat">
+      <a:schemeClr val="accent1">
+        <a:shade val="60000"/>
+      </a:schemeClr>
+    </dgm:linClrLst>
+    <dgm:effectClrLst/>
+    <dgm:txLinClrLst/>
+    <dgm:txFillClrLst meth="repeat">
+      <a:schemeClr val="tx1"/>
+    </dgm:txFillClrLst>
+    <dgm:txEffectClrLst/>
+  </dgm:styleLbl>
+  <dgm:styleLbl name="parChTrans1D3">
+    <dgm:fillClrLst meth="repeat">
+      <a:schemeClr val="accent1"/>
+    </dgm:fillClrLst>
+    <dgm:linClrLst meth="repeat">
+      <a:schemeClr val="accent1">
+        <a:shade val="80000"/>
+      </a:schemeClr>
+    </dgm:linClrLst>
+    <dgm:effectClrLst/>
+    <dgm:txLinClrLst/>
+    <dgm:txFillClrLst meth="repeat">
+      <a:schemeClr val="tx1"/>
+    </dgm:txFillClrLst>
+    <dgm:txEffectClrLst/>
+  </dgm:styleLbl>
+  <dgm:styleLbl name="parChTrans1D4">
+    <dgm:fillClrLst meth="repeat">
+      <a:schemeClr val="accent1"/>
+    </dgm:fillClrLst>
+    <dgm:linClrLst meth="repeat">
+      <a:schemeClr val="accent1">
+        <a:shade val="80000"/>
+      </a:schemeClr>
+    </dgm:linClrLst>
+    <dgm:effectClrLst/>
+    <dgm:txLinClrLst/>
+    <dgm:txFillClrLst meth="repeat">
+      <a:schemeClr val="tx1"/>
+    </dgm:txFillClrLst>
+    <dgm:txEffectClrLst/>
+  </dgm:styleLbl>
+  <dgm:styleLbl name="fgAcc1">
+    <dgm:fillClrLst meth="repeat">
+      <a:schemeClr val="lt1">
+        <a:alpha val="90000"/>
+      </a:schemeClr>
+    </dgm:fillClrLst>
+    <dgm:linClrLst meth="repeat">
+      <a:schemeClr val="accent1"/>
+    </dgm:linClrLst>
+    <dgm:effectClrLst/>
+    <dgm:txLinClrLst/>
+    <dgm:txFillClrLst meth="repeat">
+      <a:schemeClr val="dk1"/>
+    </dgm:txFillClrLst>
+    <dgm:txEffectClrLst/>
+  </dgm:styleLbl>
+  <dgm:styleLbl name="conFgAcc1">
+    <dgm:fillClrLst meth="repeat">
+      <a:schemeClr val="lt1">
+        <a:alpha val="90000"/>
+      </a:schemeClr>
+    </dgm:fillClrLst>
+    <dgm:linClrLst meth="repeat">
+      <a:schemeClr val="accent1"/>
+    </dgm:linClrLst>
+    <dgm:effectClrLst/>
+    <dgm:txLinClrLst/>
+    <dgm:txFillClrLst meth="repeat">
+      <a:schemeClr val="dk1"/>
+    </dgm:txFillClrLst>
+    <dgm:txEffectClrLst/>
+  </dgm:styleLbl>
+  <dgm:styleLbl name="alignAcc1">
+    <dgm:fillClrLst meth="repeat">
+      <a:schemeClr val="lt1">
+        <a:alpha val="90000"/>
+      </a:schemeClr>
+    </dgm:fillClrLst>
+    <dgm:linClrLst meth="repeat">
+      <a:schemeClr val="accent1"/>
+    </dgm:linClrLst>
+    <dgm:effectClrLst/>
+    <dgm:txLinClrLst/>
+    <dgm:txFillClrLst meth="repeat">
+      <a:schemeClr val="dk1"/>
+    </dgm:txFillClrLst>
+    <dgm:txEffectClrLst/>
+  </dgm:styleLbl>
+  <dgm:styleLbl name="trAlignAcc1">
+    <dgm:fillClrLst meth="repeat">
+      <a:schemeClr val="lt1">
+        <a:alpha val="40000"/>
+      </a:schemeClr>
+    </dgm:fillClrLst>
+    <dgm:linClrLst meth="repeat">
+      <a:schemeClr val="accent1"/>
+    </dgm:linClrLst>
+    <dgm:effectClrLst/>
+    <dgm:txLinClrLst/>
+    <dgm:txFillClrLst meth="repeat">
+      <a:schemeClr val="dk1"/>
+    </dgm:txFillClrLst>
+    <dgm:txEffectClrLst/>
+  </dgm:styleLbl>
+  <dgm:styleLbl name="bgAcc1">
+    <dgm:fillClrLst meth="repeat">
+      <a:schemeClr val="lt1">
+        <a:alpha val="90000"/>
+      </a:schemeClr>
+    </dgm:fillClrLst>
+    <dgm:linClrLst meth="repeat">
+      <a:schemeClr val="accent1"/>
+    </dgm:linClrLst>
+    <dgm:effectClrLst/>
+    <dgm:txLinClrLst/>
+    <dgm:txFillClrLst meth="repeat">
+      <a:schemeClr val="dk1"/>
+    </dgm:txFillClrLst>
+    <dgm:txEffectClrLst/>
+  </dgm:styleLbl>
+  <dgm:styleLbl name="solidFgAcc1">
+    <dgm:fillClrLst meth="repeat">
+      <a:schemeClr val="lt1"/>
+    </dgm:fillClrLst>
+    <dgm:linClrLst meth="repeat">
+      <a:schemeClr val="accent1"/>
+    </dgm:linClrLst>
+    <dgm:effectClrLst/>
+    <dgm:txLinClrLst/>
+    <dgm:txFillClrLst meth="repeat">
+      <a:schemeClr val="dk1"/>
+    </dgm:txFillClrLst>
+    <dgm:txEffectClrLst/>
+  </dgm:styleLbl>
+  <dgm:styleLbl name="solidAlignAcc1">
+    <dgm:fillClrLst meth="repeat">
+      <a:schemeClr val="lt1"/>
+    </dgm:fillClrLst>
+    <dgm:linClrLst meth="repeat">
+      <a:schemeClr val="accent1"/>
+    </dgm:linClrLst>
+    <dgm:effectClrLst/>
+    <dgm:txLinClrLst/>
+    <dgm:txFillClrLst meth="repeat">
+      <a:schemeClr val="dk1"/>
+    </dgm:txFillClrLst>
+    <dgm:txEffectClrLst/>
+  </dgm:styleLbl>
+  <dgm:styleLbl name="solidBgAcc1">
+    <dgm:fillClrLst meth="repeat">
+      <a:schemeClr val="lt1"/>
+    </dgm:fillClrLst>
+    <dgm:linClrLst meth="repeat">
+      <a:schemeClr val="accent1"/>
+    </dgm:linClrLst>
+    <dgm:effectClrLst/>
+    <dgm:txLinClrLst/>
+    <dgm:txFillClrLst meth="repeat">
+      <a:schemeClr val="dk1"/>
+    </dgm:txFillClrLst>
+    <dgm:txEffectClrLst/>
+  </dgm:styleLbl>
+  <dgm:styleLbl name="fgAccFollowNode1">
+    <dgm:fillClrLst meth="repeat">
+      <a:schemeClr val="accent1">
+        <a:alpha val="90000"/>
+        <a:tint val="40000"/>
+      </a:schemeClr>
+    </dgm:fillClrLst>
+    <dgm:linClrLst meth="repeat">
+      <a:schemeClr val="accent1">
+        <a:alpha val="90000"/>
+        <a:tint val="40000"/>
+      </a:schemeClr>
+    </dgm:linClrLst>
+    <dgm:effectClrLst/>
+    <dgm:txLinClrLst/>
+    <dgm:txFillClrLst meth="repeat">
+      <a:schemeClr val="dk1"/>
+    </dgm:txFillClrLst>
+    <dgm:txEffectClrLst/>
+  </dgm:styleLbl>
+  <dgm:styleLbl name="alignAccFollowNode1">
+    <dgm:fillClrLst meth="repeat">
+      <a:schemeClr val="accent1">
+        <a:alpha val="90000"/>
+        <a:tint val="40000"/>
+      </a:schemeClr>
+    </dgm:fillClrLst>
+    <dgm:linClrLst meth="repeat">
+      <a:schemeClr val="accent1">
+        <a:alpha val="90000"/>
+        <a:tint val="40000"/>
+      </a:schemeClr>
+    </dgm:linClrLst>
+    <dgm:effectClrLst/>
+    <dgm:txLinClrLst/>
+    <dgm:txFillClrLst meth="repeat">
+      <a:schemeClr val="dk1"/>
+    </dgm:txFillClrLst>
+    <dgm:txEffectClrLst/>
+  </dgm:styleLbl>
+  <dgm:styleLbl name="bgAccFollowNode1">
+    <dgm:fillClrLst meth="repeat">
+      <a:schemeClr val="accent1">
+        <a:alpha val="90000"/>
+        <a:tint val="40000"/>
+      </a:schemeClr>
+    </dgm:fillClrLst>
+    <dgm:linClrLst meth="repeat">
+      <a:schemeClr val="accent1">
+        <a:alpha val="90000"/>
+        <a:tint val="40000"/>
+      </a:schemeClr>
+    </dgm:linClrLst>
+    <dgm:effectClrLst/>
+    <dgm:txLinClrLst/>
+    <dgm:txFillClrLst meth="repeat">
+      <a:schemeClr val="dk1"/>
+    </dgm:txFillClrLst>
+    <dgm:txEffectClrLst/>
+  </dgm:styleLbl>
+  <dgm:styleLbl name="fgAcc0">
+    <dgm:fillClrLst meth="repeat">
+      <a:schemeClr val="lt1">
+        <a:alpha val="90000"/>
+      </a:schemeClr>
+    </dgm:fillClrLst>
+    <dgm:linClrLst meth="repeat">
+      <a:schemeClr val="accent1"/>
+    </dgm:linClrLst>
+    <dgm:effectClrLst/>
+    <dgm:txLinClrLst/>
+    <dgm:txFillClrLst meth="repeat">
+      <a:schemeClr val="dk1"/>
+    </dgm:txFillClrLst>
+    <dgm:txEffectClrLst/>
+  </dgm:styleLbl>
+  <dgm:styleLbl name="fgAcc2">
+    <dgm:fillClrLst meth="repeat">
+      <a:schemeClr val="lt1">
+        <a:alpha val="90000"/>
+      </a:schemeClr>
+    </dgm:fillClrLst>
+    <dgm:linClrLst meth="repeat">
+      <a:schemeClr val="accent1"/>
+    </dgm:linClrLst>
+    <dgm:effectClrLst/>
+    <dgm:txLinClrLst/>
+    <dgm:txFillClrLst meth="repeat">
+      <a:schemeClr val="dk1"/>
+    </dgm:txFillClrLst>
+    <dgm:txEffectClrLst/>
+  </dgm:styleLbl>
+  <dgm:styleLbl name="fgAcc3">
+    <dgm:fillClrLst meth="repeat">
+      <a:schemeClr val="lt1">
+        <a:alpha val="90000"/>
+      </a:schemeClr>
+    </dgm:fillClrLst>
+    <dgm:linClrLst meth="repeat">
+      <a:schemeClr val="accent1"/>
+    </dgm:linClrLst>
+    <dgm:effectClrLst/>
+    <dgm:txLinClrLst/>
+    <dgm:txFillClrLst meth="repeat">
+      <a:schemeClr val="dk1"/>
+    </dgm:txFillClrLst>
+    <dgm:txEffectClrLst/>
+  </dgm:styleLbl>
+  <dgm:styleLbl name="fgAcc4">
+    <dgm:fillClrLst meth="repeat">
+      <a:schemeClr val="lt1">
+        <a:alpha val="90000"/>
+      </a:schemeClr>
+    </dgm:fillClrLst>
+    <dgm:linClrLst meth="repeat">
+      <a:schemeClr val="accent1"/>
+    </dgm:linClrLst>
+    <dgm:effectClrLst/>
+    <dgm:txLinClrLst/>
+    <dgm:txFillClrLst meth="repeat">
+      <a:schemeClr val="dk1"/>
+    </dgm:txFillClrLst>
+    <dgm:txEffectClrLst/>
+  </dgm:styleLbl>
+  <dgm:styleLbl name="bgShp">
+    <dgm:fillClrLst meth="repeat">
+      <a:schemeClr val="accent1">
+        <a:tint val="40000"/>
+      </a:schemeClr>
+    </dgm:fillClrLst>
+    <dgm:linClrLst meth="repeat">
+      <a:schemeClr val="accent1"/>
+    </dgm:linClrLst>
+    <dgm:effectClrLst/>
+    <dgm:txLinClrLst/>
+    <dgm:txFillClrLst meth="repeat">
+      <a:schemeClr val="dk1"/>
+    </dgm:txFillClrLst>
+    <dgm:txEffectClrLst/>
+  </dgm:styleLbl>
+  <dgm:styleLbl name="dkBgShp">
+    <dgm:fillClrLst meth="repeat">
+      <a:schemeClr val="accent1">
+        <a:shade val="80000"/>
+      </a:schemeClr>
+    </dgm:fillClrLst>
+    <dgm:linClrLst meth="repeat">
+      <a:schemeClr val="accent1"/>
+    </dgm:linClrLst>
+    <dgm:effectClrLst/>
+    <dgm:txLinClrLst/>
+    <dgm:txFillClrLst meth="repeat">
+      <a:schemeClr val="lt1"/>
+    </dgm:txFillClrLst>
+    <dgm:txEffectClrLst/>
+  </dgm:styleLbl>
+  <dgm:styleLbl name="trBgShp">
+    <dgm:fillClrLst meth="repeat">
+      <a:schemeClr val="accent1">
+        <a:tint val="50000"/>
+        <a:alpha val="40000"/>
+      </a:schemeClr>
+    </dgm:fillClrLst>
+    <dgm:linClrLst meth="repeat">
+      <a:schemeClr val="accent1"/>
+    </dgm:linClrLst>
+    <dgm:effectClrLst/>
+    <dgm:txLinClrLst/>
+    <dgm:txFillClrLst meth="repeat">
+      <a:schemeClr val="lt1"/>
+    </dgm:txFillClrLst>
+    <dgm:txEffectClrLst/>
+  </dgm:styleLbl>
+  <dgm:styleLbl name="fgShp">
+    <dgm:fillClrLst meth="repeat">
+      <a:schemeClr val="accent1">
+        <a:tint val="60000"/>
+      </a:schemeClr>
+    </dgm:fillClrLst>
+    <dgm:linClrLst meth="repeat">
+      <a:schemeClr val="lt1"/>
+    </dgm:linClrLst>
+    <dgm:effectClrLst/>
+    <dgm:txLinClrLst/>
+    <dgm:txFillClrLst meth="repeat">
+      <a:schemeClr val="dk1"/>
+    </dgm:txFillClrLst>
+    <dgm:txEffectClrLst/>
+  </dgm:styleLbl>
+  <dgm:styleLbl name="revTx">
+    <dgm:fillClrLst meth="repeat">
+      <a:schemeClr val="lt1">
+        <a:alpha val="0"/>
+      </a:schemeClr>
+    </dgm:fillClrLst>
+    <dgm:linClrLst meth="repeat">
+      <a:schemeClr val="dk1">
+        <a:alpha val="0"/>
+      </a:schemeClr>
+    </dgm:linClrLst>
+    <dgm:effectClrLst/>
+    <dgm:txLinClrLst/>
+    <dgm:txFillClrLst meth="repeat">
+      <a:schemeClr val="tx1"/>
+    </dgm:txFillClrLst>
+    <dgm:txEffectClrLst/>
+  </dgm:styleLbl>
+</dgm:colorsDef>
+</file>
+
+<file path=ppt/diagrams/data1.xml><?xml version="1.0" encoding="utf-8"?>
+<dgm:dataModel xmlns:dgm="http://schemas.openxmlformats.org/drawingml/2006/diagram" xmlns:a="http://schemas.openxmlformats.org/drawingml/2006/main">
+  <dgm:ptLst>
+    <dgm:pt modelId="{9F231A35-5FBA-4798-9BA9-D571D67BD629}" type="doc">
+      <dgm:prSet loTypeId="urn:microsoft.com/office/officeart/2005/8/layout/hProcess3" loCatId="process" qsTypeId="urn:microsoft.com/office/officeart/2005/8/quickstyle/3d1" qsCatId="3D" csTypeId="urn:microsoft.com/office/officeart/2005/8/colors/accent1_2" csCatId="accent1" phldr="1"/>
+      <dgm:spPr/>
+    </dgm:pt>
+    <dgm:pt modelId="{AD6E2AAF-5846-4019-B926-0C5D407BDA1A}">
+      <dgm:prSet/>
+      <dgm:spPr/>
+      <dgm:t>
+        <a:bodyPr/>
+        <a:lstStyle/>
+        <a:p>
+          <a:r>
+            <a:rPr lang="en-US" dirty="0">
+              <a:solidFill>
+                <a:schemeClr val="bg1"/>
+              </a:solidFill>
+            </a:rPr>
+            <a:t>NLP Pipeline</a:t>
+          </a:r>
+        </a:p>
+      </dgm:t>
+    </dgm:pt>
+    <dgm:pt modelId="{B1C873A2-888F-4987-9826-9B9449E69E20}" type="parTrans" cxnId="{4480B8DF-9E8E-4A74-A91B-E046FCF78474}">
+      <dgm:prSet/>
+      <dgm:spPr/>
+      <dgm:t>
+        <a:bodyPr/>
+        <a:lstStyle/>
+        <a:p>
+          <a:endParaRPr lang="en-US"/>
+        </a:p>
+      </dgm:t>
+    </dgm:pt>
+    <dgm:pt modelId="{B27FE980-5525-41BE-A406-98DCFFD9365A}" type="sibTrans" cxnId="{4480B8DF-9E8E-4A74-A91B-E046FCF78474}">
+      <dgm:prSet/>
+      <dgm:spPr/>
+      <dgm:t>
+        <a:bodyPr/>
+        <a:lstStyle/>
+        <a:p>
+          <a:endParaRPr lang="en-US"/>
+        </a:p>
+      </dgm:t>
+    </dgm:pt>
+    <dgm:pt modelId="{24D74086-0F3E-424D-9039-42B642E82C9E}" type="pres">
+      <dgm:prSet presAssocID="{9F231A35-5FBA-4798-9BA9-D571D67BD629}" presName="Name0" presStyleCnt="0">
+        <dgm:presLayoutVars>
+          <dgm:dir/>
+          <dgm:animLvl val="lvl"/>
+          <dgm:resizeHandles val="exact"/>
+        </dgm:presLayoutVars>
+      </dgm:prSet>
+      <dgm:spPr/>
+    </dgm:pt>
+    <dgm:pt modelId="{74661998-C2CF-4DEA-BAAE-BABD6AA9128B}" type="pres">
+      <dgm:prSet presAssocID="{9F231A35-5FBA-4798-9BA9-D571D67BD629}" presName="dummy" presStyleCnt="0"/>
+      <dgm:spPr/>
+    </dgm:pt>
+    <dgm:pt modelId="{4F62B1F5-3B2F-451A-9A7C-55C70130228D}" type="pres">
+      <dgm:prSet presAssocID="{9F231A35-5FBA-4798-9BA9-D571D67BD629}" presName="linH" presStyleCnt="0"/>
+      <dgm:spPr/>
+    </dgm:pt>
+    <dgm:pt modelId="{69D22E18-E192-4028-80C7-CFE4FE2F6798}" type="pres">
+      <dgm:prSet presAssocID="{9F231A35-5FBA-4798-9BA9-D571D67BD629}" presName="padding1" presStyleCnt="0"/>
+      <dgm:spPr/>
+    </dgm:pt>
+    <dgm:pt modelId="{9AC3670F-A5CB-4820-A55C-31CBDB80708E}" type="pres">
+      <dgm:prSet presAssocID="{AD6E2AAF-5846-4019-B926-0C5D407BDA1A}" presName="linV" presStyleCnt="0"/>
+      <dgm:spPr/>
+    </dgm:pt>
+    <dgm:pt modelId="{3CD08302-20D3-498D-AB4F-B147662E132C}" type="pres">
+      <dgm:prSet presAssocID="{AD6E2AAF-5846-4019-B926-0C5D407BDA1A}" presName="spVertical1" presStyleCnt="0"/>
+      <dgm:spPr/>
+    </dgm:pt>
+    <dgm:pt modelId="{EB3DE644-8184-4D96-B922-6176838344B1}" type="pres">
+      <dgm:prSet presAssocID="{AD6E2AAF-5846-4019-B926-0C5D407BDA1A}" presName="parTx" presStyleLbl="revTx" presStyleIdx="0" presStyleCnt="1">
+        <dgm:presLayoutVars>
+          <dgm:chMax val="0"/>
+          <dgm:chPref val="0"/>
+          <dgm:bulletEnabled val="1"/>
+        </dgm:presLayoutVars>
+      </dgm:prSet>
+      <dgm:spPr/>
+    </dgm:pt>
+    <dgm:pt modelId="{C58667F5-53FF-4001-819E-2C96ABDE4B8C}" type="pres">
+      <dgm:prSet presAssocID="{AD6E2AAF-5846-4019-B926-0C5D407BDA1A}" presName="spVertical2" presStyleCnt="0"/>
+      <dgm:spPr/>
+    </dgm:pt>
+    <dgm:pt modelId="{4EDAA804-8214-4AB9-A37A-FE2B88EC8055}" type="pres">
+      <dgm:prSet presAssocID="{AD6E2AAF-5846-4019-B926-0C5D407BDA1A}" presName="spVertical3" presStyleCnt="0"/>
+      <dgm:spPr/>
+    </dgm:pt>
+    <dgm:pt modelId="{086C40F4-DC5B-443F-9CAC-F2741C4A764D}" type="pres">
+      <dgm:prSet presAssocID="{9F231A35-5FBA-4798-9BA9-D571D67BD629}" presName="padding2" presStyleCnt="0"/>
+      <dgm:spPr/>
+    </dgm:pt>
+    <dgm:pt modelId="{7922588E-17B4-42EE-8F7B-9BF58F84BBEC}" type="pres">
+      <dgm:prSet presAssocID="{9F231A35-5FBA-4798-9BA9-D571D67BD629}" presName="negArrow" presStyleCnt="0"/>
+      <dgm:spPr/>
+    </dgm:pt>
+    <dgm:pt modelId="{9133398A-06B6-4220-B764-472D33125FDC}" type="pres">
+      <dgm:prSet presAssocID="{9F231A35-5FBA-4798-9BA9-D571D67BD629}" presName="backgroundArrow" presStyleLbl="node1" presStyleIdx="0" presStyleCnt="1">
+        <dgm:style>
+          <a:lnRef idx="0">
+            <a:schemeClr val="accent6"/>
+          </a:lnRef>
+          <a:fillRef idx="3">
+            <a:schemeClr val="accent6"/>
+          </a:fillRef>
+          <a:effectRef idx="3">
+            <a:schemeClr val="accent6"/>
+          </a:effectRef>
+          <a:fontRef idx="minor">
+            <a:schemeClr val="lt1"/>
+          </a:fontRef>
+        </dgm:style>
+      </dgm:prSet>
+      <dgm:spPr/>
+    </dgm:pt>
+  </dgm:ptLst>
+  <dgm:cxnLst>
+    <dgm:cxn modelId="{5C3E8E3B-D079-4101-A791-A15FAA9F56E4}" type="presOf" srcId="{AD6E2AAF-5846-4019-B926-0C5D407BDA1A}" destId="{EB3DE644-8184-4D96-B922-6176838344B1}" srcOrd="0" destOrd="0" presId="urn:microsoft.com/office/officeart/2005/8/layout/hProcess3"/>
+    <dgm:cxn modelId="{089F6AC8-531B-408C-BE14-5AF69C5C9B15}" type="presOf" srcId="{9F231A35-5FBA-4798-9BA9-D571D67BD629}" destId="{24D74086-0F3E-424D-9039-42B642E82C9E}" srcOrd="0" destOrd="0" presId="urn:microsoft.com/office/officeart/2005/8/layout/hProcess3"/>
+    <dgm:cxn modelId="{4480B8DF-9E8E-4A74-A91B-E046FCF78474}" srcId="{9F231A35-5FBA-4798-9BA9-D571D67BD629}" destId="{AD6E2AAF-5846-4019-B926-0C5D407BDA1A}" srcOrd="0" destOrd="0" parTransId="{B1C873A2-888F-4987-9826-9B9449E69E20}" sibTransId="{B27FE980-5525-41BE-A406-98DCFFD9365A}"/>
+    <dgm:cxn modelId="{AEB58C84-3E5D-4E72-98E7-F4D8D1DC7293}" type="presParOf" srcId="{24D74086-0F3E-424D-9039-42B642E82C9E}" destId="{74661998-C2CF-4DEA-BAAE-BABD6AA9128B}" srcOrd="0" destOrd="0" presId="urn:microsoft.com/office/officeart/2005/8/layout/hProcess3"/>
+    <dgm:cxn modelId="{42DAE2A7-E144-4A63-9181-8A07753AC59A}" type="presParOf" srcId="{24D74086-0F3E-424D-9039-42B642E82C9E}" destId="{4F62B1F5-3B2F-451A-9A7C-55C70130228D}" srcOrd="1" destOrd="0" presId="urn:microsoft.com/office/officeart/2005/8/layout/hProcess3"/>
+    <dgm:cxn modelId="{196D843C-62FA-4EC9-9683-2E8E5E872982}" type="presParOf" srcId="{4F62B1F5-3B2F-451A-9A7C-55C70130228D}" destId="{69D22E18-E192-4028-80C7-CFE4FE2F6798}" srcOrd="0" destOrd="0" presId="urn:microsoft.com/office/officeart/2005/8/layout/hProcess3"/>
+    <dgm:cxn modelId="{43A0D278-3F74-460B-A691-EBDBFA0FEDF0}" type="presParOf" srcId="{4F62B1F5-3B2F-451A-9A7C-55C70130228D}" destId="{9AC3670F-A5CB-4820-A55C-31CBDB80708E}" srcOrd="1" destOrd="0" presId="urn:microsoft.com/office/officeart/2005/8/layout/hProcess3"/>
+    <dgm:cxn modelId="{E6374F45-D5E2-4F68-B288-1665D92AD3BE}" type="presParOf" srcId="{9AC3670F-A5CB-4820-A55C-31CBDB80708E}" destId="{3CD08302-20D3-498D-AB4F-B147662E132C}" srcOrd="0" destOrd="0" presId="urn:microsoft.com/office/officeart/2005/8/layout/hProcess3"/>
+    <dgm:cxn modelId="{D2136795-14BA-4341-9704-BC9E444F1E13}" type="presParOf" srcId="{9AC3670F-A5CB-4820-A55C-31CBDB80708E}" destId="{EB3DE644-8184-4D96-B922-6176838344B1}" srcOrd="1" destOrd="0" presId="urn:microsoft.com/office/officeart/2005/8/layout/hProcess3"/>
+    <dgm:cxn modelId="{8A48E587-6F48-4289-9E34-1703E91C1512}" type="presParOf" srcId="{9AC3670F-A5CB-4820-A55C-31CBDB80708E}" destId="{C58667F5-53FF-4001-819E-2C96ABDE4B8C}" srcOrd="2" destOrd="0" presId="urn:microsoft.com/office/officeart/2005/8/layout/hProcess3"/>
+    <dgm:cxn modelId="{97C40AA0-9765-483B-9EB3-88B17314A3B9}" type="presParOf" srcId="{9AC3670F-A5CB-4820-A55C-31CBDB80708E}" destId="{4EDAA804-8214-4AB9-A37A-FE2B88EC8055}" srcOrd="3" destOrd="0" presId="urn:microsoft.com/office/officeart/2005/8/layout/hProcess3"/>
+    <dgm:cxn modelId="{DA98140F-0AA2-40E7-85F9-AB6371B64044}" type="presParOf" srcId="{4F62B1F5-3B2F-451A-9A7C-55C70130228D}" destId="{086C40F4-DC5B-443F-9CAC-F2741C4A764D}" srcOrd="2" destOrd="0" presId="urn:microsoft.com/office/officeart/2005/8/layout/hProcess3"/>
+    <dgm:cxn modelId="{941CB017-A77A-4EE5-9122-480BC1854FC9}" type="presParOf" srcId="{4F62B1F5-3B2F-451A-9A7C-55C70130228D}" destId="{7922588E-17B4-42EE-8F7B-9BF58F84BBEC}" srcOrd="3" destOrd="0" presId="urn:microsoft.com/office/officeart/2005/8/layout/hProcess3"/>
+    <dgm:cxn modelId="{62592B4E-8B8F-46E5-95ED-DCF3443B06F1}" type="presParOf" srcId="{4F62B1F5-3B2F-451A-9A7C-55C70130228D}" destId="{9133398A-06B6-4220-B764-472D33125FDC}" srcOrd="4" destOrd="0" presId="urn:microsoft.com/office/officeart/2005/8/layout/hProcess3"/>
+  </dgm:cxnLst>
+  <dgm:bg/>
+  <dgm:whole/>
+  <dgm:extLst>
+    <a:ext uri="http://schemas.microsoft.com/office/drawing/2008/diagram">
+      <dsp:dataModelExt xmlns:dsp="http://schemas.microsoft.com/office/drawing/2008/diagram" relId="rId10" minVer="http://schemas.openxmlformats.org/drawingml/2006/diagram"/>
+    </a:ext>
+  </dgm:extLst>
+</dgm:dataModel>
+</file>
+
+<file path=ppt/diagrams/data2.xml><?xml version="1.0" encoding="utf-8"?>
+<dgm:dataModel xmlns:dgm="http://schemas.openxmlformats.org/drawingml/2006/diagram" xmlns:a="http://schemas.openxmlformats.org/drawingml/2006/main">
+  <dgm:ptLst>
+    <dgm:pt modelId="{9F231A35-5FBA-4798-9BA9-D571D67BD629}" type="doc">
+      <dgm:prSet loTypeId="urn:microsoft.com/office/officeart/2005/8/layout/hProcess3" loCatId="process" qsTypeId="urn:microsoft.com/office/officeart/2005/8/quickstyle/3d1" qsCatId="3D" csTypeId="urn:microsoft.com/office/officeart/2005/8/colors/accent1_2" csCatId="accent1" phldr="1"/>
+      <dgm:spPr/>
+    </dgm:pt>
+    <dgm:pt modelId="{AD6E2AAF-5846-4019-B926-0C5D407BDA1A}">
+      <dgm:prSet/>
+      <dgm:spPr/>
+      <dgm:t>
+        <a:bodyPr/>
+        <a:lstStyle/>
+        <a:p>
+          <a:r>
+            <a:rPr lang="en-US" dirty="0">
+              <a:solidFill>
+                <a:schemeClr val="bg1"/>
+              </a:solidFill>
+            </a:rPr>
+            <a:t>NLP Pipeline</a:t>
+          </a:r>
+        </a:p>
+      </dgm:t>
+    </dgm:pt>
+    <dgm:pt modelId="{B1C873A2-888F-4987-9826-9B9449E69E20}" type="parTrans" cxnId="{4480B8DF-9E8E-4A74-A91B-E046FCF78474}">
+      <dgm:prSet/>
+      <dgm:spPr/>
+      <dgm:t>
+        <a:bodyPr/>
+        <a:lstStyle/>
+        <a:p>
+          <a:endParaRPr lang="en-US"/>
+        </a:p>
+      </dgm:t>
+    </dgm:pt>
+    <dgm:pt modelId="{B27FE980-5525-41BE-A406-98DCFFD9365A}" type="sibTrans" cxnId="{4480B8DF-9E8E-4A74-A91B-E046FCF78474}">
+      <dgm:prSet/>
+      <dgm:spPr/>
+      <dgm:t>
+        <a:bodyPr/>
+        <a:lstStyle/>
+        <a:p>
+          <a:endParaRPr lang="en-US"/>
+        </a:p>
+      </dgm:t>
+    </dgm:pt>
+    <dgm:pt modelId="{24D74086-0F3E-424D-9039-42B642E82C9E}" type="pres">
+      <dgm:prSet presAssocID="{9F231A35-5FBA-4798-9BA9-D571D67BD629}" presName="Name0" presStyleCnt="0">
+        <dgm:presLayoutVars>
+          <dgm:dir/>
+          <dgm:animLvl val="lvl"/>
+          <dgm:resizeHandles val="exact"/>
+        </dgm:presLayoutVars>
+      </dgm:prSet>
+      <dgm:spPr/>
+    </dgm:pt>
+    <dgm:pt modelId="{74661998-C2CF-4DEA-BAAE-BABD6AA9128B}" type="pres">
+      <dgm:prSet presAssocID="{9F231A35-5FBA-4798-9BA9-D571D67BD629}" presName="dummy" presStyleCnt="0"/>
+      <dgm:spPr/>
+    </dgm:pt>
+    <dgm:pt modelId="{4F62B1F5-3B2F-451A-9A7C-55C70130228D}" type="pres">
+      <dgm:prSet presAssocID="{9F231A35-5FBA-4798-9BA9-D571D67BD629}" presName="linH" presStyleCnt="0"/>
+      <dgm:spPr/>
+    </dgm:pt>
+    <dgm:pt modelId="{69D22E18-E192-4028-80C7-CFE4FE2F6798}" type="pres">
+      <dgm:prSet presAssocID="{9F231A35-5FBA-4798-9BA9-D571D67BD629}" presName="padding1" presStyleCnt="0"/>
+      <dgm:spPr/>
+    </dgm:pt>
+    <dgm:pt modelId="{9AC3670F-A5CB-4820-A55C-31CBDB80708E}" type="pres">
+      <dgm:prSet presAssocID="{AD6E2AAF-5846-4019-B926-0C5D407BDA1A}" presName="linV" presStyleCnt="0"/>
+      <dgm:spPr/>
+    </dgm:pt>
+    <dgm:pt modelId="{3CD08302-20D3-498D-AB4F-B147662E132C}" type="pres">
+      <dgm:prSet presAssocID="{AD6E2AAF-5846-4019-B926-0C5D407BDA1A}" presName="spVertical1" presStyleCnt="0"/>
+      <dgm:spPr/>
+    </dgm:pt>
+    <dgm:pt modelId="{EB3DE644-8184-4D96-B922-6176838344B1}" type="pres">
+      <dgm:prSet presAssocID="{AD6E2AAF-5846-4019-B926-0C5D407BDA1A}" presName="parTx" presStyleLbl="revTx" presStyleIdx="0" presStyleCnt="1">
+        <dgm:presLayoutVars>
+          <dgm:chMax val="0"/>
+          <dgm:chPref val="0"/>
+          <dgm:bulletEnabled val="1"/>
+        </dgm:presLayoutVars>
+      </dgm:prSet>
+      <dgm:spPr/>
+    </dgm:pt>
+    <dgm:pt modelId="{C58667F5-53FF-4001-819E-2C96ABDE4B8C}" type="pres">
+      <dgm:prSet presAssocID="{AD6E2AAF-5846-4019-B926-0C5D407BDA1A}" presName="spVertical2" presStyleCnt="0"/>
+      <dgm:spPr/>
+    </dgm:pt>
+    <dgm:pt modelId="{4EDAA804-8214-4AB9-A37A-FE2B88EC8055}" type="pres">
+      <dgm:prSet presAssocID="{AD6E2AAF-5846-4019-B926-0C5D407BDA1A}" presName="spVertical3" presStyleCnt="0"/>
+      <dgm:spPr/>
+    </dgm:pt>
+    <dgm:pt modelId="{086C40F4-DC5B-443F-9CAC-F2741C4A764D}" type="pres">
+      <dgm:prSet presAssocID="{9F231A35-5FBA-4798-9BA9-D571D67BD629}" presName="padding2" presStyleCnt="0"/>
+      <dgm:spPr/>
+    </dgm:pt>
+    <dgm:pt modelId="{7922588E-17B4-42EE-8F7B-9BF58F84BBEC}" type="pres">
+      <dgm:prSet presAssocID="{9F231A35-5FBA-4798-9BA9-D571D67BD629}" presName="negArrow" presStyleCnt="0"/>
+      <dgm:spPr/>
+    </dgm:pt>
+    <dgm:pt modelId="{9133398A-06B6-4220-B764-472D33125FDC}" type="pres">
+      <dgm:prSet presAssocID="{9F231A35-5FBA-4798-9BA9-D571D67BD629}" presName="backgroundArrow" presStyleLbl="node1" presStyleIdx="0" presStyleCnt="1">
+        <dgm:style>
+          <a:lnRef idx="0">
+            <a:schemeClr val="accent6"/>
+          </a:lnRef>
+          <a:fillRef idx="3">
+            <a:schemeClr val="accent6"/>
+          </a:fillRef>
+          <a:effectRef idx="3">
+            <a:schemeClr val="accent6"/>
+          </a:effectRef>
+          <a:fontRef idx="minor">
+            <a:schemeClr val="lt1"/>
+          </a:fontRef>
+        </dgm:style>
+      </dgm:prSet>
+      <dgm:spPr/>
+    </dgm:pt>
+  </dgm:ptLst>
+  <dgm:cxnLst>
+    <dgm:cxn modelId="{5C3E8E3B-D079-4101-A791-A15FAA9F56E4}" type="presOf" srcId="{AD6E2AAF-5846-4019-B926-0C5D407BDA1A}" destId="{EB3DE644-8184-4D96-B922-6176838344B1}" srcOrd="0" destOrd="0" presId="urn:microsoft.com/office/officeart/2005/8/layout/hProcess3"/>
+    <dgm:cxn modelId="{089F6AC8-531B-408C-BE14-5AF69C5C9B15}" type="presOf" srcId="{9F231A35-5FBA-4798-9BA9-D571D67BD629}" destId="{24D74086-0F3E-424D-9039-42B642E82C9E}" srcOrd="0" destOrd="0" presId="urn:microsoft.com/office/officeart/2005/8/layout/hProcess3"/>
+    <dgm:cxn modelId="{4480B8DF-9E8E-4A74-A91B-E046FCF78474}" srcId="{9F231A35-5FBA-4798-9BA9-D571D67BD629}" destId="{AD6E2AAF-5846-4019-B926-0C5D407BDA1A}" srcOrd="0" destOrd="0" parTransId="{B1C873A2-888F-4987-9826-9B9449E69E20}" sibTransId="{B27FE980-5525-41BE-A406-98DCFFD9365A}"/>
+    <dgm:cxn modelId="{AEB58C84-3E5D-4E72-98E7-F4D8D1DC7293}" type="presParOf" srcId="{24D74086-0F3E-424D-9039-42B642E82C9E}" destId="{74661998-C2CF-4DEA-BAAE-BABD6AA9128B}" srcOrd="0" destOrd="0" presId="urn:microsoft.com/office/officeart/2005/8/layout/hProcess3"/>
+    <dgm:cxn modelId="{42DAE2A7-E144-4A63-9181-8A07753AC59A}" type="presParOf" srcId="{24D74086-0F3E-424D-9039-42B642E82C9E}" destId="{4F62B1F5-3B2F-451A-9A7C-55C70130228D}" srcOrd="1" destOrd="0" presId="urn:microsoft.com/office/officeart/2005/8/layout/hProcess3"/>
+    <dgm:cxn modelId="{196D843C-62FA-4EC9-9683-2E8E5E872982}" type="presParOf" srcId="{4F62B1F5-3B2F-451A-9A7C-55C70130228D}" destId="{69D22E18-E192-4028-80C7-CFE4FE2F6798}" srcOrd="0" destOrd="0" presId="urn:microsoft.com/office/officeart/2005/8/layout/hProcess3"/>
+    <dgm:cxn modelId="{43A0D278-3F74-460B-A691-EBDBFA0FEDF0}" type="presParOf" srcId="{4F62B1F5-3B2F-451A-9A7C-55C70130228D}" destId="{9AC3670F-A5CB-4820-A55C-31CBDB80708E}" srcOrd="1" destOrd="0" presId="urn:microsoft.com/office/officeart/2005/8/layout/hProcess3"/>
+    <dgm:cxn modelId="{E6374F45-D5E2-4F68-B288-1665D92AD3BE}" type="presParOf" srcId="{9AC3670F-A5CB-4820-A55C-31CBDB80708E}" destId="{3CD08302-20D3-498D-AB4F-B147662E132C}" srcOrd="0" destOrd="0" presId="urn:microsoft.com/office/officeart/2005/8/layout/hProcess3"/>
+    <dgm:cxn modelId="{D2136795-14BA-4341-9704-BC9E444F1E13}" type="presParOf" srcId="{9AC3670F-A5CB-4820-A55C-31CBDB80708E}" destId="{EB3DE644-8184-4D96-B922-6176838344B1}" srcOrd="1" destOrd="0" presId="urn:microsoft.com/office/officeart/2005/8/layout/hProcess3"/>
+    <dgm:cxn modelId="{8A48E587-6F48-4289-9E34-1703E91C1512}" type="presParOf" srcId="{9AC3670F-A5CB-4820-A55C-31CBDB80708E}" destId="{C58667F5-53FF-4001-819E-2C96ABDE4B8C}" srcOrd="2" destOrd="0" presId="urn:microsoft.com/office/officeart/2005/8/layout/hProcess3"/>
+    <dgm:cxn modelId="{97C40AA0-9765-483B-9EB3-88B17314A3B9}" type="presParOf" srcId="{9AC3670F-A5CB-4820-A55C-31CBDB80708E}" destId="{4EDAA804-8214-4AB9-A37A-FE2B88EC8055}" srcOrd="3" destOrd="0" presId="urn:microsoft.com/office/officeart/2005/8/layout/hProcess3"/>
+    <dgm:cxn modelId="{DA98140F-0AA2-40E7-85F9-AB6371B64044}" type="presParOf" srcId="{4F62B1F5-3B2F-451A-9A7C-55C70130228D}" destId="{086C40F4-DC5B-443F-9CAC-F2741C4A764D}" srcOrd="2" destOrd="0" presId="urn:microsoft.com/office/officeart/2005/8/layout/hProcess3"/>
+    <dgm:cxn modelId="{941CB017-A77A-4EE5-9122-480BC1854FC9}" type="presParOf" srcId="{4F62B1F5-3B2F-451A-9A7C-55C70130228D}" destId="{7922588E-17B4-42EE-8F7B-9BF58F84BBEC}" srcOrd="3" destOrd="0" presId="urn:microsoft.com/office/officeart/2005/8/layout/hProcess3"/>
+    <dgm:cxn modelId="{62592B4E-8B8F-46E5-95ED-DCF3443B06F1}" type="presParOf" srcId="{4F62B1F5-3B2F-451A-9A7C-55C70130228D}" destId="{9133398A-06B6-4220-B764-472D33125FDC}" srcOrd="4" destOrd="0" presId="urn:microsoft.com/office/officeart/2005/8/layout/hProcess3"/>
+  </dgm:cxnLst>
+  <dgm:bg/>
+  <dgm:whole/>
+  <dgm:extLst>
+    <a:ext uri="http://schemas.microsoft.com/office/drawing/2008/diagram">
+      <dsp:dataModelExt xmlns:dsp="http://schemas.microsoft.com/office/drawing/2008/diagram" relId="rId6" minVer="http://schemas.openxmlformats.org/drawingml/2006/diagram"/>
+    </a:ext>
+  </dgm:extLst>
+</dgm:dataModel>
+</file>
+
+<file path=ppt/diagrams/drawing1.xml><?xml version="1.0" encoding="utf-8"?>
+<dsp:drawing xmlns:dgm="http://schemas.openxmlformats.org/drawingml/2006/diagram" xmlns:dsp="http://schemas.microsoft.com/office/drawing/2008/diagram" xmlns:a="http://schemas.openxmlformats.org/drawingml/2006/main">
+  <dsp:spTree>
+    <dsp:nvGrpSpPr>
+      <dsp:cNvPr id="0" name=""/>
+      <dsp:cNvGrpSpPr/>
+    </dsp:nvGrpSpPr>
+    <dsp:grpSpPr/>
+    <dsp:sp modelId="{9133398A-06B6-4220-B764-472D33125FDC}">
+      <dsp:nvSpPr>
+        <dsp:cNvPr id="0" name=""/>
+        <dsp:cNvSpPr/>
+      </dsp:nvSpPr>
+      <dsp:spPr>
+        <a:xfrm>
+          <a:off x="0" y="27164"/>
+          <a:ext cx="1536348" cy="936000"/>
+        </a:xfrm>
+        <a:prstGeom prst="rightArrow">
+          <a:avLst/>
+        </a:prstGeom>
+        <a:gradFill rotWithShape="1">
+          <a:gsLst>
+            <a:gs pos="0">
+              <a:schemeClr val="accent6">
+                <a:satMod val="103000"/>
+                <a:lumMod val="102000"/>
+                <a:tint val="94000"/>
+              </a:schemeClr>
+            </a:gs>
+            <a:gs pos="50000">
+              <a:schemeClr val="accent6">
+                <a:satMod val="110000"/>
+                <a:lumMod val="100000"/>
+                <a:shade val="100000"/>
+              </a:schemeClr>
+            </a:gs>
+            <a:gs pos="100000">
+              <a:schemeClr val="accent6">
+                <a:lumMod val="99000"/>
+                <a:satMod val="120000"/>
+                <a:shade val="78000"/>
+              </a:schemeClr>
+            </a:gs>
+          </a:gsLst>
+          <a:lin ang="5400000" scaled="0"/>
+        </a:gradFill>
+        <a:ln>
+          <a:noFill/>
+        </a:ln>
+        <a:effectLst>
+          <a:outerShdw blurRad="57150" dist="19050" dir="5400000" algn="ctr" rotWithShape="0">
+            <a:srgbClr val="000000">
+              <a:alpha val="63000"/>
+            </a:srgbClr>
+          </a:outerShdw>
+        </a:effectLst>
+        <a:scene3d>
+          <a:camera prst="orthographicFront"/>
+          <a:lightRig rig="flat" dir="t"/>
+        </a:scene3d>
+        <a:sp3d/>
+      </dsp:spPr>
+      <dsp:style>
+        <a:lnRef idx="0">
+          <a:schemeClr val="accent6"/>
+        </a:lnRef>
+        <a:fillRef idx="3">
+          <a:schemeClr val="accent6"/>
+        </a:fillRef>
+        <a:effectRef idx="3">
+          <a:schemeClr val="accent6"/>
+        </a:effectRef>
+        <a:fontRef idx="minor">
+          <a:schemeClr val="lt1"/>
+        </a:fontRef>
+      </dsp:style>
+    </dsp:sp>
+    <dsp:sp modelId="{EB3DE644-8184-4D96-B922-6176838344B1}">
+      <dsp:nvSpPr>
+        <dsp:cNvPr id="0" name=""/>
+        <dsp:cNvSpPr/>
+      </dsp:nvSpPr>
+      <dsp:spPr>
+        <a:xfrm>
+          <a:off x="123928" y="261165"/>
+          <a:ext cx="1258785" cy="468000"/>
+        </a:xfrm>
+        <a:prstGeom prst="rect">
+          <a:avLst/>
+        </a:prstGeom>
+        <a:noFill/>
+        <a:ln>
+          <a:noFill/>
+        </a:ln>
+        <a:effectLst/>
+      </dsp:spPr>
+      <dsp:style>
+        <a:lnRef idx="0">
+          <a:scrgbClr r="0" g="0" b="0"/>
+        </a:lnRef>
+        <a:fillRef idx="0">
+          <a:scrgbClr r="0" g="0" b="0"/>
+        </a:fillRef>
+        <a:effectRef idx="0">
+          <a:scrgbClr r="0" g="0" b="0"/>
+        </a:effectRef>
+        <a:fontRef idx="minor"/>
+      </dsp:style>
+      <dsp:txBody>
+        <a:bodyPr spcFirstLastPara="0" vert="horz" wrap="square" lIns="0" tIns="132080" rIns="0" bIns="132080" numCol="1" spcCol="1270" anchor="ctr" anchorCtr="0">
+          <a:noAutofit/>
+        </a:bodyPr>
+        <a:lstStyle/>
+        <a:p>
+          <a:pPr marL="0" lvl="0" indent="0" algn="ctr" defTabSz="577850">
+            <a:lnSpc>
+              <a:spcPct val="90000"/>
+            </a:lnSpc>
+            <a:spcBef>
+              <a:spcPct val="0"/>
+            </a:spcBef>
+            <a:spcAft>
+              <a:spcPct val="35000"/>
+            </a:spcAft>
+            <a:buNone/>
+          </a:pPr>
+          <a:r>
+            <a:rPr lang="en-US" sz="1300" kern="1200" dirty="0">
+              <a:solidFill>
+                <a:schemeClr val="bg1"/>
+              </a:solidFill>
+            </a:rPr>
+            <a:t>NLP Pipeline</a:t>
+          </a:r>
+        </a:p>
+      </dsp:txBody>
+      <dsp:txXfrm>
+        <a:off x="123928" y="261165"/>
+        <a:ext cx="1258785" cy="468000"/>
+      </dsp:txXfrm>
+    </dsp:sp>
+  </dsp:spTree>
+</dsp:drawing>
+</file>
+
+<file path=ppt/diagrams/drawing2.xml><?xml version="1.0" encoding="utf-8"?>
+<dsp:drawing xmlns:dgm="http://schemas.openxmlformats.org/drawingml/2006/diagram" xmlns:dsp="http://schemas.microsoft.com/office/drawing/2008/diagram" xmlns:a="http://schemas.openxmlformats.org/drawingml/2006/main">
+  <dsp:spTree>
+    <dsp:nvGrpSpPr>
+      <dsp:cNvPr id="0" name=""/>
+      <dsp:cNvGrpSpPr/>
+    </dsp:nvGrpSpPr>
+    <dsp:grpSpPr/>
+    <dsp:sp modelId="{9133398A-06B6-4220-B764-472D33125FDC}">
+      <dsp:nvSpPr>
+        <dsp:cNvPr id="0" name=""/>
+        <dsp:cNvSpPr/>
+      </dsp:nvSpPr>
+      <dsp:spPr>
+        <a:xfrm>
+          <a:off x="0" y="27164"/>
+          <a:ext cx="1536348" cy="936000"/>
+        </a:xfrm>
+        <a:prstGeom prst="rightArrow">
+          <a:avLst/>
+        </a:prstGeom>
+        <a:gradFill rotWithShape="1">
+          <a:gsLst>
+            <a:gs pos="0">
+              <a:schemeClr val="accent6">
+                <a:satMod val="103000"/>
+                <a:lumMod val="102000"/>
+                <a:tint val="94000"/>
+              </a:schemeClr>
+            </a:gs>
+            <a:gs pos="50000">
+              <a:schemeClr val="accent6">
+                <a:satMod val="110000"/>
+                <a:lumMod val="100000"/>
+                <a:shade val="100000"/>
+              </a:schemeClr>
+            </a:gs>
+            <a:gs pos="100000">
+              <a:schemeClr val="accent6">
+                <a:lumMod val="99000"/>
+                <a:satMod val="120000"/>
+                <a:shade val="78000"/>
+              </a:schemeClr>
+            </a:gs>
+          </a:gsLst>
+          <a:lin ang="5400000" scaled="0"/>
+        </a:gradFill>
+        <a:ln>
+          <a:noFill/>
+        </a:ln>
+        <a:effectLst>
+          <a:outerShdw blurRad="57150" dist="19050" dir="5400000" algn="ctr" rotWithShape="0">
+            <a:srgbClr val="000000">
+              <a:alpha val="63000"/>
+            </a:srgbClr>
+          </a:outerShdw>
+        </a:effectLst>
+        <a:scene3d>
+          <a:camera prst="orthographicFront"/>
+          <a:lightRig rig="flat" dir="t"/>
+        </a:scene3d>
+        <a:sp3d/>
+      </dsp:spPr>
+      <dsp:style>
+        <a:lnRef idx="0">
+          <a:schemeClr val="accent6"/>
+        </a:lnRef>
+        <a:fillRef idx="3">
+          <a:schemeClr val="accent6"/>
+        </a:fillRef>
+        <a:effectRef idx="3">
+          <a:schemeClr val="accent6"/>
+        </a:effectRef>
+        <a:fontRef idx="minor">
+          <a:schemeClr val="lt1"/>
+        </a:fontRef>
+      </dsp:style>
+    </dsp:sp>
+    <dsp:sp modelId="{EB3DE644-8184-4D96-B922-6176838344B1}">
+      <dsp:nvSpPr>
+        <dsp:cNvPr id="0" name=""/>
+        <dsp:cNvSpPr/>
+      </dsp:nvSpPr>
+      <dsp:spPr>
+        <a:xfrm>
+          <a:off x="123928" y="261165"/>
+          <a:ext cx="1258785" cy="468000"/>
+        </a:xfrm>
+        <a:prstGeom prst="rect">
+          <a:avLst/>
+        </a:prstGeom>
+        <a:noFill/>
+        <a:ln>
+          <a:noFill/>
+        </a:ln>
+        <a:effectLst/>
+      </dsp:spPr>
+      <dsp:style>
+        <a:lnRef idx="0">
+          <a:scrgbClr r="0" g="0" b="0"/>
+        </a:lnRef>
+        <a:fillRef idx="0">
+          <a:scrgbClr r="0" g="0" b="0"/>
+        </a:fillRef>
+        <a:effectRef idx="0">
+          <a:scrgbClr r="0" g="0" b="0"/>
+        </a:effectRef>
+        <a:fontRef idx="minor"/>
+      </dsp:style>
+      <dsp:txBody>
+        <a:bodyPr spcFirstLastPara="0" vert="horz" wrap="square" lIns="0" tIns="132080" rIns="0" bIns="132080" numCol="1" spcCol="1270" anchor="ctr" anchorCtr="0">
+          <a:noAutofit/>
+        </a:bodyPr>
+        <a:lstStyle/>
+        <a:p>
+          <a:pPr marL="0" lvl="0" indent="0" algn="ctr" defTabSz="577850">
+            <a:lnSpc>
+              <a:spcPct val="90000"/>
+            </a:lnSpc>
+            <a:spcBef>
+              <a:spcPct val="0"/>
+            </a:spcBef>
+            <a:spcAft>
+              <a:spcPct val="35000"/>
+            </a:spcAft>
+            <a:buNone/>
+          </a:pPr>
+          <a:r>
+            <a:rPr lang="en-US" sz="1300" kern="1200" dirty="0">
+              <a:solidFill>
+                <a:schemeClr val="bg1"/>
+              </a:solidFill>
+            </a:rPr>
+            <a:t>NLP Pipeline</a:t>
+          </a:r>
+        </a:p>
+      </dsp:txBody>
+      <dsp:txXfrm>
+        <a:off x="123928" y="261165"/>
+        <a:ext cx="1258785" cy="468000"/>
+      </dsp:txXfrm>
+    </dsp:sp>
+  </dsp:spTree>
+</dsp:drawing>
+</file>
+
+<file path=ppt/diagrams/layout1.xml><?xml version="1.0" encoding="utf-8"?>
+<dgm:layoutDef xmlns:dgm="http://schemas.openxmlformats.org/drawingml/2006/diagram" xmlns:a="http://schemas.openxmlformats.org/drawingml/2006/main" uniqueId="urn:microsoft.com/office/officeart/2005/8/layout/hProcess3">
+  <dgm:title val=""/>
+  <dgm:desc val=""/>
+  <dgm:catLst>
+    <dgm:cat type="process" pri="6000"/>
+  </dgm:catLst>
+  <dgm:sampData useDef="1">
+    <dgm:dataModel>
+      <dgm:ptLst/>
+      <dgm:bg/>
+      <dgm:whole/>
+    </dgm:dataModel>
+  </dgm:sampData>
+  <dgm:styleData>
+    <dgm:dataModel>
+      <dgm:ptLst>
+        <dgm:pt modelId="0" type="doc"/>
+        <dgm:pt modelId="1"/>
+        <dgm:pt modelId="2"/>
+      </dgm:ptLst>
+      <dgm:cxnLst>
+        <dgm:cxn modelId="3" srcId="0" destId="1" srcOrd="0" destOrd="0"/>
+        <dgm:cxn modelId="4" srcId="0" destId="2" srcOrd="1" destOrd="0"/>
+      </dgm:cxnLst>
+      <dgm:bg/>
+      <dgm:whole/>
+    </dgm:dataModel>
+  </dgm:styleData>
+  <dgm:clrData>
+    <dgm:dataModel>
+      <dgm:ptLst>
+        <dgm:pt modelId="0" type="doc"/>
+        <dgm:pt modelId="1"/>
+        <dgm:pt modelId="2"/>
+        <dgm:pt modelId="3"/>
+        <dgm:pt modelId="4"/>
+      </dgm:ptLst>
+      <dgm:cxnLst>
+        <dgm:cxn modelId="5" srcId="0" destId="1" srcOrd="0" destOrd="0"/>
+        <dgm:cxn modelId="6" srcId="0" destId="2" srcOrd="1" destOrd="0"/>
+        <dgm:cxn modelId="7" srcId="0" destId="3" srcOrd="2" destOrd="0"/>
+        <dgm:cxn modelId="8" srcId="0" destId="4" srcOrd="3" destOrd="0"/>
+      </dgm:cxnLst>
+      <dgm:bg/>
+      <dgm:whole/>
+    </dgm:dataModel>
+  </dgm:clrData>
+  <dgm:layoutNode name="Name0" chOrder="t">
+    <dgm:varLst>
+      <dgm:dir/>
+      <dgm:animLvl val="lvl"/>
+      <dgm:resizeHandles val="exact"/>
+    </dgm:varLst>
+    <dgm:alg type="composite"/>
+    <dgm:shape xmlns:r="http://schemas.openxmlformats.org/officeDocument/2006/relationships" r:blip="">
+      <dgm:adjLst/>
+    </dgm:shape>
+    <dgm:presOf/>
+    <dgm:constrLst>
+      <dgm:constr type="w" for="ch" forName="dummy" refType="w"/>
+      <dgm:constr type="h" for="ch" forName="dummy" refType="h"/>
+      <dgm:constr type="h" for="ch" forName="dummy" refType="w" refFor="ch" refForName="dummy" op="lte" fact="0.4"/>
+      <dgm:constr type="ctrX" for="ch" forName="dummy" refType="w" fact="0.5"/>
+      <dgm:constr type="ctrY" for="ch" forName="dummy" refType="h" fact="0.5"/>
+      <dgm:constr type="w" for="ch" forName="linH" refType="w"/>
+      <dgm:constr type="h" for="ch" forName="linH" refType="h"/>
+      <dgm:constr type="ctrX" for="ch" forName="linH" refType="w" fact="0.5"/>
+      <dgm:constr type="ctrY" for="ch" forName="linH" refType="h" fact="0.5"/>
+      <dgm:constr type="userP" for="ch" forName="linH" refType="h" refFor="ch" refForName="dummy" fact="0.25"/>
+      <dgm:constr type="userT" for="des" forName="parTx" refType="w" refFor="ch" refForName="dummy" fact="0.2"/>
+    </dgm:constrLst>
+    <dgm:ruleLst/>
+    <dgm:layoutNode name="dummy">
+      <dgm:alg type="sp"/>
+      <dgm:shape xmlns:r="http://schemas.openxmlformats.org/officeDocument/2006/relationships" r:blip="">
+        <dgm:adjLst/>
+      </dgm:shape>
+      <dgm:presOf/>
+      <dgm:constrLst/>
+      <dgm:ruleLst/>
+    </dgm:layoutNode>
+    <dgm:layoutNode name="linH">
+      <dgm:choose name="Name1">
+        <dgm:if name="Name2" func="var" arg="dir" op="equ" val="norm">
+          <dgm:alg type="lin">
+            <dgm:param type="linDir" val="fromL"/>
+            <dgm:param type="nodeVertAlign" val="t"/>
+          </dgm:alg>
+        </dgm:if>
+        <dgm:else name="Name3">
+          <dgm:alg type="lin">
+            <dgm:param type="linDir" val="fromR"/>
+            <dgm:param type="nodeVertAlign" val="t"/>
+          </dgm:alg>
+        </dgm:else>
+      </dgm:choose>
+      <dgm:shape xmlns:r="http://schemas.openxmlformats.org/officeDocument/2006/relationships" r:blip="">
+        <dgm:adjLst/>
+      </dgm:shape>
+      <dgm:presOf/>
+      <dgm:constrLst>
+        <dgm:constr type="primFontSz" for="des" forName="parTx" val="65"/>
+        <dgm:constr type="primFontSz" for="des" forName="desTx" refType="primFontSz" refFor="des" refForName="parTx" op="equ"/>
+        <dgm:constr type="h" for="des" forName="parTx" refType="primFontSz" refFor="des" refForName="parTx"/>
+        <dgm:constr type="h" for="des" forName="desTx" refType="primFontSz" refFor="des" refForName="parTx" fact="0.5"/>
+        <dgm:constr type="h" for="des" forName="parTx" op="equ"/>
+        <dgm:constr type="h" for="des" forName="desTx" op="equ"/>
+        <dgm:constr type="h" for="ch" forName="backgroundArrow" refType="primFontSz" refFor="des" refForName="parTx" fact="2"/>
+        <dgm:constr type="h" for="ch" forName="backgroundArrow" refType="h" refFor="des" refForName="parTx" op="lte" fact="2"/>
+        <dgm:constr type="h" for="ch" forName="backgroundArrow" refType="h" refFor="des" refForName="parTx" op="gte" fact="2"/>
+        <dgm:constr type="h" for="des" forName="spVertical1" refType="primFontSz" refFor="des" refForName="parTx" fact="0.5"/>
+        <dgm:constr type="h" for="des" forName="spVertical1" refType="h" refFor="des" refForName="parTx" op="lte" fact="0.5"/>
+        <dgm:constr type="h" for="des" forName="spVertical1" refType="h" refFor="des" refForName="parTx" op="gte" fact="0.5"/>
+        <dgm:constr type="h" for="des" forName="spVertical2" refType="primFontSz" refFor="des" refForName="parTx" fact="0.5"/>
+        <dgm:constr type="h" for="des" forName="spVertical2" refType="h" refFor="des" refForName="parTx" op="lte" fact="0.5"/>
+        <dgm:constr type="h" for="des" forName="spVertical2" refType="h" refFor="des" refForName="parTx" op="gte" fact="0.5"/>
+        <dgm:constr type="h" for="des" forName="spVertical3" refType="primFontSz" refFor="des" refForName="parTx" fact="-0.4"/>
+        <dgm:constr type="h" for="des" forName="spVertical3" refType="h" refFor="des" refForName="parTx" op="lte" fact="-0.4"/>
+        <dgm:constr type="h" for="des" forName="spVertical3" refType="h" refFor="des" refForName="parTx" op="gte" fact="-0.4"/>
+        <dgm:constr type="w" for="ch" forName="backgroundArrow" refType="w"/>
+        <dgm:constr type="w" for="ch" forName="negArrow" refType="w" fact="-1"/>
+        <dgm:constr type="w" for="ch" forName="linV" refType="w"/>
+        <dgm:constr type="w" for="ch" forName="space" refType="w" refFor="ch" refForName="linV" fact="0.2"/>
+        <dgm:constr type="w" for="ch" forName="padding1" refType="w" fact="0.08"/>
+        <dgm:constr type="userP"/>
+        <dgm:constr type="w" for="ch" forName="padding2" refType="userP"/>
+      </dgm:constrLst>
+      <dgm:ruleLst>
+        <dgm:rule type="w" for="ch" forName="linV" val="0" fact="NaN" max="NaN"/>
+        <dgm:rule type="primFontSz" for="des" forName="parTx" val="5" fact="NaN" max="NaN"/>
+      </dgm:ruleLst>
+      <dgm:layoutNode name="padding1">
+        <dgm:alg type="sp"/>
+        <dgm:shape xmlns:r="http://schemas.openxmlformats.org/officeDocument/2006/relationships" r:blip="">
+          <dgm:adjLst/>
+        </dgm:shape>
+        <dgm:presOf/>
+        <dgm:constrLst/>
+        <dgm:ruleLst/>
+      </dgm:layoutNode>
+      <dgm:forEach name="Name4" axis="ch" ptType="node">
+        <dgm:layoutNode name="linV">
+          <dgm:alg type="lin">
+            <dgm:param type="linDir" val="fromT"/>
+          </dgm:alg>
+          <dgm:shape xmlns:r="http://schemas.openxmlformats.org/officeDocument/2006/relationships" r:blip="">
+            <dgm:adjLst/>
+          </dgm:shape>
+          <dgm:presOf/>
+          <dgm:constrLst>
+            <dgm:constr type="w" for="ch" forName="spVertical1" refType="w"/>
+            <dgm:constr type="w" for="ch" forName="parTx" refType="w"/>
+            <dgm:constr type="w" for="ch" forName="spVertical2" refType="w"/>
+            <dgm:constr type="w" for="ch" forName="spVertical3" refType="w"/>
+            <dgm:constr type="w" for="ch" forName="desTx" refType="w"/>
+          </dgm:constrLst>
+          <dgm:ruleLst/>
+          <dgm:layoutNode name="spVertical1">
+            <dgm:alg type="sp"/>
+            <dgm:shape xmlns:r="http://schemas.openxmlformats.org/officeDocument/2006/relationships" r:blip="">
+              <dgm:adjLst/>
+            </dgm:shape>
+            <dgm:presOf/>
+            <dgm:constrLst/>
+            <dgm:ruleLst/>
+          </dgm:layoutNode>
+          <dgm:layoutNode name="parTx" styleLbl="revTx">
+            <dgm:varLst>
+              <dgm:chMax val="0"/>
+              <dgm:chPref val="0"/>
+              <dgm:bulletEnabled val="1"/>
+            </dgm:varLst>
+            <dgm:choose name="Name5">
+              <dgm:if name="Name6" axis="root des" ptType="all node" func="maxDepth" op="gt" val="1">
+                <dgm:alg type="tx">
+                  <dgm:param type="parTxLTRAlign" val="l"/>
+                  <dgm:param type="parTxRTLAlign" val="r"/>
+                </dgm:alg>
+              </dgm:if>
+              <dgm:else name="Name7">
+                <dgm:alg type="tx">
+                  <dgm:param type="parTxLTRAlign" val="ctr"/>
+                  <dgm:param type="parTxRTLAlign" val="ctr"/>
+                </dgm:alg>
+              </dgm:else>
+            </dgm:choose>
+            <dgm:shape xmlns:r="http://schemas.openxmlformats.org/officeDocument/2006/relationships" type="rect" r:blip="">
+              <dgm:adjLst/>
+            </dgm:shape>
+            <dgm:presOf axis="self" ptType="node"/>
+            <dgm:choose name="Name8">
+              <dgm:if name="Name9" func="var" arg="dir" op="equ" val="norm">
+                <dgm:constrLst>
+                  <dgm:constr type="userT"/>
+                  <dgm:constr type="h" refType="userT" op="lte"/>
+                  <dgm:constr type="tMarg" refType="primFontSz" fact="0.8"/>
+                  <dgm:constr type="bMarg" refType="tMarg"/>
+                  <dgm:constr type="lMarg"/>
+                  <dgm:constr type="rMarg"/>
+                </dgm:constrLst>
+              </dgm:if>
+              <dgm:else name="Name10">
+                <dgm:constrLst>
+                  <dgm:constr type="userT"/>
+                  <dgm:constr type="h" refType="userT" op="lte"/>
+                  <dgm:constr type="tMarg" refType="primFontSz" fact="0.8"/>
+                  <dgm:constr type="bMarg" refType="tMarg"/>
+                  <dgm:constr type="lMarg"/>
+                  <dgm:constr type="rMarg"/>
+                </dgm:constrLst>
+              </dgm:else>
+            </dgm:choose>
+            <dgm:ruleLst>
+              <dgm:rule type="h" val="INF" fact="NaN" max="NaN"/>
+            </dgm:ruleLst>
+          </dgm:layoutNode>
+          <dgm:layoutNode name="spVertical2">
+            <dgm:alg type="sp"/>
+            <dgm:shape xmlns:r="http://schemas.openxmlformats.org/officeDocument/2006/relationships" r:blip="">
+              <dgm:adjLst/>
+            </dgm:shape>
+            <dgm:presOf/>
+            <dgm:constrLst/>
+            <dgm:ruleLst/>
+          </dgm:layoutNode>
+          <dgm:layoutNode name="spVertical3">
+            <dgm:alg type="sp"/>
+            <dgm:shape xmlns:r="http://schemas.openxmlformats.org/officeDocument/2006/relationships" r:blip="">
+              <dgm:adjLst/>
+            </dgm:shape>
+            <dgm:presOf/>
+            <dgm:constrLst/>
+            <dgm:ruleLst/>
+          </dgm:layoutNode>
+          <dgm:choose name="Name11">
+            <dgm:if name="Name12" axis="ch" ptType="node" func="cnt" op="gte" val="1">
+              <dgm:layoutNode name="desTx" styleLbl="revTx">
+                <dgm:varLst>
+                  <dgm:bulletEnabled val="1"/>
+                </dgm:varLst>
+                <dgm:alg type="tx">
+                  <dgm:param type="stBulletLvl" val="1"/>
+                </dgm:alg>
+                <dgm:shape xmlns:r="http://schemas.openxmlformats.org/officeDocument/2006/relationships" type="rect" r:blip="">
+                  <dgm:adjLst/>
+                </dgm:shape>
+                <dgm:presOf axis="des" ptType="node"/>
+                <dgm:constrLst>
+                  <dgm:constr type="tMarg"/>
+                  <dgm:constr type="bMarg"/>
+                  <dgm:constr type="rMarg"/>
+                  <dgm:constr type="lMarg"/>
+                </dgm:constrLst>
+                <dgm:ruleLst>
+                  <dgm:rule type="h" val="INF" fact="NaN" max="NaN"/>
+                </dgm:ruleLst>
+              </dgm:layoutNode>
+            </dgm:if>
+            <dgm:else name="Name13"/>
+          </dgm:choose>
+        </dgm:layoutNode>
+        <dgm:forEach name="Name14" axis="followSib" ptType="sibTrans" cnt="1">
+          <dgm:layoutNode name="space">
+            <dgm:alg type="sp"/>
+            <dgm:shape xmlns:r="http://schemas.openxmlformats.org/officeDocument/2006/relationships" r:blip="">
+              <dgm:adjLst/>
+            </dgm:shape>
+            <dgm:presOf/>
+            <dgm:constrLst/>
+            <dgm:ruleLst/>
+          </dgm:layoutNode>
+        </dgm:forEach>
+      </dgm:forEach>
+      <dgm:layoutNode name="padding2">
+        <dgm:alg type="sp"/>
+        <dgm:shape xmlns:r="http://schemas.openxmlformats.org/officeDocument/2006/relationships" r:blip="">
+          <dgm:adjLst/>
+        </dgm:shape>
+        <dgm:presOf/>
+        <dgm:constrLst/>
+        <dgm:ruleLst/>
+      </dgm:layoutNode>
+      <dgm:layoutNode name="negArrow">
+        <dgm:alg type="sp"/>
+        <dgm:shape xmlns:r="http://schemas.openxmlformats.org/officeDocument/2006/relationships" r:blip="">
+          <dgm:adjLst/>
+        </dgm:shape>
+        <dgm:presOf/>
+        <dgm:constrLst/>
+        <dgm:ruleLst/>
+      </dgm:layoutNode>
+      <dgm:layoutNode name="backgroundArrow" styleLbl="node1">
+        <dgm:alg type="sp"/>
+        <dgm:choose name="Name15">
+          <dgm:if name="Name16" func="var" arg="dir" op="equ" val="norm">
+            <dgm:shape xmlns:r="http://schemas.openxmlformats.org/officeDocument/2006/relationships" type="rightArrow" r:blip="">
+              <dgm:adjLst/>
+            </dgm:shape>
+          </dgm:if>
+          <dgm:else name="Name17">
+            <dgm:shape xmlns:r="http://schemas.openxmlformats.org/officeDocument/2006/relationships" type="leftArrow" r:blip="">
+              <dgm:adjLst/>
+            </dgm:shape>
+          </dgm:else>
+        </dgm:choose>
+        <dgm:presOf/>
+        <dgm:constrLst/>
+        <dgm:ruleLst/>
+      </dgm:layoutNode>
+    </dgm:layoutNode>
+  </dgm:layoutNode>
+</dgm:layoutDef>
+</file>
+
+<file path=ppt/diagrams/layout2.xml><?xml version="1.0" encoding="utf-8"?>
+<dgm:layoutDef xmlns:dgm="http://schemas.openxmlformats.org/drawingml/2006/diagram" xmlns:a="http://schemas.openxmlformats.org/drawingml/2006/main" uniqueId="urn:microsoft.com/office/officeart/2005/8/layout/hProcess3">
+  <dgm:title val=""/>
+  <dgm:desc val=""/>
+  <dgm:catLst>
+    <dgm:cat type="process" pri="6000"/>
+  </dgm:catLst>
+  <dgm:sampData useDef="1">
+    <dgm:dataModel>
+      <dgm:ptLst/>
+      <dgm:bg/>
+      <dgm:whole/>
+    </dgm:dataModel>
+  </dgm:sampData>
+  <dgm:styleData>
+    <dgm:dataModel>
+      <dgm:ptLst>
+        <dgm:pt modelId="0" type="doc"/>
+        <dgm:pt modelId="1"/>
+        <dgm:pt modelId="2"/>
+      </dgm:ptLst>
+      <dgm:cxnLst>
+        <dgm:cxn modelId="3" srcId="0" destId="1" srcOrd="0" destOrd="0"/>
+        <dgm:cxn modelId="4" srcId="0" destId="2" srcOrd="1" destOrd="0"/>
+      </dgm:cxnLst>
+      <dgm:bg/>
+      <dgm:whole/>
+    </dgm:dataModel>
+  </dgm:styleData>
+  <dgm:clrData>
+    <dgm:dataModel>
+      <dgm:ptLst>
+        <dgm:pt modelId="0" type="doc"/>
+        <dgm:pt modelId="1"/>
+        <dgm:pt modelId="2"/>
+        <dgm:pt modelId="3"/>
+        <dgm:pt modelId="4"/>
+      </dgm:ptLst>
+      <dgm:cxnLst>
+        <dgm:cxn modelId="5" srcId="0" destId="1" srcOrd="0" destOrd="0"/>
+        <dgm:cxn modelId="6" srcId="0" destId="2" srcOrd="1" destOrd="0"/>
+        <dgm:cxn modelId="7" srcId="0" destId="3" srcOrd="2" destOrd="0"/>
+        <dgm:cxn modelId="8" srcId="0" destId="4" srcOrd="3" destOrd="0"/>
+      </dgm:cxnLst>
+      <dgm:bg/>
+      <dgm:whole/>
+    </dgm:dataModel>
+  </dgm:clrData>
+  <dgm:layoutNode name="Name0" chOrder="t">
+    <dgm:varLst>
+      <dgm:dir/>
+      <dgm:animLvl val="lvl"/>
+      <dgm:resizeHandles val="exact"/>
+    </dgm:varLst>
+    <dgm:alg type="composite"/>
+    <dgm:shape xmlns:r="http://schemas.openxmlformats.org/officeDocument/2006/relationships" r:blip="">
+      <dgm:adjLst/>
+    </dgm:shape>
+    <dgm:presOf/>
+    <dgm:constrLst>
+      <dgm:constr type="w" for="ch" forName="dummy" refType="w"/>
+      <dgm:constr type="h" for="ch" forName="dummy" refType="h"/>
+      <dgm:constr type="h" for="ch" forName="dummy" refType="w" refFor="ch" refForName="dummy" op="lte" fact="0.4"/>
+      <dgm:constr type="ctrX" for="ch" forName="dummy" refType="w" fact="0.5"/>
+      <dgm:constr type="ctrY" for="ch" forName="dummy" refType="h" fact="0.5"/>
+      <dgm:constr type="w" for="ch" forName="linH" refType="w"/>
+      <dgm:constr type="h" for="ch" forName="linH" refType="h"/>
+      <dgm:constr type="ctrX" for="ch" forName="linH" refType="w" fact="0.5"/>
+      <dgm:constr type="ctrY" for="ch" forName="linH" refType="h" fact="0.5"/>
+      <dgm:constr type="userP" for="ch" forName="linH" refType="h" refFor="ch" refForName="dummy" fact="0.25"/>
+      <dgm:constr type="userT" for="des" forName="parTx" refType="w" refFor="ch" refForName="dummy" fact="0.2"/>
+    </dgm:constrLst>
+    <dgm:ruleLst/>
+    <dgm:layoutNode name="dummy">
+      <dgm:alg type="sp"/>
+      <dgm:shape xmlns:r="http://schemas.openxmlformats.org/officeDocument/2006/relationships" r:blip="">
+        <dgm:adjLst/>
+      </dgm:shape>
+      <dgm:presOf/>
+      <dgm:constrLst/>
+      <dgm:ruleLst/>
+    </dgm:layoutNode>
+    <dgm:layoutNode name="linH">
+      <dgm:choose name="Name1">
+        <dgm:if name="Name2" func="var" arg="dir" op="equ" val="norm">
+          <dgm:alg type="lin">
+            <dgm:param type="linDir" val="fromL"/>
+            <dgm:param type="nodeVertAlign" val="t"/>
+          </dgm:alg>
+        </dgm:if>
+        <dgm:else name="Name3">
+          <dgm:alg type="lin">
+            <dgm:param type="linDir" val="fromR"/>
+            <dgm:param type="nodeVertAlign" val="t"/>
+          </dgm:alg>
+        </dgm:else>
+      </dgm:choose>
+      <dgm:shape xmlns:r="http://schemas.openxmlformats.org/officeDocument/2006/relationships" r:blip="">
+        <dgm:adjLst/>
+      </dgm:shape>
+      <dgm:presOf/>
+      <dgm:constrLst>
+        <dgm:constr type="primFontSz" for="des" forName="parTx" val="65"/>
+        <dgm:constr type="primFontSz" for="des" forName="desTx" refType="primFontSz" refFor="des" refForName="parTx" op="equ"/>
+        <dgm:constr type="h" for="des" forName="parTx" refType="primFontSz" refFor="des" refForName="parTx"/>
+        <dgm:constr type="h" for="des" forName="desTx" refType="primFontSz" refFor="des" refForName="parTx" fact="0.5"/>
+        <dgm:constr type="h" for="des" forName="parTx" op="equ"/>
+        <dgm:constr type="h" for="des" forName="desTx" op="equ"/>
+        <dgm:constr type="h" for="ch" forName="backgroundArrow" refType="primFontSz" refFor="des" refForName="parTx" fact="2"/>
+        <dgm:constr type="h" for="ch" forName="backgroundArrow" refType="h" refFor="des" refForName="parTx" op="lte" fact="2"/>
+        <dgm:constr type="h" for="ch" forName="backgroundArrow" refType="h" refFor="des" refForName="parTx" op="gte" fact="2"/>
+        <dgm:constr type="h" for="des" forName="spVertical1" refType="primFontSz" refFor="des" refForName="parTx" fact="0.5"/>
+        <dgm:constr type="h" for="des" forName="spVertical1" refType="h" refFor="des" refForName="parTx" op="lte" fact="0.5"/>
+        <dgm:constr type="h" for="des" forName="spVertical1" refType="h" refFor="des" refForName="parTx" op="gte" fact="0.5"/>
+        <dgm:constr type="h" for="des" forName="spVertical2" refType="primFontSz" refFor="des" refForName="parTx" fact="0.5"/>
+        <dgm:constr type="h" for="des" forName="spVertical2" refType="h" refFor="des" refForName="parTx" op="lte" fact="0.5"/>
+        <dgm:constr type="h" for="des" forName="spVertical2" refType="h" refFor="des" refForName="parTx" op="gte" fact="0.5"/>
+        <dgm:constr type="h" for="des" forName="spVertical3" refType="primFontSz" refFor="des" refForName="parTx" fact="-0.4"/>
+        <dgm:constr type="h" for="des" forName="spVertical3" refType="h" refFor="des" refForName="parTx" op="lte" fact="-0.4"/>
+        <dgm:constr type="h" for="des" forName="spVertical3" refType="h" refFor="des" refForName="parTx" op="gte" fact="-0.4"/>
+        <dgm:constr type="w" for="ch" forName="backgroundArrow" refType="w"/>
+        <dgm:constr type="w" for="ch" forName="negArrow" refType="w" fact="-1"/>
+        <dgm:constr type="w" for="ch" forName="linV" refType="w"/>
+        <dgm:constr type="w" for="ch" forName="space" refType="w" refFor="ch" refForName="linV" fact="0.2"/>
+        <dgm:constr type="w" for="ch" forName="padding1" refType="w" fact="0.08"/>
+        <dgm:constr type="userP"/>
+        <dgm:constr type="w" for="ch" forName="padding2" refType="userP"/>
+      </dgm:constrLst>
+      <dgm:ruleLst>
+        <dgm:rule type="w" for="ch" forName="linV" val="0" fact="NaN" max="NaN"/>
+        <dgm:rule type="primFontSz" for="des" forName="parTx" val="5" fact="NaN" max="NaN"/>
+      </dgm:ruleLst>
+      <dgm:layoutNode name="padding1">
+        <dgm:alg type="sp"/>
+        <dgm:shape xmlns:r="http://schemas.openxmlformats.org/officeDocument/2006/relationships" r:blip="">
+          <dgm:adjLst/>
+        </dgm:shape>
+        <dgm:presOf/>
+        <dgm:constrLst/>
+        <dgm:ruleLst/>
+      </dgm:layoutNode>
+      <dgm:forEach name="Name4" axis="ch" ptType="node">
+        <dgm:layoutNode name="linV">
+          <dgm:alg type="lin">
+            <dgm:param type="linDir" val="fromT"/>
+          </dgm:alg>
+          <dgm:shape xmlns:r="http://schemas.openxmlformats.org/officeDocument/2006/relationships" r:blip="">
+            <dgm:adjLst/>
+          </dgm:shape>
+          <dgm:presOf/>
+          <dgm:constrLst>
+            <dgm:constr type="w" for="ch" forName="spVertical1" refType="w"/>
+            <dgm:constr type="w" for="ch" forName="parTx" refType="w"/>
+            <dgm:constr type="w" for="ch" forName="spVertical2" refType="w"/>
+            <dgm:constr type="w" for="ch" forName="spVertical3" refType="w"/>
+            <dgm:constr type="w" for="ch" forName="desTx" refType="w"/>
+          </dgm:constrLst>
+          <dgm:ruleLst/>
+          <dgm:layoutNode name="spVertical1">
+            <dgm:alg type="sp"/>
+            <dgm:shape xmlns:r="http://schemas.openxmlformats.org/officeDocument/2006/relationships" r:blip="">
+              <dgm:adjLst/>
+            </dgm:shape>
+            <dgm:presOf/>
+            <dgm:constrLst/>
+            <dgm:ruleLst/>
+          </dgm:layoutNode>
+          <dgm:layoutNode name="parTx" styleLbl="revTx">
+            <dgm:varLst>
+              <dgm:chMax val="0"/>
+              <dgm:chPref val="0"/>
+              <dgm:bulletEnabled val="1"/>
+            </dgm:varLst>
+            <dgm:choose name="Name5">
+              <dgm:if name="Name6" axis="root des" ptType="all node" func="maxDepth" op="gt" val="1">
+                <dgm:alg type="tx">
+                  <dgm:param type="parTxLTRAlign" val="l"/>
+                  <dgm:param type="parTxRTLAlign" val="r"/>
+                </dgm:alg>
+              </dgm:if>
+              <dgm:else name="Name7">
+                <dgm:alg type="tx">
+                  <dgm:param type="parTxLTRAlign" val="ctr"/>
+                  <dgm:param type="parTxRTLAlign" val="ctr"/>
+                </dgm:alg>
+              </dgm:else>
+            </dgm:choose>
+            <dgm:shape xmlns:r="http://schemas.openxmlformats.org/officeDocument/2006/relationships" type="rect" r:blip="">
+              <dgm:adjLst/>
+            </dgm:shape>
+            <dgm:presOf axis="self" ptType="node"/>
+            <dgm:choose name="Name8">
+              <dgm:if name="Name9" func="var" arg="dir" op="equ" val="norm">
+                <dgm:constrLst>
+                  <dgm:constr type="userT"/>
+                  <dgm:constr type="h" refType="userT" op="lte"/>
+                  <dgm:constr type="tMarg" refType="primFontSz" fact="0.8"/>
+                  <dgm:constr type="bMarg" refType="tMarg"/>
+                  <dgm:constr type="lMarg"/>
+                  <dgm:constr type="rMarg"/>
+                </dgm:constrLst>
+              </dgm:if>
+              <dgm:else name="Name10">
+                <dgm:constrLst>
+                  <dgm:constr type="userT"/>
+                  <dgm:constr type="h" refType="userT" op="lte"/>
+                  <dgm:constr type="tMarg" refType="primFontSz" fact="0.8"/>
+                  <dgm:constr type="bMarg" refType="tMarg"/>
+                  <dgm:constr type="lMarg"/>
+                  <dgm:constr type="rMarg"/>
+                </dgm:constrLst>
+              </dgm:else>
+            </dgm:choose>
+            <dgm:ruleLst>
+              <dgm:rule type="h" val="INF" fact="NaN" max="NaN"/>
+            </dgm:ruleLst>
+          </dgm:layoutNode>
+          <dgm:layoutNode name="spVertical2">
+            <dgm:alg type="sp"/>
+            <dgm:shape xmlns:r="http://schemas.openxmlformats.org/officeDocument/2006/relationships" r:blip="">
+              <dgm:adjLst/>
+            </dgm:shape>
+            <dgm:presOf/>
+            <dgm:constrLst/>
+            <dgm:ruleLst/>
+          </dgm:layoutNode>
+          <dgm:layoutNode name="spVertical3">
+            <dgm:alg type="sp"/>
+            <dgm:shape xmlns:r="http://schemas.openxmlformats.org/officeDocument/2006/relationships" r:blip="">
+              <dgm:adjLst/>
+            </dgm:shape>
+            <dgm:presOf/>
+            <dgm:constrLst/>
+            <dgm:ruleLst/>
+          </dgm:layoutNode>
+          <dgm:choose name="Name11">
+            <dgm:if name="Name12" axis="ch" ptType="node" func="cnt" op="gte" val="1">
+              <dgm:layoutNode name="desTx" styleLbl="revTx">
+                <dgm:varLst>
+                  <dgm:bulletEnabled val="1"/>
+                </dgm:varLst>
+                <dgm:alg type="tx">
+                  <dgm:param type="stBulletLvl" val="1"/>
+                </dgm:alg>
+                <dgm:shape xmlns:r="http://schemas.openxmlformats.org/officeDocument/2006/relationships" type="rect" r:blip="">
+                  <dgm:adjLst/>
+                </dgm:shape>
+                <dgm:presOf axis="des" ptType="node"/>
+                <dgm:constrLst>
+                  <dgm:constr type="tMarg"/>
+                  <dgm:constr type="bMarg"/>
+                  <dgm:constr type="rMarg"/>
+                  <dgm:constr type="lMarg"/>
+                </dgm:constrLst>
+                <dgm:ruleLst>
+                  <dgm:rule type="h" val="INF" fact="NaN" max="NaN"/>
+                </dgm:ruleLst>
+              </dgm:layoutNode>
+            </dgm:if>
+            <dgm:else name="Name13"/>
+          </dgm:choose>
+        </dgm:layoutNode>
+        <dgm:forEach name="Name14" axis="followSib" ptType="sibTrans" cnt="1">
+          <dgm:layoutNode name="space">
+            <dgm:alg type="sp"/>
+            <dgm:shape xmlns:r="http://schemas.openxmlformats.org/officeDocument/2006/relationships" r:blip="">
+              <dgm:adjLst/>
+            </dgm:shape>
+            <dgm:presOf/>
+            <dgm:constrLst/>
+            <dgm:ruleLst/>
+          </dgm:layoutNode>
+        </dgm:forEach>
+      </dgm:forEach>
+      <dgm:layoutNode name="padding2">
+        <dgm:alg type="sp"/>
+        <dgm:shape xmlns:r="http://schemas.openxmlformats.org/officeDocument/2006/relationships" r:blip="">
+          <dgm:adjLst/>
+        </dgm:shape>
+        <dgm:presOf/>
+        <dgm:constrLst/>
+        <dgm:ruleLst/>
+      </dgm:layoutNode>
+      <dgm:layoutNode name="negArrow">
+        <dgm:alg type="sp"/>
+        <dgm:shape xmlns:r="http://schemas.openxmlformats.org/officeDocument/2006/relationships" r:blip="">
+          <dgm:adjLst/>
+        </dgm:shape>
+        <dgm:presOf/>
+        <dgm:constrLst/>
+        <dgm:ruleLst/>
+      </dgm:layoutNode>
+      <dgm:layoutNode name="backgroundArrow" styleLbl="node1">
+        <dgm:alg type="sp"/>
+        <dgm:choose name="Name15">
+          <dgm:if name="Name16" func="var" arg="dir" op="equ" val="norm">
+            <dgm:shape xmlns:r="http://schemas.openxmlformats.org/officeDocument/2006/relationships" type="rightArrow" r:blip="">
+              <dgm:adjLst/>
+            </dgm:shape>
+          </dgm:if>
+          <dgm:else name="Name17">
+            <dgm:shape xmlns:r="http://schemas.openxmlformats.org/officeDocument/2006/relationships" type="leftArrow" r:blip="">
+              <dgm:adjLst/>
+            </dgm:shape>
+          </dgm:else>
+        </dgm:choose>
+        <dgm:presOf/>
+        <dgm:constrLst/>
+        <dgm:ruleLst/>
+      </dgm:layoutNode>
+    </dgm:layoutNode>
+  </dgm:layoutNode>
+</dgm:layoutDef>
+</file>
+
+<file path=ppt/diagrams/quickStyle1.xml><?xml version="1.0" encoding="utf-8"?>
+<dgm:styleDef xmlns:dgm="http://schemas.openxmlformats.org/drawingml/2006/diagram" xmlns:a="http://schemas.openxmlformats.org/drawingml/2006/main" uniqueId="urn:microsoft.com/office/officeart/2005/8/quickstyle/3d1">
+  <dgm:title val=""/>
+  <dgm:desc val=""/>
+  <dgm:catLst>
+    <dgm:cat type="3D" pri="11100"/>
+  </dgm:catLst>
+  <dgm:scene3d>
+    <a:camera prst="orthographicFront"/>
+    <a:lightRig rig="threePt" dir="t"/>
+  </dgm:scene3d>
+  <dgm:styleLbl name="node0">
+    <dgm:scene3d>
+      <a:camera prst="orthographicFront"/>
+      <a:lightRig rig="flat" dir="t"/>
+    </dgm:scene3d>
+    <dgm:sp3d prstMaterial="plastic">
+      <a:bevelT w="120900" h="88900"/>
+      <a:bevelB w="88900" h="31750" prst="angle"/>
+    </dgm:sp3d>
+    <dgm:txPr/>
+    <dgm:style>
+      <a:lnRef idx="0">
+        <a:scrgbClr r="0" g="0" b="0"/>
+      </a:lnRef>
+      <a:fillRef idx="3">
+        <a:scrgbClr r="0" g="0" b="0"/>
+      </a:fillRef>
+      <a:effectRef idx="2">
+        <a:scrgbClr r="0" g="0" b="0"/>
+      </a:effectRef>
+      <a:fontRef idx="minor">
+        <a:schemeClr val="lt1"/>
+      </a:fontRef>
+    </dgm:style>
+  </dgm:styleLbl>
+  <dgm:styleLbl name="lnNode1">
+    <dgm:scene3d>
+      <a:camera prst="orthographicFront"/>
+      <a:lightRig rig="flat" dir="t"/>
+    </dgm:scene3d>
+    <dgm:sp3d prstMaterial="plastic">
+      <a:bevelT w="120900" h="88900"/>
+      <a:bevelB w="88900" h="31750" prst="angle"/>
+    </dgm:sp3d>
+    <dgm:txPr/>
+    <dgm:style>
+      <a:lnRef idx="0">
+        <a:scrgbClr r="0" g="0" b="0"/>
+      </a:lnRef>
+      <a:fillRef idx="3">
+        <a:scrgbClr r="0" g="0" b="0"/>
+      </a:fillRef>
+      <a:effectRef idx="1">
+        <a:scrgbClr r="0" g="0" b="0"/>
+      </a:effectRef>
+      <a:fontRef idx="minor">
+        <a:schemeClr val="lt1"/>
+      </a:fontRef>
+    </dgm:style>
+  </dgm:styleLbl>
+  <dgm:styleLbl name="vennNode1">
+    <dgm:scene3d>
+      <a:camera prst="orthographicFront"/>
+      <a:lightRig rig="flat" dir="t"/>
+    </dgm:scene3d>
+    <dgm:sp3d prstMaterial="plastic">
+      <a:bevelT w="120900" h="88900"/>
+      <a:bevelB w="88900" h="31750" prst="angle"/>
+    </dgm:sp3d>
+    <dgm:txPr/>
+    <dgm:style>
+      <a:lnRef idx="0">
+        <a:scrgbClr r="0" g="0" b="0"/>
+      </a:lnRef>
+      <a:fillRef idx="1">
+        <a:scrgbClr r="0" g="0" b="0"/>
+      </a:fillRef>
+      <a:effectRef idx="1">
+        <a:scrgbClr r="0" g="0" b="0"/>
+      </a:effectRef>
+      <a:fontRef idx="minor">
+        <a:schemeClr val="tx1"/>
+      </a:fontRef>
+    </dgm:style>
+  </dgm:styleLbl>
+  <dgm:styleLbl name="alignNode1">
+    <dgm:scene3d>
+      <a:camera prst="orthographicFront"/>
+      <a:lightRig rig="flat" dir="t"/>
+    </dgm:scene3d>
+    <dgm:sp3d prstMaterial="plastic">
+      <a:bevelT w="120900" h="88900"/>
+      <a:bevelB w="88900" h="31750" prst="angle"/>
+    </dgm:sp3d>
+    <dgm:txPr/>
+    <dgm:style>
+      <a:lnRef idx="1">
+        <a:scrgbClr r="0" g="0" b="0"/>
+      </a:lnRef>
+      <a:fillRef idx="3">
+        <a:scrgbClr r="0" g="0" b="0"/>
+      </a:fillRef>
+      <a:effectRef idx="2">
+        <a:scrgbClr r="0" g="0" b="0"/>
+      </a:effectRef>
+      <a:fontRef idx="minor">
+        <a:schemeClr val="lt1"/>
+      </a:fontRef>
+    </dgm:style>
+  </dgm:styleLbl>
+  <dgm:styleLbl name="node1">
+    <dgm:scene3d>
+      <a:camera prst="orthographicFront"/>
+      <a:lightRig rig="flat" dir="t"/>
+    </dgm:scene3d>
+    <dgm:sp3d prstMaterial="plastic">
+      <a:bevelT w="120900" h="88900"/>
+      <a:bevelB w="88900" h="31750" prst="angle"/>
+    </dgm:sp3d>
+    <dgm:txPr/>
+    <dgm:style>
+      <a:lnRef idx="0">
+        <a:scrgbClr r="0" g="0" b="0"/>
+      </a:lnRef>
+      <a:fillRef idx="3">
+        <a:scrgbClr r="0" g="0" b="0"/>
+      </a:fillRef>
+      <a:effectRef idx="2">
+        <a:scrgbClr r="0" g="0" b="0"/>
+      </a:effectRef>
+      <a:fontRef idx="minor">
+        <a:schemeClr val="lt1"/>
+      </a:fontRef>
+    </dgm:style>
+  </dgm:styleLbl>
+  <dgm:styleLbl name="node2">
+    <dgm:scene3d>
+      <a:camera prst="orthographicFront"/>
+      <a:lightRig rig="flat" dir="t"/>
+    </dgm:scene3d>
+    <dgm:sp3d prstMaterial="plastic">
+      <a:bevelT w="120900" h="88900"/>
+      <a:bevelB w="88900" h="31750" prst="angle"/>
+    </dgm:sp3d>
+    <dgm:txPr/>
+    <dgm:style>
+      <a:lnRef idx="0">
+        <a:scrgbClr r="0" g="0" b="0"/>
+      </a:lnRef>
+      <a:fillRef idx="3">
+        <a:scrgbClr r="0" g="0" b="0"/>
+      </a:fillRef>
+      <a:effectRef idx="1">
+        <a:scrgbClr r="0" g="0" b="0"/>
+      </a:effectRef>
+      <a:fontRef idx="minor">
+        <a:schemeClr val="lt1"/>
+      </a:fontRef>
+    </dgm:style>
+  </dgm:styleLbl>
+  <dgm:styleLbl name="node3">
+    <dgm:scene3d>
+      <a:camera prst="orthographicFront"/>
+      <a:lightRig rig="flat" dir="t"/>
+    </dgm:scene3d>
+    <dgm:sp3d prstMaterial="plastic">
+      <a:bevelT w="120900" h="88900"/>
+      <a:bevelB w="88900" h="31750" prst="angle"/>
+    </dgm:sp3d>
+    <dgm:txPr/>
+    <dgm:style>
+      <a:lnRef idx="0">
+        <a:scrgbClr r="0" g="0" b="0"/>
+      </a:lnRef>
+      <a:fillRef idx="3">
+        <a:scrgbClr r="0" g="0" b="0"/>
+      </a:fillRef>
+      <a:effectRef idx="1">
+        <a:scrgbClr r="0" g="0" b="0"/>
+      </a:effectRef>
+      <a:fontRef idx="minor">
+        <a:schemeClr val="lt1"/>
+      </a:fontRef>
+    </dgm:style>
+  </dgm:styleLbl>
+  <dgm:styleLbl name="node4">
+    <dgm:scene3d>
+      <a:camera prst="orthographicFront"/>
+      <a:lightRig rig="flat" dir="t"/>
+    </dgm:scene3d>
+    <dgm:sp3d prstMaterial="plastic">
+      <a:bevelT w="120900" h="88900"/>
+      <a:bevelB w="88900" h="31750" prst="angle"/>
+    </dgm:sp3d>
+    <dgm:txPr/>
+    <dgm:style>
+      <a:lnRef idx="0">
+        <a:scrgbClr r="0" g="0" b="0"/>
+      </a:lnRef>
+      <a:fillRef idx="3">
+        <a:scrgbClr r="0" g="0" b="0"/>
+      </a:fillRef>
+      <a:effectRef idx="1">
+        <a:scrgbClr r="0" g="0" b="0"/>
+      </a:effectRef>
+      <a:fontRef idx="minor">
+        <a:schemeClr val="lt1"/>
+      </a:fontRef>
+    </dgm:style>
+  </dgm:styleLbl>
+  <dgm:styleLbl name="fgImgPlace1">
+    <dgm:scene3d>
+      <a:camera prst="orthographicFront"/>
+      <a:lightRig rig="flat" dir="t"/>
+    </dgm:scene3d>
+    <dgm:sp3d z="127000" prstMaterial="plastic">
+      <a:bevelT w="88900" h="88900"/>
+      <a:bevelB w="88900" h="31750" prst="angle"/>
+    </dgm:sp3d>
+    <dgm:txPr/>
+    <dgm:style>
+      <a:lnRef idx="0">
+        <a:scrgbClr r="0" g="0" b="0"/>
+      </a:lnRef>
+      <a:fillRef idx="3">
+        <a:scrgbClr r="0" g="0" b="0"/>
+      </a:fillRef>
+      <a:effectRef idx="2">
+        <a:scrgbClr r="0" g="0" b="0"/>
+      </a:effectRef>
+      <a:fontRef idx="minor"/>
+    </dgm:style>
+  </dgm:styleLbl>
+  <dgm:styleLbl name="alignImgPlace1">
+    <dgm:scene3d>
+      <a:camera prst="orthographicFront"/>
+      <a:lightRig rig="flat" dir="t"/>
+    </dgm:scene3d>
+    <dgm:sp3d prstMaterial="plastic">
+      <a:bevelT w="88900" h="88900"/>
+      <a:bevelB w="88900" h="31750" prst="angle"/>
+    </dgm:sp3d>
+    <dgm:txPr/>
+    <dgm:style>
+      <a:lnRef idx="0">
+        <a:scrgbClr r="0" g="0" b="0"/>
+      </a:lnRef>
+      <a:fillRef idx="3">
+        <a:scrgbClr r="0" g="0" b="0"/>
+      </a:fillRef>
+      <a:effectRef idx="2">
+        <a:scrgbClr r="0" g="0" b="0"/>
+      </a:effectRef>
+      <a:fontRef idx="minor"/>
+    </dgm:style>
+  </dgm:styleLbl>
+  <dgm:styleLbl name="bgImgPlace1">
+    <dgm:scene3d>
+      <a:camera prst="orthographicFront"/>
+      <a:lightRig rig="flat" dir="t"/>
+    </dgm:scene3d>
+    <dgm:sp3d z="-190500" prstMaterial="plastic">
+      <a:bevelT w="88900" h="88900"/>
+      <a:bevelB w="88900" h="31750" prst="angle"/>
+    </dgm:sp3d>
+    <dgm:txPr/>
+    <dgm:style>
+      <a:lnRef idx="0">
+        <a:scrgbClr r="0" g="0" b="0"/>
+      </a:lnRef>
+      <a:fillRef idx="3">
+        <a:scrgbClr r="0" g="0" b="0"/>
+      </a:fillRef>
+      <a:effectRef idx="2">
+        <a:scrgbClr r="0" g="0" b="0"/>
+      </a:effectRef>
+      <a:fontRef idx="minor"/>
+    </dgm:style>
+  </dgm:styleLbl>
+  <dgm:styleLbl name="sibTrans2D1">
+    <dgm:scene3d>
+      <a:camera prst="orthographicFront"/>
+      <a:lightRig rig="flat" dir="t"/>
+    </dgm:scene3d>
+    <dgm:sp3d z="-80000" prstMaterial="plastic">
+      <a:bevelT w="50800" h="50800"/>
+      <a:bevelB w="25400" h="25400" prst="angle"/>
+    </dgm:sp3d>
+    <dgm:txPr/>
+    <dgm:style>
+      <a:lnRef idx="0">
+        <a:scrgbClr r="0" g="0" b="0"/>
+      </a:lnRef>
+      <a:fillRef idx="3">
+        <a:scrgbClr r="0" g="0" b="0"/>
+      </a:fillRef>
+      <a:effectRef idx="2">
+        <a:scrgbClr r="0" g="0" b="0"/>
+      </a:effectRef>
+      <a:fontRef idx="minor">
+        <a:schemeClr val="lt1"/>
+      </a:fontRef>
+    </dgm:style>
+  </dgm:styleLbl>
+  <dgm:styleLbl name="fgSibTrans2D1">
+    <dgm:scene3d>
+      <a:camera prst="orthographicFront"/>
+      <a:lightRig rig="flat" dir="t"/>
+    </dgm:scene3d>
+    <dgm:sp3d z="127000" prstMaterial="plastic">
+      <a:bevelT w="50800" h="50800"/>
+      <a:bevelB w="25400" h="25400" prst="angle"/>
+    </dgm:sp3d>
+    <dgm:txPr/>
+    <dgm:style>
+      <a:lnRef idx="0">
+        <a:scrgbClr r="0" g="0" b="0"/>
+      </a:lnRef>
+      <a:fillRef idx="3">
+        <a:scrgbClr r="0" g="0" b="0"/>
+      </a:fillRef>
+      <a:effectRef idx="2">
+        <a:scrgbClr r="0" g="0" b="0"/>
+      </a:effectRef>
+      <a:fontRef idx="minor">
+        <a:schemeClr val="lt1"/>
+      </a:fontRef>
+    </dgm:style>
+  </dgm:styleLbl>
+  <dgm:styleLbl name="bgSibTrans2D1">
+    <dgm:scene3d>
+      <a:camera prst="orthographicFront"/>
+      <a:lightRig rig="flat" dir="t"/>
+    </dgm:scene3d>
+    <dgm:sp3d z="-190500" prstMaterial="plastic">
+      <a:bevelT w="50800" h="50800"/>
+      <a:bevelB w="25400" h="25400" prst="angle"/>
+    </dgm:sp3d>
+    <dgm:txPr/>
+    <dgm:style>
+      <a:lnRef idx="0">
+        <a:scrgbClr r="0" g="0" b="0"/>
+      </a:lnRef>
+      <a:fillRef idx="3">
+        <a:scrgbClr r="0" g="0" b="0"/>
+      </a:fillRef>
+      <a:effectRef idx="2">
+        <a:scrgbClr r="0" g="0" b="0"/>
+      </a:effectRef>
+      <a:fontRef idx="minor">
+        <a:schemeClr val="lt1"/>
+      </a:fontRef>
+    </dgm:style>
+  </dgm:styleLbl>
+  <dgm:styleLbl name="sibTrans1D1">
+    <dgm:scene3d>
+      <a:camera prst="orthographicFront"/>
+      <a:lightRig rig="flat" dir="t"/>
+    </dgm:scene3d>
+    <dgm:sp3d z="-40000" prstMaterial="matte"/>
+    <dgm:txPr/>
+    <dgm:style>
+      <a:lnRef idx="1">
+        <a:scrgbClr r="0" g="0" b="0"/>
+      </a:lnRef>
+      <a:fillRef idx="0">
+        <a:scrgbClr r="0" g="0" b="0"/>
+      </a:fillRef>
+      <a:effectRef idx="0">
+        <a:scrgbClr r="0" g="0" b="0"/>
+      </a:effectRef>
+      <a:fontRef idx="minor"/>
+    </dgm:style>
+  </dgm:styleLbl>
+  <dgm:styleLbl name="callout">
+    <dgm:scene3d>
+      <a:camera prst="orthographicFront"/>
+      <a:lightRig rig="threePt" dir="t"/>
+    </dgm:scene3d>
+    <dgm:sp3d z="127000" prstMaterial="matte"/>
+    <dgm:txPr/>
+    <dgm:style>
+      <a:lnRef idx="2">
+        <a:scrgbClr r="0" g="0" b="0"/>
+      </a:lnRef>
+      <a:fillRef idx="1">
+        <a:scrgbClr r="0" g="0" b="0"/>
+      </a:fillRef>
+      <a:effectRef idx="0">
+        <a:scrgbClr r="0" g="0" b="0"/>
+      </a:effectRef>
+      <a:fontRef idx="minor"/>
+    </dgm:style>
+  </dgm:styleLbl>
+  <dgm:styleLbl name="asst0">
+    <dgm:scene3d>
+      <a:camera prst="orthographicFront"/>
+      <a:lightRig rig="flat" dir="t"/>
+    </dgm:scene3d>
+    <dgm:sp3d prstMaterial="plastic">
+      <a:bevelT w="120900" h="88900"/>
+      <a:bevelB w="88900" h="31750" prst="angle"/>
+    </dgm:sp3d>
+    <dgm:txPr/>
+    <dgm:style>
+      <a:lnRef idx="0">
+        <a:scrgbClr r="0" g="0" b="0"/>
+      </a:lnRef>
+      <a:fillRef idx="3">
+        <a:scrgbClr r="0" g="0" b="0"/>
+      </a:fillRef>
+      <a:effectRef idx="1">
+        <a:scrgbClr r="0" g="0" b="0"/>
+      </a:effectRef>
+      <a:fontRef idx="minor">
+        <a:schemeClr val="lt1"/>
+      </a:fontRef>
+    </dgm:style>
+  </dgm:styleLbl>
+  <dgm:styleLbl name="asst1">
+    <dgm:scene3d>
+      <a:camera prst="orthographicFront"/>
+      <a:lightRig rig="flat" dir="t"/>
+    </dgm:scene3d>
+    <dgm:sp3d prstMaterial="plastic">
+      <a:bevelT w="120900" h="88900"/>
+      <a:bevelB w="88900" h="31750" prst="angle"/>
+    </dgm:sp3d>
+    <dgm:txPr/>
+    <dgm:style>
+      <a:lnRef idx="0">
+        <a:scrgbClr r="0" g="0" b="0"/>
+      </a:lnRef>
+      <a:fillRef idx="3">
+        <a:scrgbClr r="0" g="0" b="0"/>
+      </a:fillRef>
+      <a:effectRef idx="1">
+        <a:scrgbClr r="0" g="0" b="0"/>
+      </a:effectRef>
+      <a:fontRef idx="minor">
+        <a:schemeClr val="lt1"/>
+      </a:fontRef>
+    </dgm:style>
+  </dgm:styleLbl>
+  <dgm:styleLbl name="asst2">
+    <dgm:scene3d>
+      <a:camera prst="orthographicFront"/>
+      <a:lightRig rig="flat" dir="t"/>
+    </dgm:scene3d>
+    <dgm:sp3d prstMaterial="plastic">
+      <a:bevelT w="120900" h="88900"/>
+      <a:bevelB w="88900" h="31750" prst="angle"/>
+    </dgm:sp3d>
+    <dgm:txPr/>
+    <dgm:style>
+      <a:lnRef idx="0">
+        <a:scrgbClr r="0" g="0" b="0"/>
+      </a:lnRef>
+      <a:fillRef idx="3">
+        <a:scrgbClr r="0" g="0" b="0"/>
+      </a:fillRef>
+      <a:effectRef idx="1">
+        <a:scrgbClr r="0" g="0" b="0"/>
+      </a:effectRef>
+      <a:fontRef idx="minor">
+        <a:schemeClr val="lt1"/>
+      </a:fontRef>
+    </dgm:style>
+  </dgm:styleLbl>
+  <dgm:styleLbl name="asst3">
+    <dgm:scene3d>
+      <a:camera prst="orthographicFront"/>
+      <a:lightRig rig="flat" dir="t"/>
+    </dgm:scene3d>
+    <dgm:sp3d prstMaterial="plastic">
+      <a:bevelT w="120900" h="88900"/>
+      <a:bevelB w="88900" h="31750" prst="angle"/>
+    </dgm:sp3d>
+    <dgm:txPr/>
+    <dgm:style>
+      <a:lnRef idx="0">
+        <a:scrgbClr r="0" g="0" b="0"/>
+      </a:lnRef>
+      <a:fillRef idx="3">
+        <a:scrgbClr r="0" g="0" b="0"/>
+      </a:fillRef>
+      <a:effectRef idx="1">
+        <a:scrgbClr r="0" g="0" b="0"/>
+      </a:effectRef>
+      <a:fontRef idx="minor">
+        <a:schemeClr val="lt1"/>
+      </a:fontRef>
+    </dgm:style>
+  </dgm:styleLbl>
+  <dgm:styleLbl name="parChTrans2D1">
+    <dgm:scene3d>
+      <a:camera prst="orthographicFront"/>
+      <a:lightRig rig="flat" dir="t"/>
+    </dgm:scene3d>
+    <dgm:sp3d z="-100000" prstMaterial="plastic">
+      <a:bevelT w="120900" h="88900"/>
+      <a:bevelB w="88900" h="31750" prst="angle"/>
+    </dgm:sp3d>
+    <dgm:txPr/>
+    <dgm:style>
+      <a:lnRef idx="0">
+        <a:scrgbClr r="0" g="0" b="0"/>
+      </a:lnRef>
+      <a:fillRef idx="3">
+        <a:scrgbClr r="0" g="0" b="0"/>
+      </a:fillRef>
+      <a:effectRef idx="1">
+        <a:scrgbClr r="0" g="0" b="0"/>
+      </a:effectRef>
+      <a:fontRef idx="minor">
+        <a:schemeClr val="lt1"/>
+      </a:fontRef>
+    </dgm:style>
+  </dgm:styleLbl>
+  <dgm:styleLbl name="parChTrans2D2">
+    <dgm:scene3d>
+      <a:camera prst="orthographicFront"/>
+      <a:lightRig rig="flat" dir="t"/>
+    </dgm:scene3d>
+    <dgm:sp3d z="-60000" prstMaterial="plastic">
+      <a:bevelT w="120900" h="88900"/>
+      <a:bevelB w="88900" h="31750" prst="angle"/>
+    </dgm:sp3d>
+    <dgm:txPr/>
+    <dgm:style>
+      <a:lnRef idx="0">
+        <a:scrgbClr r="0" g="0" b="0"/>
+      </a:lnRef>
+      <a:fillRef idx="3">
+        <a:scrgbClr r="0" g="0" b="0"/>
+      </a:fillRef>
+      <a:effectRef idx="1">
+        <a:scrgbClr r="0" g="0" b="0"/>
+      </a:effectRef>
+      <a:fontRef idx="minor">
+        <a:schemeClr val="lt1"/>
+      </a:fontRef>
+    </dgm:style>
+  </dgm:styleLbl>
+  <dgm:styleLbl name="parChTrans2D3">
+    <dgm:scene3d>
+      <a:camera prst="orthographicFront"/>
+      <a:lightRig rig="flat" dir="t"/>
+    </dgm:scene3d>
+    <dgm:sp3d z="-60000" prstMaterial="plastic">
+      <a:bevelT w="120900" h="88900"/>
+      <a:bevelB w="88900" h="31750" prst="angle"/>
+    </dgm:sp3d>
+    <dgm:txPr/>
+    <dgm:style>
+      <a:lnRef idx="0">
+        <a:scrgbClr r="0" g="0" b="0"/>
+      </a:lnRef>
+      <a:fillRef idx="3">
+        <a:scrgbClr r="0" g="0" b="0"/>
+      </a:fillRef>
+      <a:effectRef idx="1">
+        <a:scrgbClr r="0" g="0" b="0"/>
+      </a:effectRef>
+      <a:fontRef idx="minor">
+        <a:schemeClr val="lt1"/>
+      </a:fontRef>
+    </dgm:style>
+  </dgm:styleLbl>
+  <dgm:styleLbl name="parChTrans2D4">
+    <dgm:scene3d>
+      <a:camera prst="orthographicFront"/>
+      <a:lightRig rig="flat" dir="t"/>
+    </dgm:scene3d>
+    <dgm:sp3d z="-60000" prstMaterial="plastic">
+      <a:bevelT w="120900" h="88900"/>
+      <a:bevelB w="88900" h="31750" prst="angle"/>
+    </dgm:sp3d>
+    <dgm:txPr/>
+    <dgm:style>
+      <a:lnRef idx="0">
+        <a:scrgbClr r="0" g="0" b="0"/>
+      </a:lnRef>
+      <a:fillRef idx="3">
+        <a:scrgbClr r="0" g="0" b="0"/>
+      </a:fillRef>
+      <a:effectRef idx="1">
+        <a:scrgbClr r="0" g="0" b="0"/>
+      </a:effectRef>
+      <a:fontRef idx="minor">
+        <a:schemeClr val="lt1"/>
+      </a:fontRef>
+    </dgm:style>
+  </dgm:styleLbl>
+  <dgm:styleLbl name="parChTrans1D1">
+    <dgm:scene3d>
+      <a:camera prst="orthographicFront"/>
+      <a:lightRig rig="flat" dir="t"/>
+    </dgm:scene3d>
+    <dgm:sp3d prstMaterial="matte"/>
+    <dgm:txPr/>
+    <dgm:style>
+      <a:lnRef idx="2">
+        <a:scrgbClr r="0" g="0" b="0"/>
+      </a:lnRef>
+      <a:fillRef idx="0">
+        <a:scrgbClr r="0" g="0" b="0"/>
+      </a:fillRef>
+      <a:effectRef idx="0">
+        <a:scrgbClr r="0" g="0" b="0"/>
+      </a:effectRef>
+      <a:fontRef idx="minor"/>
+    </dgm:style>
+  </dgm:styleLbl>
+  <dgm:styleLbl name="parChTrans1D2">
+    <dgm:scene3d>
+      <a:camera prst="orthographicFront"/>
+      <a:lightRig rig="flat" dir="t"/>
+    </dgm:scene3d>
+    <dgm:sp3d prstMaterial="matte"/>
+    <dgm:txPr/>
+    <dgm:style>
+      <a:lnRef idx="2">
+        <a:scrgbClr r="0" g="0" b="0"/>
+      </a:lnRef>
+      <a:fillRef idx="0">
+        <a:scrgbClr r="0" g="0" b="0"/>
+      </a:fillRef>
+      <a:effectRef idx="0">
+        <a:scrgbClr r="0" g="0" b="0"/>
+      </a:effectRef>
+      <a:fontRef idx="minor"/>
+    </dgm:style>
+  </dgm:styleLbl>
+  <dgm:styleLbl name="parChTrans1D3">
+    <dgm:scene3d>
+      <a:camera prst="orthographicFront"/>
+      <a:lightRig rig="flat" dir="t"/>
+    </dgm:scene3d>
+    <dgm:sp3d prstMaterial="matte"/>
+    <dgm:txPr/>
+    <dgm:style>
+      <a:lnRef idx="2">
+        <a:scrgbClr r="0" g="0" b="0"/>
+      </a:lnRef>
+      <a:fillRef idx="0">
+        <a:scrgbClr r="0" g="0" b="0"/>
+      </a:fillRef>
+      <a:effectRef idx="0">
+        <a:scrgbClr r="0" g="0" b="0"/>
+      </a:effectRef>
+      <a:fontRef idx="minor"/>
+    </dgm:style>
+  </dgm:styleLbl>
+  <dgm:styleLbl name="parChTrans1D4">
+    <dgm:scene3d>
+      <a:camera prst="orthographicFront"/>
+      <a:lightRig rig="flat" dir="t"/>
+    </dgm:scene3d>
+    <dgm:sp3d prstMaterial="matte"/>
+    <dgm:txPr/>
+    <dgm:style>
+      <a:lnRef idx="2">
+        <a:scrgbClr r="0" g="0" b="0"/>
+      </a:lnRef>
+      <a:fillRef idx="0">
+        <a:scrgbClr r="0" g="0" b="0"/>
+      </a:fillRef>
+      <a:effectRef idx="0">
+        <a:scrgbClr r="0" g="0" b="0"/>
+      </a:effectRef>
+      <a:fontRef idx="minor"/>
+    </dgm:style>
+  </dgm:styleLbl>
+  <dgm:styleLbl name="fgAcc1">
+    <dgm:scene3d>
+      <a:camera prst="orthographicFront"/>
+      <a:lightRig rig="flat" dir="t"/>
+    </dgm:scene3d>
+    <dgm:sp3d z="190500" extrusionH="12700" prstMaterial="plastic">
+      <a:bevelT w="50800" h="50800"/>
+    </dgm:sp3d>
+    <dgm:txPr/>
+    <dgm:style>
+      <a:lnRef idx="1">
+        <a:scrgbClr r="0" g="0" b="0"/>
+      </a:lnRef>
+      <a:fillRef idx="1">
+        <a:scrgbClr r="0" g="0" b="0"/>
+      </a:fillRef>
+      <a:effectRef idx="2">
+        <a:scrgbClr r="0" g="0" b="0"/>
+      </a:effectRef>
+      <a:fontRef idx="minor"/>
+    </dgm:style>
+  </dgm:styleLbl>
+  <dgm:styleLbl name="conFgAcc1">
+    <dgm:scene3d>
+      <a:camera prst="orthographicFront"/>
+      <a:lightRig rig="flat" dir="t"/>
+    </dgm:scene3d>
+    <dgm:sp3d z="190500" extrusionH="12700" prstMaterial="plastic">
+      <a:bevelT w="50800" h="50800"/>
+    </dgm:sp3d>
+    <dgm:txPr/>
+    <dgm:style>
+      <a:lnRef idx="1">
+        <a:scrgbClr r="0" g="0" b="0"/>
+      </a:lnRef>
+      <a:fillRef idx="1">
+        <a:scrgbClr r="0" g="0" b="0"/>
+      </a:fillRef>
+      <a:effectRef idx="2">
+        <a:scrgbClr r="0" g="0" b="0"/>
+      </a:effectRef>
+      <a:fontRef idx="minor"/>
+    </dgm:style>
+  </dgm:styleLbl>
+  <dgm:styleLbl name="alignAcc1">
+    <dgm:scene3d>
+      <a:camera prst="orthographicFront"/>
+      <a:lightRig rig="flat" dir="t"/>
+    </dgm:scene3d>
+    <dgm:sp3d extrusionH="12700" prstMaterial="plastic">
+      <a:bevelT w="50800" h="50800"/>
+    </dgm:sp3d>
+    <dgm:txPr/>
+    <dgm:style>
+      <a:lnRef idx="1">
+        <a:scrgbClr r="0" g="0" b="0"/>
+      </a:lnRef>
+      <a:fillRef idx="1">
+        <a:scrgbClr r="0" g="0" b="0"/>
+      </a:fillRef>
+      <a:effectRef idx="2">
+        <a:scrgbClr r="0" g="0" b="0"/>
+      </a:effectRef>
+      <a:fontRef idx="minor"/>
+    </dgm:style>
+  </dgm:styleLbl>
+  <dgm:styleLbl name="trAlignAcc1">
+    <dgm:scene3d>
+      <a:camera prst="orthographicFront"/>
+      <a:lightRig rig="flat" dir="t"/>
+    </dgm:scene3d>
+    <dgm:sp3d extrusionH="12700" prstMaterial="plastic">
+      <a:bevelT w="50800" h="50800"/>
+    </dgm:sp3d>
+    <dgm:txPr/>
+    <dgm:style>
+      <a:lnRef idx="1">
+        <a:scrgbClr r="0" g="0" b="0"/>
+      </a:lnRef>
+      <a:fillRef idx="1">
+        <a:scrgbClr r="0" g="0" b="0"/>
+      </a:fillRef>
+      <a:effectRef idx="2">
+        <a:scrgbClr r="0" g="0" b="0"/>
+      </a:effectRef>
+      <a:fontRef idx="minor"/>
+    </dgm:style>
+  </dgm:styleLbl>
+  <dgm:styleLbl name="bgAcc1">
+    <dgm:scene3d>
+      <a:camera prst="orthographicFront"/>
+      <a:lightRig rig="flat" dir="t"/>
+    </dgm:scene3d>
+    <dgm:sp3d z="-190500" extrusionH="12700" prstMaterial="plastic">
+      <a:bevelT w="50800" h="50800"/>
+    </dgm:sp3d>
+    <dgm:txPr/>
+    <dgm:style>
+      <a:lnRef idx="1">
+        <a:scrgbClr r="0" g="0" b="0"/>
+      </a:lnRef>
+      <a:fillRef idx="1">
+        <a:scrgbClr r="0" g="0" b="0"/>
+      </a:fillRef>
+      <a:effectRef idx="2">
+        <a:scrgbClr r="0" g="0" b="0"/>
+      </a:effectRef>
+      <a:fontRef idx="minor"/>
+    </dgm:style>
+  </dgm:styleLbl>
+  <dgm:styleLbl name="solidFgAcc1">
+    <dgm:scene3d>
+      <a:camera prst="orthographicFront"/>
+      <a:lightRig rig="flat" dir="t"/>
+    </dgm:scene3d>
+    <dgm:sp3d z="190500" extrusionH="12700" prstMaterial="plastic">
+      <a:bevelT w="50800" h="50800"/>
+    </dgm:sp3d>
+    <dgm:txPr/>
+    <dgm:style>
+      <a:lnRef idx="1">
+        <a:scrgbClr r="0" g="0" b="0"/>
+      </a:lnRef>
+      <a:fillRef idx="1">
+        <a:scrgbClr r="0" g="0" b="0"/>
+      </a:fillRef>
+      <a:effectRef idx="2">
+        <a:scrgbClr r="0" g="0" b="0"/>
+      </a:effectRef>
+      <a:fontRef idx="minor"/>
+    </dgm:style>
+  </dgm:styleLbl>
+  <dgm:styleLbl name="solidAlignAcc1">
+    <dgm:scene3d>
+      <a:camera prst="orthographicFront"/>
+      <a:lightRig rig="flat" dir="t"/>
+    </dgm:scene3d>
+    <dgm:sp3d extrusionH="12700" prstMaterial="plastic">
+      <a:bevelT w="50800" h="50800"/>
+    </dgm:sp3d>
+    <dgm:txPr/>
+    <dgm:style>
+      <a:lnRef idx="1">
+        <a:scrgbClr r="0" g="0" b="0"/>
+      </a:lnRef>
+      <a:fillRef idx="1">
+        <a:scrgbClr r="0" g="0" b="0"/>
+      </a:fillRef>
+      <a:effectRef idx="2">
+        <a:scrgbClr r="0" g="0" b="0"/>
+      </a:effectRef>
+      <a:fontRef idx="minor"/>
+    </dgm:style>
+  </dgm:styleLbl>
+  <dgm:styleLbl name="solidBgAcc1">
+    <dgm:scene3d>
+      <a:camera prst="orthographicFront"/>
+      <a:lightRig rig="flat" dir="t"/>
+    </dgm:scene3d>
+    <dgm:sp3d z="-190500" extrusionH="12700" prstMaterial="plastic">
+      <a:bevelT w="50800" h="50800"/>
+    </dgm:sp3d>
+    <dgm:txPr/>
+    <dgm:style>
+      <a:lnRef idx="1">
+        <a:scrgbClr r="0" g="0" b="0"/>
+      </a:lnRef>
+      <a:fillRef idx="1">
+        <a:scrgbClr r="0" g="0" b="0"/>
+      </a:fillRef>
+      <a:effectRef idx="2">
+        <a:scrgbClr r="0" g="0" b="0"/>
+      </a:effectRef>
+      <a:fontRef idx="minor"/>
+    </dgm:style>
+  </dgm:styleLbl>
+  <dgm:styleLbl name="fgAccFollowNode1">
+    <dgm:scene3d>
+      <a:camera prst="orthographicFront"/>
+      <a:lightRig rig="flat" dir="t"/>
+    </dgm:scene3d>
+    <dgm:sp3d z="190500" extrusionH="12700" prstMaterial="plastic">
+      <a:bevelT w="50800" h="50800"/>
+    </dgm:sp3d>
+    <dgm:txPr/>
+    <dgm:style>
+      <a:lnRef idx="1">
+        <a:scrgbClr r="0" g="0" b="0"/>
+      </a:lnRef>
+      <a:fillRef idx="1">
+        <a:scrgbClr r="0" g="0" b="0"/>
+      </a:fillRef>
+      <a:effectRef idx="2">
+        <a:scrgbClr r="0" g="0" b="0"/>
+      </a:effectRef>
+      <a:fontRef idx="minor"/>
+    </dgm:style>
+  </dgm:styleLbl>
+  <dgm:styleLbl name="alignAccFollowNode1">
+    <dgm:scene3d>
+      <a:camera prst="orthographicFront"/>
+      <a:lightRig rig="flat" dir="t"/>
+    </dgm:scene3d>
+    <dgm:sp3d extrusionH="12700" prstMaterial="plastic">
+      <a:bevelT w="50800" h="50800"/>
+    </dgm:sp3d>
+    <dgm:txPr/>
+    <dgm:style>
+      <a:lnRef idx="1">
+        <a:scrgbClr r="0" g="0" b="0"/>
+      </a:lnRef>
+      <a:fillRef idx="1">
+        <a:scrgbClr r="0" g="0" b="0"/>
+      </a:fillRef>
+      <a:effectRef idx="2">
+        <a:scrgbClr r="0" g="0" b="0"/>
+      </a:effectRef>
+      <a:fontRef idx="minor"/>
+    </dgm:style>
+  </dgm:styleLbl>
+  <dgm:styleLbl name="bgAccFollowNode1">
+    <dgm:scene3d>
+      <a:camera prst="orthographicFront"/>
+      <a:lightRig rig="flat" dir="t"/>
+    </dgm:scene3d>
+    <dgm:sp3d z="-190500" extrusionH="12700" prstMaterial="plastic">
+      <a:bevelT w="50800" h="50800"/>
+    </dgm:sp3d>
+    <dgm:txPr/>
+    <dgm:style>
+      <a:lnRef idx="1">
+        <a:scrgbClr r="0" g="0" b="0"/>
+      </a:lnRef>
+      <a:fillRef idx="1">
+        <a:scrgbClr r="0" g="0" b="0"/>
+      </a:fillRef>
+      <a:effectRef idx="2">
+        <a:scrgbClr r="0" g="0" b="0"/>
+      </a:effectRef>
+      <a:fontRef idx="minor"/>
+    </dgm:style>
+  </dgm:styleLbl>
+  <dgm:styleLbl name="fgAcc0">
+    <dgm:scene3d>
+      <a:camera prst="orthographicFront"/>
+      <a:lightRig rig="flat" dir="t"/>
+    </dgm:scene3d>
+    <dgm:sp3d z="190500" extrusionH="12700" prstMaterial="plastic">
+      <a:bevelT w="50800" h="50800"/>
+    </dgm:sp3d>
+    <dgm:txPr/>
+    <dgm:style>
+      <a:lnRef idx="1">
+        <a:scrgbClr r="0" g="0" b="0"/>
+      </a:lnRef>
+      <a:fillRef idx="1">
+        <a:scrgbClr r="0" g="0" b="0"/>
+      </a:fillRef>
+      <a:effectRef idx="2">
+        <a:scrgbClr r="0" g="0" b="0"/>
+      </a:effectRef>
+      <a:fontRef idx="minor"/>
+    </dgm:style>
+  </dgm:styleLbl>
+  <dgm:styleLbl name="fgAcc2">
+    <dgm:scene3d>
+      <a:camera prst="orthographicFront"/>
+      <a:lightRig rig="flat" dir="t"/>
+    </dgm:scene3d>
+    <dgm:sp3d z="190500" extrusionH="12700" prstMaterial="plastic">
+      <a:bevelT w="50800" h="50800"/>
+    </dgm:sp3d>
+    <dgm:txPr/>
+    <dgm:style>
+      <a:lnRef idx="1">
+        <a:scrgbClr r="0" g="0" b="0"/>
+      </a:lnRef>
+      <a:fillRef idx="1">
+        <a:scrgbClr r="0" g="0" b="0"/>
+      </a:fillRef>
+      <a:effectRef idx="2">
+        <a:scrgbClr r="0" g="0" b="0"/>
+      </a:effectRef>
+      <a:fontRef idx="minor"/>
+    </dgm:style>
+  </dgm:styleLbl>
+  <dgm:styleLbl name="fgAcc3">
+    <dgm:scene3d>
+      <a:camera prst="orthographicFront"/>
+      <a:lightRig rig="flat" dir="t"/>
+    </dgm:scene3d>
+    <dgm:sp3d z="190500" extrusionH="12700" prstMaterial="plastic">
+      <a:bevelT w="50800" h="50800"/>
+    </dgm:sp3d>
+    <dgm:txPr/>
+    <dgm:style>
+      <a:lnRef idx="1">
+        <a:scrgbClr r="0" g="0" b="0"/>
+      </a:lnRef>
+      <a:fillRef idx="1">
+        <a:scrgbClr r="0" g="0" b="0"/>
+      </a:fillRef>
+      <a:effectRef idx="2">
+        <a:scrgbClr r="0" g="0" b="0"/>
+      </a:effectRef>
+      <a:fontRef idx="minor"/>
+    </dgm:style>
+  </dgm:styleLbl>
+  <dgm:styleLbl name="fgAcc4">
+    <dgm:scene3d>
+      <a:camera prst="orthographicFront"/>
+      <a:lightRig rig="flat" dir="t"/>
+    </dgm:scene3d>
+    <dgm:sp3d z="190500" extrusionH="12700" prstMaterial="plastic">
+      <a:bevelT w="50800" h="50800"/>
+    </dgm:sp3d>
+    <dgm:txPr/>
+    <dgm:style>
+      <a:lnRef idx="1">
+        <a:scrgbClr r="0" g="0" b="0"/>
+      </a:lnRef>
+      <a:fillRef idx="1">
+        <a:scrgbClr r="0" g="0" b="0"/>
+      </a:fillRef>
+      <a:effectRef idx="2">
+        <a:scrgbClr r="0" g="0" b="0"/>
+      </a:effectRef>
+      <a:fontRef idx="minor"/>
+    </dgm:style>
+  </dgm:styleLbl>
+  <dgm:styleLbl name="bgShp">
+    <dgm:scene3d>
+      <a:camera prst="orthographicFront"/>
+      <a:lightRig rig="flat" dir="t"/>
+    </dgm:scene3d>
+    <dgm:sp3d z="-190500" extrusionH="12700" prstMaterial="plastic">
+      <a:bevelT w="50800" h="50800"/>
+    </dgm:sp3d>
+    <dgm:txPr/>
+    <dgm:style>
+      <a:lnRef idx="0">
+        <a:scrgbClr r="0" g="0" b="0"/>
+      </a:lnRef>
+      <a:fillRef idx="3">
+        <a:scrgbClr r="0" g="0" b="0"/>
+      </a:fillRef>
+      <a:effectRef idx="0">
+        <a:scrgbClr r="0" g="0" b="0"/>
+      </a:effectRef>
+      <a:fontRef idx="minor"/>
+    </dgm:style>
+  </dgm:styleLbl>
+  <dgm:styleLbl name="dkBgShp">
+    <dgm:scene3d>
+      <a:camera prst="orthographicFront"/>
+      <a:lightRig rig="flat" dir="t"/>
+    </dgm:scene3d>
+    <dgm:sp3d z="-190500" extrusionH="12700" prstMaterial="plastic">
+      <a:bevelT w="50800" h="50800"/>
+    </dgm:sp3d>
+    <dgm:txPr/>
+    <dgm:style>
+      <a:lnRef idx="0">
+        <a:scrgbClr r="0" g="0" b="0"/>
+      </a:lnRef>
+      <a:fillRef idx="2">
+        <a:scrgbClr r="0" g="0" b="0"/>
+      </a:fillRef>
+      <a:effectRef idx="0">
+        <a:scrgbClr r="0" g="0" b="0"/>
+      </a:effectRef>
+      <a:fontRef idx="minor"/>
+    </dgm:style>
+  </dgm:styleLbl>
+  <dgm:styleLbl name="trBgShp">
+    <dgm:scene3d>
+      <a:camera prst="orthographicFront"/>
+      <a:lightRig rig="flat" dir="t"/>
+    </dgm:scene3d>
+    <dgm:sp3d z="-190500" extrusionH="12700" prstMaterial="matte"/>
+    <dgm:txPr/>
+    <dgm:style>
+      <a:lnRef idx="0">
+        <a:scrgbClr r="0" g="0" b="0"/>
+      </a:lnRef>
+      <a:fillRef idx="1">
+        <a:scrgbClr r="0" g="0" b="0"/>
+      </a:fillRef>
+      <a:effectRef idx="0">
+        <a:scrgbClr r="0" g="0" b="0"/>
+      </a:effectRef>
+      <a:fontRef idx="minor"/>
+    </dgm:style>
+  </dgm:styleLbl>
+  <dgm:styleLbl name="fgShp">
+    <dgm:scene3d>
+      <a:camera prst="orthographicFront"/>
+      <a:lightRig rig="flat" dir="t"/>
+    </dgm:scene3d>
+    <dgm:sp3d z="190500" prstMaterial="plastic">
+      <a:bevelT w="120900" h="88900"/>
+      <a:bevelB w="88900" h="31750" prst="angle"/>
+    </dgm:sp3d>
+    <dgm:txPr/>
+    <dgm:style>
+      <a:lnRef idx="0">
+        <a:scrgbClr r="0" g="0" b="0"/>
+      </a:lnRef>
+      <a:fillRef idx="1">
+        <a:scrgbClr r="0" g="0" b="0"/>
+      </a:fillRef>
+      <a:effectRef idx="3">
+        <a:scrgbClr r="0" g="0" b="0"/>
+      </a:effectRef>
+      <a:fontRef idx="minor">
+        <a:schemeClr val="lt1"/>
+      </a:fontRef>
+    </dgm:style>
+  </dgm:styleLbl>
+  <dgm:styleLbl name="revTx">
+    <dgm:scene3d>
+      <a:camera prst="orthographicFront"/>
+      <a:lightRig rig="threePt" dir="t"/>
+    </dgm:scene3d>
+    <dgm:sp3d/>
+    <dgm:txPr/>
+    <dgm:style>
+      <a:lnRef idx="0">
+        <a:scrgbClr r="0" g="0" b="0"/>
+      </a:lnRef>
+      <a:fillRef idx="0">
+        <a:scrgbClr r="0" g="0" b="0"/>
+      </a:fillRef>
+      <a:effectRef idx="0">
+        <a:scrgbClr r="0" g="0" b="0"/>
+      </a:effectRef>
+      <a:fontRef idx="minor"/>
+    </dgm:style>
+  </dgm:styleLbl>
+</dgm:styleDef>
+</file>
+
+<file path=ppt/diagrams/quickStyle2.xml><?xml version="1.0" encoding="utf-8"?>
+<dgm:styleDef xmlns:dgm="http://schemas.openxmlformats.org/drawingml/2006/diagram" xmlns:a="http://schemas.openxmlformats.org/drawingml/2006/main" uniqueId="urn:microsoft.com/office/officeart/2005/8/quickstyle/3d1">
+  <dgm:title val=""/>
+  <dgm:desc val=""/>
+  <dgm:catLst>
+    <dgm:cat type="3D" pri="11100"/>
+  </dgm:catLst>
+  <dgm:scene3d>
+    <a:camera prst="orthographicFront"/>
+    <a:lightRig rig="threePt" dir="t"/>
+  </dgm:scene3d>
+  <dgm:styleLbl name="node0">
+    <dgm:scene3d>
+      <a:camera prst="orthographicFront"/>
+      <a:lightRig rig="flat" dir="t"/>
+    </dgm:scene3d>
+    <dgm:sp3d prstMaterial="plastic">
+      <a:bevelT w="120900" h="88900"/>
+      <a:bevelB w="88900" h="31750" prst="angle"/>
+    </dgm:sp3d>
+    <dgm:txPr/>
+    <dgm:style>
+      <a:lnRef idx="0">
+        <a:scrgbClr r="0" g="0" b="0"/>
+      </a:lnRef>
+      <a:fillRef idx="3">
+        <a:scrgbClr r="0" g="0" b="0"/>
+      </a:fillRef>
+      <a:effectRef idx="2">
+        <a:scrgbClr r="0" g="0" b="0"/>
+      </a:effectRef>
+      <a:fontRef idx="minor">
+        <a:schemeClr val="lt1"/>
+      </a:fontRef>
+    </dgm:style>
+  </dgm:styleLbl>
+  <dgm:styleLbl name="lnNode1">
+    <dgm:scene3d>
+      <a:camera prst="orthographicFront"/>
+      <a:lightRig rig="flat" dir="t"/>
+    </dgm:scene3d>
+    <dgm:sp3d prstMaterial="plastic">
+      <a:bevelT w="120900" h="88900"/>
+      <a:bevelB w="88900" h="31750" prst="angle"/>
+    </dgm:sp3d>
+    <dgm:txPr/>
+    <dgm:style>
+      <a:lnRef idx="0">
+        <a:scrgbClr r="0" g="0" b="0"/>
+      </a:lnRef>
+      <a:fillRef idx="3">
+        <a:scrgbClr r="0" g="0" b="0"/>
+      </a:fillRef>
+      <a:effectRef idx="1">
+        <a:scrgbClr r="0" g="0" b="0"/>
+      </a:effectRef>
+      <a:fontRef idx="minor">
+        <a:schemeClr val="lt1"/>
+      </a:fontRef>
+    </dgm:style>
+  </dgm:styleLbl>
+  <dgm:styleLbl name="vennNode1">
+    <dgm:scene3d>
+      <a:camera prst="orthographicFront"/>
+      <a:lightRig rig="flat" dir="t"/>
+    </dgm:scene3d>
+    <dgm:sp3d prstMaterial="plastic">
+      <a:bevelT w="120900" h="88900"/>
+      <a:bevelB w="88900" h="31750" prst="angle"/>
+    </dgm:sp3d>
+    <dgm:txPr/>
+    <dgm:style>
+      <a:lnRef idx="0">
+        <a:scrgbClr r="0" g="0" b="0"/>
+      </a:lnRef>
+      <a:fillRef idx="1">
+        <a:scrgbClr r="0" g="0" b="0"/>
+      </a:fillRef>
+      <a:effectRef idx="1">
+        <a:scrgbClr r="0" g="0" b="0"/>
+      </a:effectRef>
+      <a:fontRef idx="minor">
+        <a:schemeClr val="tx1"/>
+      </a:fontRef>
+    </dgm:style>
+  </dgm:styleLbl>
+  <dgm:styleLbl name="alignNode1">
+    <dgm:scene3d>
+      <a:camera prst="orthographicFront"/>
+      <a:lightRig rig="flat" dir="t"/>
+    </dgm:scene3d>
+    <dgm:sp3d prstMaterial="plastic">
+      <a:bevelT w="120900" h="88900"/>
+      <a:bevelB w="88900" h="31750" prst="angle"/>
+    </dgm:sp3d>
+    <dgm:txPr/>
+    <dgm:style>
+      <a:lnRef idx="1">
+        <a:scrgbClr r="0" g="0" b="0"/>
+      </a:lnRef>
+      <a:fillRef idx="3">
+        <a:scrgbClr r="0" g="0" b="0"/>
+      </a:fillRef>
+      <a:effectRef idx="2">
+        <a:scrgbClr r="0" g="0" b="0"/>
+      </a:effectRef>
+      <a:fontRef idx="minor">
+        <a:schemeClr val="lt1"/>
+      </a:fontRef>
+    </dgm:style>
+  </dgm:styleLbl>
+  <dgm:styleLbl name="node1">
+    <dgm:scene3d>
+      <a:camera prst="orthographicFront"/>
+      <a:lightRig rig="flat" dir="t"/>
+    </dgm:scene3d>
+    <dgm:sp3d prstMaterial="plastic">
+      <a:bevelT w="120900" h="88900"/>
+      <a:bevelB w="88900" h="31750" prst="angle"/>
+    </dgm:sp3d>
+    <dgm:txPr/>
+    <dgm:style>
+      <a:lnRef idx="0">
+        <a:scrgbClr r="0" g="0" b="0"/>
+      </a:lnRef>
+      <a:fillRef idx="3">
+        <a:scrgbClr r="0" g="0" b="0"/>
+      </a:fillRef>
+      <a:effectRef idx="2">
+        <a:scrgbClr r="0" g="0" b="0"/>
+      </a:effectRef>
+      <a:fontRef idx="minor">
+        <a:schemeClr val="lt1"/>
+      </a:fontRef>
+    </dgm:style>
+  </dgm:styleLbl>
+  <dgm:styleLbl name="node2">
+    <dgm:scene3d>
+      <a:camera prst="orthographicFront"/>
+      <a:lightRig rig="flat" dir="t"/>
+    </dgm:scene3d>
+    <dgm:sp3d prstMaterial="plastic">
+      <a:bevelT w="120900" h="88900"/>
+      <a:bevelB w="88900" h="31750" prst="angle"/>
+    </dgm:sp3d>
+    <dgm:txPr/>
+    <dgm:style>
+      <a:lnRef idx="0">
+        <a:scrgbClr r="0" g="0" b="0"/>
+      </a:lnRef>
+      <a:fillRef idx="3">
+        <a:scrgbClr r="0" g="0" b="0"/>
+      </a:fillRef>
+      <a:effectRef idx="1">
+        <a:scrgbClr r="0" g="0" b="0"/>
+      </a:effectRef>
+      <a:fontRef idx="minor">
+        <a:schemeClr val="lt1"/>
+      </a:fontRef>
+    </dgm:style>
+  </dgm:styleLbl>
+  <dgm:styleLbl name="node3">
+    <dgm:scene3d>
+      <a:camera prst="orthographicFront"/>
+      <a:lightRig rig="flat" dir="t"/>
+    </dgm:scene3d>
+    <dgm:sp3d prstMaterial="plastic">
+      <a:bevelT w="120900" h="88900"/>
+      <a:bevelB w="88900" h="31750" prst="angle"/>
+    </dgm:sp3d>
+    <dgm:txPr/>
+    <dgm:style>
+      <a:lnRef idx="0">
+        <a:scrgbClr r="0" g="0" b="0"/>
+      </a:lnRef>
+      <a:fillRef idx="3">
+        <a:scrgbClr r="0" g="0" b="0"/>
+      </a:fillRef>
+      <a:effectRef idx="1">
+        <a:scrgbClr r="0" g="0" b="0"/>
+      </a:effectRef>
+      <a:fontRef idx="minor">
+        <a:schemeClr val="lt1"/>
+      </a:fontRef>
+    </dgm:style>
+  </dgm:styleLbl>
+  <dgm:styleLbl name="node4">
+    <dgm:scene3d>
+      <a:camera prst="orthographicFront"/>
+      <a:lightRig rig="flat" dir="t"/>
+    </dgm:scene3d>
+    <dgm:sp3d prstMaterial="plastic">
+      <a:bevelT w="120900" h="88900"/>
+      <a:bevelB w="88900" h="31750" prst="angle"/>
+    </dgm:sp3d>
+    <dgm:txPr/>
+    <dgm:style>
+      <a:lnRef idx="0">
+        <a:scrgbClr r="0" g="0" b="0"/>
+      </a:lnRef>
+      <a:fillRef idx="3">
+        <a:scrgbClr r="0" g="0" b="0"/>
+      </a:fillRef>
+      <a:effectRef idx="1">
+        <a:scrgbClr r="0" g="0" b="0"/>
+      </a:effectRef>
+      <a:fontRef idx="minor">
+        <a:schemeClr val="lt1"/>
+      </a:fontRef>
+    </dgm:style>
+  </dgm:styleLbl>
+  <dgm:styleLbl name="fgImgPlace1">
+    <dgm:scene3d>
+      <a:camera prst="orthographicFront"/>
+      <a:lightRig rig="flat" dir="t"/>
+    </dgm:scene3d>
+    <dgm:sp3d z="127000" prstMaterial="plastic">
+      <a:bevelT w="88900" h="88900"/>
+      <a:bevelB w="88900" h="31750" prst="angle"/>
+    </dgm:sp3d>
+    <dgm:txPr/>
+    <dgm:style>
+      <a:lnRef idx="0">
+        <a:scrgbClr r="0" g="0" b="0"/>
+      </a:lnRef>
+      <a:fillRef idx="3">
+        <a:scrgbClr r="0" g="0" b="0"/>
+      </a:fillRef>
+      <a:effectRef idx="2">
+        <a:scrgbClr r="0" g="0" b="0"/>
+      </a:effectRef>
+      <a:fontRef idx="minor"/>
+    </dgm:style>
+  </dgm:styleLbl>
+  <dgm:styleLbl name="alignImgPlace1">
+    <dgm:scene3d>
+      <a:camera prst="orthographicFront"/>
+      <a:lightRig rig="flat" dir="t"/>
+    </dgm:scene3d>
+    <dgm:sp3d prstMaterial="plastic">
+      <a:bevelT w="88900" h="88900"/>
+      <a:bevelB w="88900" h="31750" prst="angle"/>
+    </dgm:sp3d>
+    <dgm:txPr/>
+    <dgm:style>
+      <a:lnRef idx="0">
+        <a:scrgbClr r="0" g="0" b="0"/>
+      </a:lnRef>
+      <a:fillRef idx="3">
+        <a:scrgbClr r="0" g="0" b="0"/>
+      </a:fillRef>
+      <a:effectRef idx="2">
+        <a:scrgbClr r="0" g="0" b="0"/>
+      </a:effectRef>
+      <a:fontRef idx="minor"/>
+    </dgm:style>
+  </dgm:styleLbl>
+  <dgm:styleLbl name="bgImgPlace1">
+    <dgm:scene3d>
+      <a:camera prst="orthographicFront"/>
+      <a:lightRig rig="flat" dir="t"/>
+    </dgm:scene3d>
+    <dgm:sp3d z="-190500" prstMaterial="plastic">
+      <a:bevelT w="88900" h="88900"/>
+      <a:bevelB w="88900" h="31750" prst="angle"/>
+    </dgm:sp3d>
+    <dgm:txPr/>
+    <dgm:style>
+      <a:lnRef idx="0">
+        <a:scrgbClr r="0" g="0" b="0"/>
+      </a:lnRef>
+      <a:fillRef idx="3">
+        <a:scrgbClr r="0" g="0" b="0"/>
+      </a:fillRef>
+      <a:effectRef idx="2">
+        <a:scrgbClr r="0" g="0" b="0"/>
+      </a:effectRef>
+      <a:fontRef idx="minor"/>
+    </dgm:style>
+  </dgm:styleLbl>
+  <dgm:styleLbl name="sibTrans2D1">
+    <dgm:scene3d>
+      <a:camera prst="orthographicFront"/>
+      <a:lightRig rig="flat" dir="t"/>
+    </dgm:scene3d>
+    <dgm:sp3d z="-80000" prstMaterial="plastic">
+      <a:bevelT w="50800" h="50800"/>
+      <a:bevelB w="25400" h="25400" prst="angle"/>
+    </dgm:sp3d>
+    <dgm:txPr/>
+    <dgm:style>
+      <a:lnRef idx="0">
+        <a:scrgbClr r="0" g="0" b="0"/>
+      </a:lnRef>
+      <a:fillRef idx="3">
+        <a:scrgbClr r="0" g="0" b="0"/>
+      </a:fillRef>
+      <a:effectRef idx="2">
+        <a:scrgbClr r="0" g="0" b="0"/>
+      </a:effectRef>
+      <a:fontRef idx="minor">
+        <a:schemeClr val="lt1"/>
+      </a:fontRef>
+    </dgm:style>
+  </dgm:styleLbl>
+  <dgm:styleLbl name="fgSibTrans2D1">
+    <dgm:scene3d>
+      <a:camera prst="orthographicFront"/>
+      <a:lightRig rig="flat" dir="t"/>
+    </dgm:scene3d>
+    <dgm:sp3d z="127000" prstMaterial="plastic">
+      <a:bevelT w="50800" h="50800"/>
+      <a:bevelB w="25400" h="25400" prst="angle"/>
+    </dgm:sp3d>
+    <dgm:txPr/>
+    <dgm:style>
+      <a:lnRef idx="0">
+        <a:scrgbClr r="0" g="0" b="0"/>
+      </a:lnRef>
+      <a:fillRef idx="3">
+        <a:scrgbClr r="0" g="0" b="0"/>
+      </a:fillRef>
+      <a:effectRef idx="2">
+        <a:scrgbClr r="0" g="0" b="0"/>
+      </a:effectRef>
+      <a:fontRef idx="minor">
+        <a:schemeClr val="lt1"/>
+      </a:fontRef>
+    </dgm:style>
+  </dgm:styleLbl>
+  <dgm:styleLbl name="bgSibTrans2D1">
+    <dgm:scene3d>
+      <a:camera prst="orthographicFront"/>
+      <a:lightRig rig="flat" dir="t"/>
+    </dgm:scene3d>
+    <dgm:sp3d z="-190500" prstMaterial="plastic">
+      <a:bevelT w="50800" h="50800"/>
+      <a:bevelB w="25400" h="25400" prst="angle"/>
+    </dgm:sp3d>
+    <dgm:txPr/>
+    <dgm:style>
+      <a:lnRef idx="0">
+        <a:scrgbClr r="0" g="0" b="0"/>
+      </a:lnRef>
+      <a:fillRef idx="3">
+        <a:scrgbClr r="0" g="0" b="0"/>
+      </a:fillRef>
+      <a:effectRef idx="2">
+        <a:scrgbClr r="0" g="0" b="0"/>
+      </a:effectRef>
+      <a:fontRef idx="minor">
+        <a:schemeClr val="lt1"/>
+      </a:fontRef>
+    </dgm:style>
+  </dgm:styleLbl>
+  <dgm:styleLbl name="sibTrans1D1">
+    <dgm:scene3d>
+      <a:camera prst="orthographicFront"/>
+      <a:lightRig rig="flat" dir="t"/>
+    </dgm:scene3d>
+    <dgm:sp3d z="-40000" prstMaterial="matte"/>
+    <dgm:txPr/>
+    <dgm:style>
+      <a:lnRef idx="1">
+        <a:scrgbClr r="0" g="0" b="0"/>
+      </a:lnRef>
+      <a:fillRef idx="0">
+        <a:scrgbClr r="0" g="0" b="0"/>
+      </a:fillRef>
+      <a:effectRef idx="0">
+        <a:scrgbClr r="0" g="0" b="0"/>
+      </a:effectRef>
+      <a:fontRef idx="minor"/>
+    </dgm:style>
+  </dgm:styleLbl>
+  <dgm:styleLbl name="callout">
+    <dgm:scene3d>
+      <a:camera prst="orthographicFront"/>
+      <a:lightRig rig="threePt" dir="t"/>
+    </dgm:scene3d>
+    <dgm:sp3d z="127000" prstMaterial="matte"/>
+    <dgm:txPr/>
+    <dgm:style>
+      <a:lnRef idx="2">
+        <a:scrgbClr r="0" g="0" b="0"/>
+      </a:lnRef>
+      <a:fillRef idx="1">
+        <a:scrgbClr r="0" g="0" b="0"/>
+      </a:fillRef>
+      <a:effectRef idx="0">
+        <a:scrgbClr r="0" g="0" b="0"/>
+      </a:effectRef>
+      <a:fontRef idx="minor"/>
+    </dgm:style>
+  </dgm:styleLbl>
+  <dgm:styleLbl name="asst0">
+    <dgm:scene3d>
+      <a:camera prst="orthographicFront"/>
+      <a:lightRig rig="flat" dir="t"/>
+    </dgm:scene3d>
+    <dgm:sp3d prstMaterial="plastic">
+      <a:bevelT w="120900" h="88900"/>
+      <a:bevelB w="88900" h="31750" prst="angle"/>
+    </dgm:sp3d>
+    <dgm:txPr/>
+    <dgm:style>
+      <a:lnRef idx="0">
+        <a:scrgbClr r="0" g="0" b="0"/>
+      </a:lnRef>
+      <a:fillRef idx="3">
+        <a:scrgbClr r="0" g="0" b="0"/>
+      </a:fillRef>
+      <a:effectRef idx="1">
+        <a:scrgbClr r="0" g="0" b="0"/>
+      </a:effectRef>
+      <a:fontRef idx="minor">
+        <a:schemeClr val="lt1"/>
+      </a:fontRef>
+    </dgm:style>
+  </dgm:styleLbl>
+  <dgm:styleLbl name="asst1">
+    <dgm:scene3d>
+      <a:camera prst="orthographicFront"/>
+      <a:lightRig rig="flat" dir="t"/>
+    </dgm:scene3d>
+    <dgm:sp3d prstMaterial="plastic">
+      <a:bevelT w="120900" h="88900"/>
+      <a:bevelB w="88900" h="31750" prst="angle"/>
+    </dgm:sp3d>
+    <dgm:txPr/>
+    <dgm:style>
+      <a:lnRef idx="0">
+        <a:scrgbClr r="0" g="0" b="0"/>
+      </a:lnRef>
+      <a:fillRef idx="3">
+        <a:scrgbClr r="0" g="0" b="0"/>
+      </a:fillRef>
+      <a:effectRef idx="1">
+        <a:scrgbClr r="0" g="0" b="0"/>
+      </a:effectRef>
+      <a:fontRef idx="minor">
+        <a:schemeClr val="lt1"/>
+      </a:fontRef>
+    </dgm:style>
+  </dgm:styleLbl>
+  <dgm:styleLbl name="asst2">
+    <dgm:scene3d>
+      <a:camera prst="orthographicFront"/>
+      <a:lightRig rig="flat" dir="t"/>
+    </dgm:scene3d>
+    <dgm:sp3d prstMaterial="plastic">
+      <a:bevelT w="120900" h="88900"/>
+      <a:bevelB w="88900" h="31750" prst="angle"/>
+    </dgm:sp3d>
+    <dgm:txPr/>
+    <dgm:style>
+      <a:lnRef idx="0">
+        <a:scrgbClr r="0" g="0" b="0"/>
+      </a:lnRef>
+      <a:fillRef idx="3">
+        <a:scrgbClr r="0" g="0" b="0"/>
+      </a:fillRef>
+      <a:effectRef idx="1">
+        <a:scrgbClr r="0" g="0" b="0"/>
+      </a:effectRef>
+      <a:fontRef idx="minor">
+        <a:schemeClr val="lt1"/>
+      </a:fontRef>
+    </dgm:style>
+  </dgm:styleLbl>
+  <dgm:styleLbl name="asst3">
+    <dgm:scene3d>
+      <a:camera prst="orthographicFront"/>
+      <a:lightRig rig="flat" dir="t"/>
+    </dgm:scene3d>
+    <dgm:sp3d prstMaterial="plastic">
+      <a:bevelT w="120900" h="88900"/>
+      <a:bevelB w="88900" h="31750" prst="angle"/>
+    </dgm:sp3d>
+    <dgm:txPr/>
+    <dgm:style>
+      <a:lnRef idx="0">
+        <a:scrgbClr r="0" g="0" b="0"/>
+      </a:lnRef>
+      <a:fillRef idx="3">
+        <a:scrgbClr r="0" g="0" b="0"/>
+      </a:fillRef>
+      <a:effectRef idx="1">
+        <a:scrgbClr r="0" g="0" b="0"/>
+      </a:effectRef>
+      <a:fontRef idx="minor">
+        <a:schemeClr val="lt1"/>
+      </a:fontRef>
+    </dgm:style>
+  </dgm:styleLbl>
+  <dgm:styleLbl name="parChTrans2D1">
+    <dgm:scene3d>
+      <a:camera prst="orthographicFront"/>
+      <a:lightRig rig="flat" dir="t"/>
+    </dgm:scene3d>
+    <dgm:sp3d z="-100000" prstMaterial="plastic">
+      <a:bevelT w="120900" h="88900"/>
+      <a:bevelB w="88900" h="31750" prst="angle"/>
+    </dgm:sp3d>
+    <dgm:txPr/>
+    <dgm:style>
+      <a:lnRef idx="0">
+        <a:scrgbClr r="0" g="0" b="0"/>
+      </a:lnRef>
+      <a:fillRef idx="3">
+        <a:scrgbClr r="0" g="0" b="0"/>
+      </a:fillRef>
+      <a:effectRef idx="1">
+        <a:scrgbClr r="0" g="0" b="0"/>
+      </a:effectRef>
+      <a:fontRef idx="minor">
+        <a:schemeClr val="lt1"/>
+      </a:fontRef>
+    </dgm:style>
+  </dgm:styleLbl>
+  <dgm:styleLbl name="parChTrans2D2">
+    <dgm:scene3d>
+      <a:camera prst="orthographicFront"/>
+      <a:lightRig rig="flat" dir="t"/>
+    </dgm:scene3d>
+    <dgm:sp3d z="-60000" prstMaterial="plastic">
+      <a:bevelT w="120900" h="88900"/>
+      <a:bevelB w="88900" h="31750" prst="angle"/>
+    </dgm:sp3d>
+    <dgm:txPr/>
+    <dgm:style>
+      <a:lnRef idx="0">
+        <a:scrgbClr r="0" g="0" b="0"/>
+      </a:lnRef>
+      <a:fillRef idx="3">
+        <a:scrgbClr r="0" g="0" b="0"/>
+      </a:fillRef>
+      <a:effectRef idx="1">
+        <a:scrgbClr r="0" g="0" b="0"/>
+      </a:effectRef>
+      <a:fontRef idx="minor">
+        <a:schemeClr val="lt1"/>
+      </a:fontRef>
+    </dgm:style>
+  </dgm:styleLbl>
+  <dgm:styleLbl name="parChTrans2D3">
+    <dgm:scene3d>
+      <a:camera prst="orthographicFront"/>
+      <a:lightRig rig="flat" dir="t"/>
+    </dgm:scene3d>
+    <dgm:sp3d z="-60000" prstMaterial="plastic">
+      <a:bevelT w="120900" h="88900"/>
+      <a:bevelB w="88900" h="31750" prst="angle"/>
+    </dgm:sp3d>
+    <dgm:txPr/>
+    <dgm:style>
+      <a:lnRef idx="0">
+        <a:scrgbClr r="0" g="0" b="0"/>
+      </a:lnRef>
+      <a:fillRef idx="3">
+        <a:scrgbClr r="0" g="0" b="0"/>
+      </a:fillRef>
+      <a:effectRef idx="1">
+        <a:scrgbClr r="0" g="0" b="0"/>
+      </a:effectRef>
+      <a:fontRef idx="minor">
+        <a:schemeClr val="lt1"/>
+      </a:fontRef>
+    </dgm:style>
+  </dgm:styleLbl>
+  <dgm:styleLbl name="parChTrans2D4">
+    <dgm:scene3d>
+      <a:camera prst="orthographicFront"/>
+      <a:lightRig rig="flat" dir="t"/>
+    </dgm:scene3d>
+    <dgm:sp3d z="-60000" prstMaterial="plastic">
+      <a:bevelT w="120900" h="88900"/>
+      <a:bevelB w="88900" h="31750" prst="angle"/>
+    </dgm:sp3d>
+    <dgm:txPr/>
+    <dgm:style>
+      <a:lnRef idx="0">
+        <a:scrgbClr r="0" g="0" b="0"/>
+      </a:lnRef>
+      <a:fillRef idx="3">
+        <a:scrgbClr r="0" g="0" b="0"/>
+      </a:fillRef>
+      <a:effectRef idx="1">
+        <a:scrgbClr r="0" g="0" b="0"/>
+      </a:effectRef>
+      <a:fontRef idx="minor">
+        <a:schemeClr val="lt1"/>
+      </a:fontRef>
+    </dgm:style>
+  </dgm:styleLbl>
+  <dgm:styleLbl name="parChTrans1D1">
+    <dgm:scene3d>
+      <a:camera prst="orthographicFront"/>
+      <a:lightRig rig="flat" dir="t"/>
+    </dgm:scene3d>
+    <dgm:sp3d prstMaterial="matte"/>
+    <dgm:txPr/>
+    <dgm:style>
+      <a:lnRef idx="2">
+        <a:scrgbClr r="0" g="0" b="0"/>
+      </a:lnRef>
+      <a:fillRef idx="0">
+        <a:scrgbClr r="0" g="0" b="0"/>
+      </a:fillRef>
+      <a:effectRef idx="0">
+        <a:scrgbClr r="0" g="0" b="0"/>
+      </a:effectRef>
+      <a:fontRef idx="minor"/>
+    </dgm:style>
+  </dgm:styleLbl>
+  <dgm:styleLbl name="parChTrans1D2">
+    <dgm:scene3d>
+      <a:camera prst="orthographicFront"/>
+      <a:lightRig rig="flat" dir="t"/>
+    </dgm:scene3d>
+    <dgm:sp3d prstMaterial="matte"/>
+    <dgm:txPr/>
+    <dgm:style>
+      <a:lnRef idx="2">
+        <a:scrgbClr r="0" g="0" b="0"/>
+      </a:lnRef>
+      <a:fillRef idx="0">
+        <a:scrgbClr r="0" g="0" b="0"/>
+      </a:fillRef>
+      <a:effectRef idx="0">
+        <a:scrgbClr r="0" g="0" b="0"/>
+      </a:effectRef>
+      <a:fontRef idx="minor"/>
+    </dgm:style>
+  </dgm:styleLbl>
+  <dgm:styleLbl name="parChTrans1D3">
+    <dgm:scene3d>
+      <a:camera prst="orthographicFront"/>
+      <a:lightRig rig="flat" dir="t"/>
+    </dgm:scene3d>
+    <dgm:sp3d prstMaterial="matte"/>
+    <dgm:txPr/>
+    <dgm:style>
+      <a:lnRef idx="2">
+        <a:scrgbClr r="0" g="0" b="0"/>
+      </a:lnRef>
+      <a:fillRef idx="0">
+        <a:scrgbClr r="0" g="0" b="0"/>
+      </a:fillRef>
+      <a:effectRef idx="0">
+        <a:scrgbClr r="0" g="0" b="0"/>
+      </a:effectRef>
+      <a:fontRef idx="minor"/>
+    </dgm:style>
+  </dgm:styleLbl>
+  <dgm:styleLbl name="parChTrans1D4">
+    <dgm:scene3d>
+      <a:camera prst="orthographicFront"/>
+      <a:lightRig rig="flat" dir="t"/>
+    </dgm:scene3d>
+    <dgm:sp3d prstMaterial="matte"/>
+    <dgm:txPr/>
+    <dgm:style>
+      <a:lnRef idx="2">
+        <a:scrgbClr r="0" g="0" b="0"/>
+      </a:lnRef>
+      <a:fillRef idx="0">
+        <a:scrgbClr r="0" g="0" b="0"/>
+      </a:fillRef>
+      <a:effectRef idx="0">
+        <a:scrgbClr r="0" g="0" b="0"/>
+      </a:effectRef>
+      <a:fontRef idx="minor"/>
+    </dgm:style>
+  </dgm:styleLbl>
+  <dgm:styleLbl name="fgAcc1">
+    <dgm:scene3d>
+      <a:camera prst="orthographicFront"/>
+      <a:lightRig rig="flat" dir="t"/>
+    </dgm:scene3d>
+    <dgm:sp3d z="190500" extrusionH="12700" prstMaterial="plastic">
+      <a:bevelT w="50800" h="50800"/>
+    </dgm:sp3d>
+    <dgm:txPr/>
+    <dgm:style>
+      <a:lnRef idx="1">
+        <a:scrgbClr r="0" g="0" b="0"/>
+      </a:lnRef>
+      <a:fillRef idx="1">
+        <a:scrgbClr r="0" g="0" b="0"/>
+      </a:fillRef>
+      <a:effectRef idx="2">
+        <a:scrgbClr r="0" g="0" b="0"/>
+      </a:effectRef>
+      <a:fontRef idx="minor"/>
+    </dgm:style>
+  </dgm:styleLbl>
+  <dgm:styleLbl name="conFgAcc1">
+    <dgm:scene3d>
+      <a:camera prst="orthographicFront"/>
+      <a:lightRig rig="flat" dir="t"/>
+    </dgm:scene3d>
+    <dgm:sp3d z="190500" extrusionH="12700" prstMaterial="plastic">
+      <a:bevelT w="50800" h="50800"/>
+    </dgm:sp3d>
+    <dgm:txPr/>
+    <dgm:style>
+      <a:lnRef idx="1">
+        <a:scrgbClr r="0" g="0" b="0"/>
+      </a:lnRef>
+      <a:fillRef idx="1">
+        <a:scrgbClr r="0" g="0" b="0"/>
+      </a:fillRef>
+      <a:effectRef idx="2">
+        <a:scrgbClr r="0" g="0" b="0"/>
+      </a:effectRef>
+      <a:fontRef idx="minor"/>
+    </dgm:style>
+  </dgm:styleLbl>
+  <dgm:styleLbl name="alignAcc1">
+    <dgm:scene3d>
+      <a:camera prst="orthographicFront"/>
+      <a:lightRig rig="flat" dir="t"/>
+    </dgm:scene3d>
+    <dgm:sp3d extrusionH="12700" prstMaterial="plastic">
+      <a:bevelT w="50800" h="50800"/>
+    </dgm:sp3d>
+    <dgm:txPr/>
+    <dgm:style>
+      <a:lnRef idx="1">
+        <a:scrgbClr r="0" g="0" b="0"/>
+      </a:lnRef>
+      <a:fillRef idx="1">
+        <a:scrgbClr r="0" g="0" b="0"/>
+      </a:fillRef>
+      <a:effectRef idx="2">
+        <a:scrgbClr r="0" g="0" b="0"/>
+      </a:effectRef>
+      <a:fontRef idx="minor"/>
+    </dgm:style>
+  </dgm:styleLbl>
+  <dgm:styleLbl name="trAlignAcc1">
+    <dgm:scene3d>
+      <a:camera prst="orthographicFront"/>
+      <a:lightRig rig="flat" dir="t"/>
+    </dgm:scene3d>
+    <dgm:sp3d extrusionH="12700" prstMaterial="plastic">
+      <a:bevelT w="50800" h="50800"/>
+    </dgm:sp3d>
+    <dgm:txPr/>
+    <dgm:style>
+      <a:lnRef idx="1">
+        <a:scrgbClr r="0" g="0" b="0"/>
+      </a:lnRef>
+      <a:fillRef idx="1">
+        <a:scrgbClr r="0" g="0" b="0"/>
+      </a:fillRef>
+      <a:effectRef idx="2">
+        <a:scrgbClr r="0" g="0" b="0"/>
+      </a:effectRef>
+      <a:fontRef idx="minor"/>
+    </dgm:style>
+  </dgm:styleLbl>
+  <dgm:styleLbl name="bgAcc1">
+    <dgm:scene3d>
+      <a:camera prst="orthographicFront"/>
+      <a:lightRig rig="flat" dir="t"/>
+    </dgm:scene3d>
+    <dgm:sp3d z="-190500" extrusionH="12700" prstMaterial="plastic">
+      <a:bevelT w="50800" h="50800"/>
+    </dgm:sp3d>
+    <dgm:txPr/>
+    <dgm:style>
+      <a:lnRef idx="1">
+        <a:scrgbClr r="0" g="0" b="0"/>
+      </a:lnRef>
+      <a:fillRef idx="1">
+        <a:scrgbClr r="0" g="0" b="0"/>
+      </a:fillRef>
+      <a:effectRef idx="2">
+        <a:scrgbClr r="0" g="0" b="0"/>
+      </a:effectRef>
+      <a:fontRef idx="minor"/>
+    </dgm:style>
+  </dgm:styleLbl>
+  <dgm:styleLbl name="solidFgAcc1">
+    <dgm:scene3d>
+      <a:camera prst="orthographicFront"/>
+      <a:lightRig rig="flat" dir="t"/>
+    </dgm:scene3d>
+    <dgm:sp3d z="190500" extrusionH="12700" prstMaterial="plastic">
+      <a:bevelT w="50800" h="50800"/>
+    </dgm:sp3d>
+    <dgm:txPr/>
+    <dgm:style>
+      <a:lnRef idx="1">
+        <a:scrgbClr r="0" g="0" b="0"/>
+      </a:lnRef>
+      <a:fillRef idx="1">
+        <a:scrgbClr r="0" g="0" b="0"/>
+      </a:fillRef>
+      <a:effectRef idx="2">
+        <a:scrgbClr r="0" g="0" b="0"/>
+      </a:effectRef>
+      <a:fontRef idx="minor"/>
+    </dgm:style>
+  </dgm:styleLbl>
+  <dgm:styleLbl name="solidAlignAcc1">
+    <dgm:scene3d>
+      <a:camera prst="orthographicFront"/>
+      <a:lightRig rig="flat" dir="t"/>
+    </dgm:scene3d>
+    <dgm:sp3d extrusionH="12700" prstMaterial="plastic">
+      <a:bevelT w="50800" h="50800"/>
+    </dgm:sp3d>
+    <dgm:txPr/>
+    <dgm:style>
+      <a:lnRef idx="1">
+        <a:scrgbClr r="0" g="0" b="0"/>
+      </a:lnRef>
+      <a:fillRef idx="1">
+        <a:scrgbClr r="0" g="0" b="0"/>
+      </a:fillRef>
+      <a:effectRef idx="2">
+        <a:scrgbClr r="0" g="0" b="0"/>
+      </a:effectRef>
+      <a:fontRef idx="minor"/>
+    </dgm:style>
+  </dgm:styleLbl>
+  <dgm:styleLbl name="solidBgAcc1">
+    <dgm:scene3d>
+      <a:camera prst="orthographicFront"/>
+      <a:lightRig rig="flat" dir="t"/>
+    </dgm:scene3d>
+    <dgm:sp3d z="-190500" extrusionH="12700" prstMaterial="plastic">
+      <a:bevelT w="50800" h="50800"/>
+    </dgm:sp3d>
+    <dgm:txPr/>
+    <dgm:style>
+      <a:lnRef idx="1">
+        <a:scrgbClr r="0" g="0" b="0"/>
+      </a:lnRef>
+      <a:fillRef idx="1">
+        <a:scrgbClr r="0" g="0" b="0"/>
+      </a:fillRef>
+      <a:effectRef idx="2">
+        <a:scrgbClr r="0" g="0" b="0"/>
+      </a:effectRef>
+      <a:fontRef idx="minor"/>
+    </dgm:style>
+  </dgm:styleLbl>
+  <dgm:styleLbl name="fgAccFollowNode1">
+    <dgm:scene3d>
+      <a:camera prst="orthographicFront"/>
+      <a:lightRig rig="flat" dir="t"/>
+    </dgm:scene3d>
+    <dgm:sp3d z="190500" extrusionH="12700" prstMaterial="plastic">
+      <a:bevelT w="50800" h="50800"/>
+    </dgm:sp3d>
+    <dgm:txPr/>
+    <dgm:style>
+      <a:lnRef idx="1">
+        <a:scrgbClr r="0" g="0" b="0"/>
+      </a:lnRef>
+      <a:fillRef idx="1">
+        <a:scrgbClr r="0" g="0" b="0"/>
+      </a:fillRef>
+      <a:effectRef idx="2">
+        <a:scrgbClr r="0" g="0" b="0"/>
+      </a:effectRef>
+      <a:fontRef idx="minor"/>
+    </dgm:style>
+  </dgm:styleLbl>
+  <dgm:styleLbl name="alignAccFollowNode1">
+    <dgm:scene3d>
+      <a:camera prst="orthographicFront"/>
+      <a:lightRig rig="flat" dir="t"/>
+    </dgm:scene3d>
+    <dgm:sp3d extrusionH="12700" prstMaterial="plastic">
+      <a:bevelT w="50800" h="50800"/>
+    </dgm:sp3d>
+    <dgm:txPr/>
+    <dgm:style>
+      <a:lnRef idx="1">
+        <a:scrgbClr r="0" g="0" b="0"/>
+      </a:lnRef>
+      <a:fillRef idx="1">
+        <a:scrgbClr r="0" g="0" b="0"/>
+      </a:fillRef>
+      <a:effectRef idx="2">
+        <a:scrgbClr r="0" g="0" b="0"/>
+      </a:effectRef>
+      <a:fontRef idx="minor"/>
+    </dgm:style>
+  </dgm:styleLbl>
+  <dgm:styleLbl name="bgAccFollowNode1">
+    <dgm:scene3d>
+      <a:camera prst="orthographicFront"/>
+      <a:lightRig rig="flat" dir="t"/>
+    </dgm:scene3d>
+    <dgm:sp3d z="-190500" extrusionH="12700" prstMaterial="plastic">
+      <a:bevelT w="50800" h="50800"/>
+    </dgm:sp3d>
+    <dgm:txPr/>
+    <dgm:style>
+      <a:lnRef idx="1">
+        <a:scrgbClr r="0" g="0" b="0"/>
+      </a:lnRef>
+      <a:fillRef idx="1">
+        <a:scrgbClr r="0" g="0" b="0"/>
+      </a:fillRef>
+      <a:effectRef idx="2">
+        <a:scrgbClr r="0" g="0" b="0"/>
+      </a:effectRef>
+      <a:fontRef idx="minor"/>
+    </dgm:style>
+  </dgm:styleLbl>
+  <dgm:styleLbl name="fgAcc0">
+    <dgm:scene3d>
+      <a:camera prst="orthographicFront"/>
+      <a:lightRig rig="flat" dir="t"/>
+    </dgm:scene3d>
+    <dgm:sp3d z="190500" extrusionH="12700" prstMaterial="plastic">
+      <a:bevelT w="50800" h="50800"/>
+    </dgm:sp3d>
+    <dgm:txPr/>
+    <dgm:style>
+      <a:lnRef idx="1">
+        <a:scrgbClr r="0" g="0" b="0"/>
+      </a:lnRef>
+      <a:fillRef idx="1">
+        <a:scrgbClr r="0" g="0" b="0"/>
+      </a:fillRef>
+      <a:effectRef idx="2">
+        <a:scrgbClr r="0" g="0" b="0"/>
+      </a:effectRef>
+      <a:fontRef idx="minor"/>
+    </dgm:style>
+  </dgm:styleLbl>
+  <dgm:styleLbl name="fgAcc2">
+    <dgm:scene3d>
+      <a:camera prst="orthographicFront"/>
+      <a:lightRig rig="flat" dir="t"/>
+    </dgm:scene3d>
+    <dgm:sp3d z="190500" extrusionH="12700" prstMaterial="plastic">
+      <a:bevelT w="50800" h="50800"/>
+    </dgm:sp3d>
+    <dgm:txPr/>
+    <dgm:style>
+      <a:lnRef idx="1">
+        <a:scrgbClr r="0" g="0" b="0"/>
+      </a:lnRef>
+      <a:fillRef idx="1">
+        <a:scrgbClr r="0" g="0" b="0"/>
+      </a:fillRef>
+      <a:effectRef idx="2">
+        <a:scrgbClr r="0" g="0" b="0"/>
+      </a:effectRef>
+      <a:fontRef idx="minor"/>
+    </dgm:style>
+  </dgm:styleLbl>
+  <dgm:styleLbl name="fgAcc3">
+    <dgm:scene3d>
+      <a:camera prst="orthographicFront"/>
+      <a:lightRig rig="flat" dir="t"/>
+    </dgm:scene3d>
+    <dgm:sp3d z="190500" extrusionH="12700" prstMaterial="plastic">
+      <a:bevelT w="50800" h="50800"/>
+    </dgm:sp3d>
+    <dgm:txPr/>
+    <dgm:style>
+      <a:lnRef idx="1">
+        <a:scrgbClr r="0" g="0" b="0"/>
+      </a:lnRef>
+      <a:fillRef idx="1">
+        <a:scrgbClr r="0" g="0" b="0"/>
+      </a:fillRef>
+      <a:effectRef idx="2">
+        <a:scrgbClr r="0" g="0" b="0"/>
+      </a:effectRef>
+      <a:fontRef idx="minor"/>
+    </dgm:style>
+  </dgm:styleLbl>
+  <dgm:styleLbl name="fgAcc4">
+    <dgm:scene3d>
+      <a:camera prst="orthographicFront"/>
+      <a:lightRig rig="flat" dir="t"/>
+    </dgm:scene3d>
+    <dgm:sp3d z="190500" extrusionH="12700" prstMaterial="plastic">
+      <a:bevelT w="50800" h="50800"/>
+    </dgm:sp3d>
+    <dgm:txPr/>
+    <dgm:style>
+      <a:lnRef idx="1">
+        <a:scrgbClr r="0" g="0" b="0"/>
+      </a:lnRef>
+      <a:fillRef idx="1">
+        <a:scrgbClr r="0" g="0" b="0"/>
+      </a:fillRef>
+      <a:effectRef idx="2">
+        <a:scrgbClr r="0" g="0" b="0"/>
+      </a:effectRef>
+      <a:fontRef idx="minor"/>
+    </dgm:style>
+  </dgm:styleLbl>
+  <dgm:styleLbl name="bgShp">
+    <dgm:scene3d>
+      <a:camera prst="orthographicFront"/>
+      <a:lightRig rig="flat" dir="t"/>
+    </dgm:scene3d>
+    <dgm:sp3d z="-190500" extrusionH="12700" prstMaterial="plastic">
+      <a:bevelT w="50800" h="50800"/>
+    </dgm:sp3d>
+    <dgm:txPr/>
+    <dgm:style>
+      <a:lnRef idx="0">
+        <a:scrgbClr r="0" g="0" b="0"/>
+      </a:lnRef>
+      <a:fillRef idx="3">
+        <a:scrgbClr r="0" g="0" b="0"/>
+      </a:fillRef>
+      <a:effectRef idx="0">
+        <a:scrgbClr r="0" g="0" b="0"/>
+      </a:effectRef>
+      <a:fontRef idx="minor"/>
+    </dgm:style>
+  </dgm:styleLbl>
+  <dgm:styleLbl name="dkBgShp">
+    <dgm:scene3d>
+      <a:camera prst="orthographicFront"/>
+      <a:lightRig rig="flat" dir="t"/>
+    </dgm:scene3d>
+    <dgm:sp3d z="-190500" extrusionH="12700" prstMaterial="plastic">
+      <a:bevelT w="50800" h="50800"/>
+    </dgm:sp3d>
+    <dgm:txPr/>
+    <dgm:style>
+      <a:lnRef idx="0">
+        <a:scrgbClr r="0" g="0" b="0"/>
+      </a:lnRef>
+      <a:fillRef idx="2">
+        <a:scrgbClr r="0" g="0" b="0"/>
+      </a:fillRef>
+      <a:effectRef idx="0">
+        <a:scrgbClr r="0" g="0" b="0"/>
+      </a:effectRef>
+      <a:fontRef idx="minor"/>
+    </dgm:style>
+  </dgm:styleLbl>
+  <dgm:styleLbl name="trBgShp">
+    <dgm:scene3d>
+      <a:camera prst="orthographicFront"/>
+      <a:lightRig rig="flat" dir="t"/>
+    </dgm:scene3d>
+    <dgm:sp3d z="-190500" extrusionH="12700" prstMaterial="matte"/>
+    <dgm:txPr/>
+    <dgm:style>
+      <a:lnRef idx="0">
+        <a:scrgbClr r="0" g="0" b="0"/>
+      </a:lnRef>
+      <a:fillRef idx="1">
+        <a:scrgbClr r="0" g="0" b="0"/>
+      </a:fillRef>
+      <a:effectRef idx="0">
+        <a:scrgbClr r="0" g="0" b="0"/>
+      </a:effectRef>
+      <a:fontRef idx="minor"/>
+    </dgm:style>
+  </dgm:styleLbl>
+  <dgm:styleLbl name="fgShp">
+    <dgm:scene3d>
+      <a:camera prst="orthographicFront"/>
+      <a:lightRig rig="flat" dir="t"/>
+    </dgm:scene3d>
+    <dgm:sp3d z="190500" prstMaterial="plastic">
+      <a:bevelT w="120900" h="88900"/>
+      <a:bevelB w="88900" h="31750" prst="angle"/>
+    </dgm:sp3d>
+    <dgm:txPr/>
+    <dgm:style>
+      <a:lnRef idx="0">
+        <a:scrgbClr r="0" g="0" b="0"/>
+      </a:lnRef>
+      <a:fillRef idx="1">
+        <a:scrgbClr r="0" g="0" b="0"/>
+      </a:fillRef>
+      <a:effectRef idx="3">
+        <a:scrgbClr r="0" g="0" b="0"/>
+      </a:effectRef>
+      <a:fontRef idx="minor">
+        <a:schemeClr val="lt1"/>
+      </a:fontRef>
+    </dgm:style>
+  </dgm:styleLbl>
+  <dgm:styleLbl name="revTx">
+    <dgm:scene3d>
+      <a:camera prst="orthographicFront"/>
+      <a:lightRig rig="threePt" dir="t"/>
+    </dgm:scene3d>
+    <dgm:sp3d/>
+    <dgm:txPr/>
+    <dgm:style>
+      <a:lnRef idx="0">
+        <a:scrgbClr r="0" g="0" b="0"/>
+      </a:lnRef>
+      <a:fillRef idx="0">
+        <a:scrgbClr r="0" g="0" b="0"/>
+      </a:fillRef>
+      <a:effectRef idx="0">
+        <a:scrgbClr r="0" g="0" b="0"/>
+      </a:effectRef>
+      <a:fontRef idx="minor"/>
+    </dgm:style>
+  </dgm:styleLbl>
+</dgm:styleDef>
 </file>
 
 <file path=ppt/slideLayouts/slideLayout1.xml><?xml version="1.0" encoding="utf-8"?>
@@ -254,7 +5209,7 @@
           <a:p>
             <a:fld id="{D9ED8FC1-8622-4D27-81F2-34C758F98EC4}" type="datetimeFigureOut">
               <a:rPr lang="en-US" smtClean="0"/>
-              <a:t>12/29/2022</a:t>
+              <a:t>1/11/2023</a:t>
             </a:fld>
             <a:endParaRPr lang="en-US"/>
           </a:p>
@@ -452,7 +5407,7 @@
           <a:p>
             <a:fld id="{D9ED8FC1-8622-4D27-81F2-34C758F98EC4}" type="datetimeFigureOut">
               <a:rPr lang="en-US" smtClean="0"/>
-              <a:t>12/29/2022</a:t>
+              <a:t>1/11/2023</a:t>
             </a:fld>
             <a:endParaRPr lang="en-US"/>
           </a:p>
@@ -660,7 +5615,7 @@
           <a:p>
             <a:fld id="{D9ED8FC1-8622-4D27-81F2-34C758F98EC4}" type="datetimeFigureOut">
               <a:rPr lang="en-US" smtClean="0"/>
-              <a:t>12/29/2022</a:t>
+              <a:t>1/11/2023</a:t>
             </a:fld>
             <a:endParaRPr lang="en-US"/>
           </a:p>
@@ -858,7 +5813,7 @@
           <a:p>
             <a:fld id="{D9ED8FC1-8622-4D27-81F2-34C758F98EC4}" type="datetimeFigureOut">
               <a:rPr lang="en-US" smtClean="0"/>
-              <a:t>12/29/2022</a:t>
+              <a:t>1/11/2023</a:t>
             </a:fld>
             <a:endParaRPr lang="en-US"/>
           </a:p>
@@ -1133,7 +6088,7 @@
           <a:p>
             <a:fld id="{D9ED8FC1-8622-4D27-81F2-34C758F98EC4}" type="datetimeFigureOut">
               <a:rPr lang="en-US" smtClean="0"/>
-              <a:t>12/29/2022</a:t>
+              <a:t>1/11/2023</a:t>
             </a:fld>
             <a:endParaRPr lang="en-US"/>
           </a:p>
@@ -1398,7 +6353,7 @@
           <a:p>
             <a:fld id="{D9ED8FC1-8622-4D27-81F2-34C758F98EC4}" type="datetimeFigureOut">
               <a:rPr lang="en-US" smtClean="0"/>
-              <a:t>12/29/2022</a:t>
+              <a:t>1/11/2023</a:t>
             </a:fld>
             <a:endParaRPr lang="en-US"/>
           </a:p>
@@ -1810,7 +6765,7 @@
           <a:p>
             <a:fld id="{D9ED8FC1-8622-4D27-81F2-34C758F98EC4}" type="datetimeFigureOut">
               <a:rPr lang="en-US" smtClean="0"/>
-              <a:t>12/29/2022</a:t>
+              <a:t>1/11/2023</a:t>
             </a:fld>
             <a:endParaRPr lang="en-US"/>
           </a:p>
@@ -1951,7 +6906,7 @@
           <a:p>
             <a:fld id="{D9ED8FC1-8622-4D27-81F2-34C758F98EC4}" type="datetimeFigureOut">
               <a:rPr lang="en-US" smtClean="0"/>
-              <a:t>12/29/2022</a:t>
+              <a:t>1/11/2023</a:t>
             </a:fld>
             <a:endParaRPr lang="en-US"/>
           </a:p>
@@ -2064,7 +7019,7 @@
           <a:p>
             <a:fld id="{D9ED8FC1-8622-4D27-81F2-34C758F98EC4}" type="datetimeFigureOut">
               <a:rPr lang="en-US" smtClean="0"/>
-              <a:t>12/29/2022</a:t>
+              <a:t>1/11/2023</a:t>
             </a:fld>
             <a:endParaRPr lang="en-US"/>
           </a:p>
@@ -2375,7 +7330,7 @@
           <a:p>
             <a:fld id="{D9ED8FC1-8622-4D27-81F2-34C758F98EC4}" type="datetimeFigureOut">
               <a:rPr lang="en-US" smtClean="0"/>
-              <a:t>12/29/2022</a:t>
+              <a:t>1/11/2023</a:t>
             </a:fld>
             <a:endParaRPr lang="en-US"/>
           </a:p>
@@ -2663,7 +7618,7 @@
           <a:p>
             <a:fld id="{D9ED8FC1-8622-4D27-81F2-34C758F98EC4}" type="datetimeFigureOut">
               <a:rPr lang="en-US" smtClean="0"/>
-              <a:t>12/29/2022</a:t>
+              <a:t>1/11/2023</a:t>
             </a:fld>
             <a:endParaRPr lang="en-US"/>
           </a:p>
@@ -2904,7 +7859,7 @@
           <a:p>
             <a:fld id="{D9ED8FC1-8622-4D27-81F2-34C758F98EC4}" type="datetimeFigureOut">
               <a:rPr lang="en-US" smtClean="0"/>
-              <a:t>12/29/2022</a:t>
+              <a:t>1/11/2023</a:t>
             </a:fld>
             <a:endParaRPr lang="en-US"/>
           </a:p>
@@ -3972,6 +8927,4097 @@
 </p:sld>
 </file>
 
+<file path=ppt/slides/slide2.xml><?xml version="1.0" encoding="utf-8"?>
+<p:sld xmlns:a="http://schemas.openxmlformats.org/drawingml/2006/main" xmlns:r="http://schemas.openxmlformats.org/officeDocument/2006/relationships" xmlns:p="http://schemas.openxmlformats.org/presentationml/2006/main">
+  <p:cSld>
+    <p:spTree>
+      <p:nvGrpSpPr>
+        <p:cNvPr id="1" name=""/>
+        <p:cNvGrpSpPr/>
+        <p:nvPr/>
+      </p:nvGrpSpPr>
+      <p:grpSpPr>
+        <a:xfrm>
+          <a:off x="0" y="0"/>
+          <a:ext cx="0" cy="0"/>
+          <a:chOff x="0" y="0"/>
+          <a:chExt cx="0" cy="0"/>
+        </a:xfrm>
+      </p:grpSpPr>
+      <p:sp>
+        <p:nvSpPr>
+          <p:cNvPr id="68" name="Rectangle: Rounded Corners 67">
+            <a:extLst>
+              <a:ext uri="{FF2B5EF4-FFF2-40B4-BE49-F238E27FC236}">
+                <a16:creationId xmlns:a16="http://schemas.microsoft.com/office/drawing/2014/main" id="{07DBF9B3-5E2D-FE01-88CE-25DD83112575}"/>
+              </a:ext>
+            </a:extLst>
+          </p:cNvPr>
+          <p:cNvSpPr/>
+          <p:nvPr/>
+        </p:nvSpPr>
+        <p:spPr>
+          <a:xfrm>
+            <a:off x="4595127" y="4032316"/>
+            <a:ext cx="3643150" cy="1905524"/>
+          </a:xfrm>
+          <a:prstGeom prst="roundRect">
+            <a:avLst/>
+          </a:prstGeom>
+          <a:gradFill flip="none" rotWithShape="1">
+            <a:gsLst>
+              <a:gs pos="0">
+                <a:schemeClr val="accent6">
+                  <a:lumMod val="67000"/>
+                </a:schemeClr>
+              </a:gs>
+              <a:gs pos="18000">
+                <a:schemeClr val="accent6">
+                  <a:lumMod val="97000"/>
+                  <a:lumOff val="3000"/>
+                </a:schemeClr>
+              </a:gs>
+              <a:gs pos="64000">
+                <a:schemeClr val="accent6">
+                  <a:lumMod val="40000"/>
+                  <a:lumOff val="60000"/>
+                </a:schemeClr>
+              </a:gs>
+            </a:gsLst>
+            <a:lin ang="16200000" scaled="1"/>
+            <a:tileRect/>
+          </a:gradFill>
+          <a:ln>
+            <a:noFill/>
+          </a:ln>
+        </p:spPr>
+        <p:style>
+          <a:lnRef idx="0">
+            <a:scrgbClr r="0" g="0" b="0"/>
+          </a:lnRef>
+          <a:fillRef idx="0">
+            <a:scrgbClr r="0" g="0" b="0"/>
+          </a:fillRef>
+          <a:effectRef idx="0">
+            <a:scrgbClr r="0" g="0" b="0"/>
+          </a:effectRef>
+          <a:fontRef idx="minor">
+            <a:schemeClr val="lt1"/>
+          </a:fontRef>
+        </p:style>
+        <p:txBody>
+          <a:bodyPr rtlCol="0" anchor="ctr"/>
+          <a:lstStyle/>
+          <a:p>
+            <a:pPr algn="ctr"/>
+            <a:endParaRPr lang="en-US"/>
+          </a:p>
+        </p:txBody>
+      </p:sp>
+      <p:sp>
+        <p:nvSpPr>
+          <p:cNvPr id="16" name="Rectangle 15">
+            <a:extLst>
+              <a:ext uri="{FF2B5EF4-FFF2-40B4-BE49-F238E27FC236}">
+                <a16:creationId xmlns:a16="http://schemas.microsoft.com/office/drawing/2014/main" id="{3ED47EF0-F6A3-A407-6355-50D1A3D439B9}"/>
+              </a:ext>
+            </a:extLst>
+          </p:cNvPr>
+          <p:cNvSpPr/>
+          <p:nvPr/>
+        </p:nvSpPr>
+        <p:spPr>
+          <a:xfrm>
+            <a:off x="738291" y="1164655"/>
+            <a:ext cx="8754502" cy="1982250"/>
+          </a:xfrm>
+          <a:prstGeom prst="rect">
+            <a:avLst/>
+          </a:prstGeom>
+          <a:gradFill flip="none" rotWithShape="1">
+            <a:gsLst>
+              <a:gs pos="0">
+                <a:srgbClr val="FFC000">
+                  <a:tint val="66000"/>
+                  <a:satMod val="160000"/>
+                </a:srgbClr>
+              </a:gs>
+              <a:gs pos="50000">
+                <a:srgbClr val="FFC000">
+                  <a:tint val="44500"/>
+                  <a:satMod val="160000"/>
+                </a:srgbClr>
+              </a:gs>
+              <a:gs pos="100000">
+                <a:srgbClr val="FFC000">
+                  <a:tint val="23500"/>
+                  <a:satMod val="160000"/>
+                </a:srgbClr>
+              </a:gs>
+            </a:gsLst>
+            <a:lin ang="2700000" scaled="1"/>
+            <a:tileRect/>
+          </a:gradFill>
+        </p:spPr>
+        <p:style>
+          <a:lnRef idx="2">
+            <a:schemeClr val="accent1">
+              <a:shade val="50000"/>
+            </a:schemeClr>
+          </a:lnRef>
+          <a:fillRef idx="1">
+            <a:schemeClr val="accent1"/>
+          </a:fillRef>
+          <a:effectRef idx="0">
+            <a:schemeClr val="accent1"/>
+          </a:effectRef>
+          <a:fontRef idx="minor">
+            <a:schemeClr val="lt1"/>
+          </a:fontRef>
+        </p:style>
+        <p:txBody>
+          <a:bodyPr rtlCol="0" anchor="ctr"/>
+          <a:lstStyle/>
+          <a:p>
+            <a:pPr algn="ctr"/>
+            <a:endParaRPr lang="en-US" dirty="0"/>
+          </a:p>
+        </p:txBody>
+      </p:sp>
+      <p:sp>
+        <p:nvSpPr>
+          <p:cNvPr id="7" name="TextBox 6">
+            <a:extLst>
+              <a:ext uri="{FF2B5EF4-FFF2-40B4-BE49-F238E27FC236}">
+                <a16:creationId xmlns:a16="http://schemas.microsoft.com/office/drawing/2014/main" id="{9D55A583-2179-6DF0-318B-AE31F1EC5A4A}"/>
+              </a:ext>
+            </a:extLst>
+          </p:cNvPr>
+          <p:cNvSpPr txBox="1"/>
+          <p:nvPr/>
+        </p:nvSpPr>
+        <p:spPr>
+          <a:xfrm>
+            <a:off x="845305" y="1120669"/>
+            <a:ext cx="2539812" cy="553998"/>
+          </a:xfrm>
+          <a:prstGeom prst="rect">
+            <a:avLst/>
+          </a:prstGeom>
+          <a:noFill/>
+        </p:spPr>
+        <p:txBody>
+          <a:bodyPr wrap="square" rtlCol="0">
+            <a:spAutoFit/>
+          </a:bodyPr>
+          <a:lstStyle/>
+          <a:p>
+            <a:r>
+              <a:rPr lang="en-US" b="1" dirty="0"/>
+              <a:t>Step 1:</a:t>
+            </a:r>
+          </a:p>
+          <a:p>
+            <a:r>
+              <a:rPr lang="en-US" sz="1200" dirty="0"/>
+              <a:t>Creating reference embeddings</a:t>
+            </a:r>
+          </a:p>
+        </p:txBody>
+      </p:sp>
+      <p:pic>
+        <p:nvPicPr>
+          <p:cNvPr id="8" name="Picture 7" descr="Icon&#10;&#10;Description automatically generated">
+            <a:extLst>
+              <a:ext uri="{FF2B5EF4-FFF2-40B4-BE49-F238E27FC236}">
+                <a16:creationId xmlns:a16="http://schemas.microsoft.com/office/drawing/2014/main" id="{E8E2FAE2-A323-AD50-C313-A9069D1983A3}"/>
+              </a:ext>
+            </a:extLst>
+          </p:cNvPr>
+          <p:cNvPicPr>
+            <a:picLocks noChangeAspect="1"/>
+          </p:cNvPicPr>
+          <p:nvPr/>
+        </p:nvPicPr>
+        <p:blipFill>
+          <a:blip r:embed="rId2">
+            <a:extLst>
+              <a:ext uri="{28A0092B-C50C-407E-A947-70E740481C1C}">
+                <a14:useLocalDpi xmlns:a14="http://schemas.microsoft.com/office/drawing/2010/main" val="0"/>
+              </a:ext>
+            </a:extLst>
+          </a:blip>
+          <a:stretch>
+            <a:fillRect/>
+          </a:stretch>
+        </p:blipFill>
+        <p:spPr>
+          <a:xfrm>
+            <a:off x="1059296" y="1552222"/>
+            <a:ext cx="1246123" cy="1246123"/>
+          </a:xfrm>
+          <a:prstGeom prst="rect">
+            <a:avLst/>
+          </a:prstGeom>
+        </p:spPr>
+      </p:pic>
+      <p:pic>
+        <p:nvPicPr>
+          <p:cNvPr id="9" name="Picture 8" descr="A black rectangle with a black background&#10;&#10;Description automatically generated with low confidence">
+            <a:extLst>
+              <a:ext uri="{FF2B5EF4-FFF2-40B4-BE49-F238E27FC236}">
+                <a16:creationId xmlns:a16="http://schemas.microsoft.com/office/drawing/2014/main" id="{70753F22-D87B-0A3B-DF2F-79F272168EE3}"/>
+              </a:ext>
+            </a:extLst>
+          </p:cNvPr>
+          <p:cNvPicPr>
+            <a:picLocks noChangeAspect="1"/>
+          </p:cNvPicPr>
+          <p:nvPr/>
+        </p:nvPicPr>
+        <p:blipFill>
+          <a:blip r:embed="rId3">
+            <a:extLst>
+              <a:ext uri="{28A0092B-C50C-407E-A947-70E740481C1C}">
+                <a14:useLocalDpi xmlns:a14="http://schemas.microsoft.com/office/drawing/2010/main" val="0"/>
+              </a:ext>
+            </a:extLst>
+          </a:blip>
+          <a:stretch>
+            <a:fillRect/>
+          </a:stretch>
+        </p:blipFill>
+        <p:spPr>
+          <a:xfrm>
+            <a:off x="2619550" y="1823314"/>
+            <a:ext cx="617147" cy="623783"/>
+          </a:xfrm>
+          <a:prstGeom prst="roundRect">
+            <a:avLst>
+              <a:gd name="adj" fmla="val 16667"/>
+            </a:avLst>
+          </a:prstGeom>
+          <a:ln>
+            <a:noFill/>
+          </a:ln>
+          <a:effectLst>
+            <a:outerShdw blurRad="76200" dist="38100" dir="7800000" algn="tl" rotWithShape="0">
+              <a:srgbClr val="000000">
+                <a:alpha val="40000"/>
+              </a:srgbClr>
+            </a:outerShdw>
+          </a:effectLst>
+          <a:scene3d>
+            <a:camera prst="orthographicFront"/>
+            <a:lightRig rig="contrasting" dir="t">
+              <a:rot lat="0" lon="0" rev="4200000"/>
+            </a:lightRig>
+          </a:scene3d>
+          <a:sp3d prstMaterial="plastic">
+            <a:bevelT w="381000" h="114300" prst="relaxedInset"/>
+            <a:contourClr>
+              <a:srgbClr val="969696"/>
+            </a:contourClr>
+          </a:sp3d>
+        </p:spPr>
+      </p:pic>
+      <p:cxnSp>
+        <p:nvCxnSpPr>
+          <p:cNvPr id="10" name="Straight Arrow Connector 9">
+            <a:extLst>
+              <a:ext uri="{FF2B5EF4-FFF2-40B4-BE49-F238E27FC236}">
+                <a16:creationId xmlns:a16="http://schemas.microsoft.com/office/drawing/2014/main" id="{992FA665-4168-26BE-A434-3609756DB518}"/>
+              </a:ext>
+            </a:extLst>
+          </p:cNvPr>
+          <p:cNvCxnSpPr>
+            <a:cxnSpLocks/>
+            <a:endCxn id="9" idx="1"/>
+          </p:cNvCxnSpPr>
+          <p:nvPr/>
+        </p:nvCxnSpPr>
+        <p:spPr>
+          <a:xfrm>
+            <a:off x="1688614" y="2135206"/>
+            <a:ext cx="930936" cy="0"/>
+          </a:xfrm>
+          <a:prstGeom prst="straightConnector1">
+            <a:avLst/>
+          </a:prstGeom>
+          <a:ln>
+            <a:tailEnd type="triangle"/>
+          </a:ln>
+        </p:spPr>
+        <p:style>
+          <a:lnRef idx="1">
+            <a:schemeClr val="accent1"/>
+          </a:lnRef>
+          <a:fillRef idx="0">
+            <a:schemeClr val="accent1"/>
+          </a:fillRef>
+          <a:effectRef idx="0">
+            <a:schemeClr val="accent1"/>
+          </a:effectRef>
+          <a:fontRef idx="minor">
+            <a:schemeClr val="tx1"/>
+          </a:fontRef>
+        </p:style>
+      </p:cxnSp>
+      <p:pic>
+        <p:nvPicPr>
+          <p:cNvPr id="11" name="Picture 10" descr="Shape&#10;&#10;Description automatically generated with low confidence">
+            <a:extLst>
+              <a:ext uri="{FF2B5EF4-FFF2-40B4-BE49-F238E27FC236}">
+                <a16:creationId xmlns:a16="http://schemas.microsoft.com/office/drawing/2014/main" id="{325E225A-9775-7369-4D60-ABD4EEA78928}"/>
+              </a:ext>
+            </a:extLst>
+          </p:cNvPr>
+          <p:cNvPicPr>
+            <a:picLocks noChangeAspect="1"/>
+          </p:cNvPicPr>
+          <p:nvPr/>
+        </p:nvPicPr>
+        <p:blipFill>
+          <a:blip r:embed="rId4">
+            <a:extLst>
+              <a:ext uri="{28A0092B-C50C-407E-A947-70E740481C1C}">
+                <a14:useLocalDpi xmlns:a14="http://schemas.microsoft.com/office/drawing/2010/main" val="0"/>
+              </a:ext>
+            </a:extLst>
+          </a:blip>
+          <a:stretch>
+            <a:fillRect/>
+          </a:stretch>
+        </p:blipFill>
+        <p:spPr>
+          <a:xfrm>
+            <a:off x="4214563" y="1643297"/>
+            <a:ext cx="1085814" cy="971518"/>
+          </a:xfrm>
+          <a:prstGeom prst="rect">
+            <a:avLst/>
+          </a:prstGeom>
+          <a:gradFill flip="none" rotWithShape="1">
+            <a:gsLst>
+              <a:gs pos="0">
+                <a:srgbClr val="FFFF00">
+                  <a:tint val="66000"/>
+                  <a:satMod val="160000"/>
+                </a:srgbClr>
+              </a:gs>
+              <a:gs pos="50000">
+                <a:srgbClr val="FFFF00">
+                  <a:tint val="44500"/>
+                  <a:satMod val="160000"/>
+                </a:srgbClr>
+              </a:gs>
+              <a:gs pos="100000">
+                <a:srgbClr val="FFFF00">
+                  <a:tint val="23500"/>
+                  <a:satMod val="160000"/>
+                </a:srgbClr>
+              </a:gs>
+            </a:gsLst>
+            <a:path path="circle">
+              <a:fillToRect l="50000" t="50000" r="50000" b="50000"/>
+            </a:path>
+            <a:tileRect/>
+          </a:gradFill>
+          <a:ln>
+            <a:noFill/>
+          </a:ln>
+          <a:effectLst>
+            <a:outerShdw blurRad="292100" dist="139700" dir="2700000" algn="tl" rotWithShape="0">
+              <a:srgbClr val="333333">
+                <a:alpha val="65000"/>
+              </a:srgbClr>
+            </a:outerShdw>
+          </a:effectLst>
+        </p:spPr>
+      </p:pic>
+      <p:cxnSp>
+        <p:nvCxnSpPr>
+          <p:cNvPr id="12" name="Straight Arrow Connector 11">
+            <a:extLst>
+              <a:ext uri="{FF2B5EF4-FFF2-40B4-BE49-F238E27FC236}">
+                <a16:creationId xmlns:a16="http://schemas.microsoft.com/office/drawing/2014/main" id="{E89C9C0B-4922-D6A7-466C-08E15FF17B8B}"/>
+              </a:ext>
+            </a:extLst>
+          </p:cNvPr>
+          <p:cNvCxnSpPr>
+            <a:cxnSpLocks/>
+            <a:endCxn id="11" idx="1"/>
+          </p:cNvCxnSpPr>
+          <p:nvPr/>
+        </p:nvCxnSpPr>
+        <p:spPr>
+          <a:xfrm>
+            <a:off x="3236697" y="2129056"/>
+            <a:ext cx="977866" cy="0"/>
+          </a:xfrm>
+          <a:prstGeom prst="straightConnector1">
+            <a:avLst/>
+          </a:prstGeom>
+          <a:ln>
+            <a:tailEnd type="triangle"/>
+          </a:ln>
+        </p:spPr>
+        <p:style>
+          <a:lnRef idx="1">
+            <a:schemeClr val="accent1"/>
+          </a:lnRef>
+          <a:fillRef idx="0">
+            <a:schemeClr val="accent1"/>
+          </a:fillRef>
+          <a:effectRef idx="0">
+            <a:schemeClr val="accent1"/>
+          </a:effectRef>
+          <a:fontRef idx="minor">
+            <a:schemeClr val="tx1"/>
+          </a:fontRef>
+        </p:style>
+      </p:cxnSp>
+      <p:sp>
+        <p:nvSpPr>
+          <p:cNvPr id="13" name="TextBox 12">
+            <a:extLst>
+              <a:ext uri="{FF2B5EF4-FFF2-40B4-BE49-F238E27FC236}">
+                <a16:creationId xmlns:a16="http://schemas.microsoft.com/office/drawing/2014/main" id="{989797EE-54EB-92D0-B66B-1CB488693BA2}"/>
+              </a:ext>
+            </a:extLst>
+          </p:cNvPr>
+          <p:cNvSpPr txBox="1"/>
+          <p:nvPr/>
+        </p:nvSpPr>
+        <p:spPr>
+          <a:xfrm>
+            <a:off x="3710757" y="2686113"/>
+            <a:ext cx="2093426" cy="369332"/>
+          </a:xfrm>
+          <a:prstGeom prst="rect">
+            <a:avLst/>
+          </a:prstGeom>
+          <a:noFill/>
+        </p:spPr>
+        <p:txBody>
+          <a:bodyPr wrap="square" rtlCol="0">
+            <a:spAutoFit/>
+          </a:bodyPr>
+          <a:lstStyle/>
+          <a:p>
+            <a:pPr algn="ctr"/>
+            <a:r>
+              <a:rPr lang="en-US" sz="900" dirty="0"/>
+              <a:t>ASCT+B aggregated view</a:t>
+            </a:r>
+          </a:p>
+          <a:p>
+            <a:pPr algn="ctr"/>
+            <a:r>
+              <a:rPr lang="en-US" sz="900" dirty="0"/>
+              <a:t>[CT-Name, CT-ID, CT-Label, Description]</a:t>
+            </a:r>
+          </a:p>
+        </p:txBody>
+      </p:sp>
+      <p:sp>
+        <p:nvSpPr>
+          <p:cNvPr id="14" name="TextBox 13">
+            <a:extLst>
+              <a:ext uri="{FF2B5EF4-FFF2-40B4-BE49-F238E27FC236}">
+                <a16:creationId xmlns:a16="http://schemas.microsoft.com/office/drawing/2014/main" id="{FCD1D911-3D86-C398-7A4D-CDF3E7C1DFC7}"/>
+              </a:ext>
+            </a:extLst>
+          </p:cNvPr>
+          <p:cNvSpPr txBox="1"/>
+          <p:nvPr/>
+        </p:nvSpPr>
+        <p:spPr>
+          <a:xfrm>
+            <a:off x="2280762" y="2524285"/>
+            <a:ext cx="1260630" cy="369332"/>
+          </a:xfrm>
+          <a:prstGeom prst="rect">
+            <a:avLst/>
+          </a:prstGeom>
+          <a:noFill/>
+        </p:spPr>
+        <p:txBody>
+          <a:bodyPr wrap="square" rtlCol="0">
+            <a:spAutoFit/>
+          </a:bodyPr>
+          <a:lstStyle/>
+          <a:p>
+            <a:pPr algn="ctr"/>
+            <a:r>
+              <a:rPr lang="en-US" sz="900" dirty="0"/>
+              <a:t>ASCT+B dataset</a:t>
+            </a:r>
+          </a:p>
+          <a:p>
+            <a:pPr algn="ctr"/>
+            <a:r>
+              <a:rPr lang="en-US" sz="900" dirty="0"/>
+              <a:t>of all unique </a:t>
+            </a:r>
+            <a:r>
+              <a:rPr lang="en-US" sz="900" dirty="0" err="1"/>
+              <a:t>CellTypes</a:t>
+            </a:r>
+            <a:endParaRPr lang="en-US" sz="900" dirty="0"/>
+          </a:p>
+        </p:txBody>
+      </p:sp>
+      <p:sp>
+        <p:nvSpPr>
+          <p:cNvPr id="15" name="TextBox 14">
+            <a:extLst>
+              <a:ext uri="{FF2B5EF4-FFF2-40B4-BE49-F238E27FC236}">
+                <a16:creationId xmlns:a16="http://schemas.microsoft.com/office/drawing/2014/main" id="{6A4782E0-EAD5-01BE-3327-42980C63FA04}"/>
+              </a:ext>
+            </a:extLst>
+          </p:cNvPr>
+          <p:cNvSpPr txBox="1"/>
+          <p:nvPr/>
+        </p:nvSpPr>
+        <p:spPr>
+          <a:xfrm>
+            <a:off x="1035061" y="2682929"/>
+            <a:ext cx="1260630" cy="230832"/>
+          </a:xfrm>
+          <a:prstGeom prst="rect">
+            <a:avLst/>
+          </a:prstGeom>
+          <a:noFill/>
+        </p:spPr>
+        <p:txBody>
+          <a:bodyPr wrap="square" rtlCol="0">
+            <a:spAutoFit/>
+          </a:bodyPr>
+          <a:lstStyle/>
+          <a:p>
+            <a:pPr algn="ctr"/>
+            <a:r>
+              <a:rPr lang="en-US" sz="900" dirty="0"/>
+              <a:t>ASCT+B organ data</a:t>
+            </a:r>
+          </a:p>
+        </p:txBody>
+      </p:sp>
+      <p:pic>
+        <p:nvPicPr>
+          <p:cNvPr id="19" name="Picture 2">
+            <a:extLst>
+              <a:ext uri="{FF2B5EF4-FFF2-40B4-BE49-F238E27FC236}">
+                <a16:creationId xmlns:a16="http://schemas.microsoft.com/office/drawing/2014/main" id="{12E8747C-BA4B-E327-4D10-8D5C66C2BBC0}"/>
+              </a:ext>
+            </a:extLst>
+          </p:cNvPr>
+          <p:cNvPicPr>
+            <a:picLocks noChangeAspect="1" noChangeArrowheads="1"/>
+          </p:cNvPicPr>
+          <p:nvPr/>
+        </p:nvPicPr>
+        <p:blipFill>
+          <a:blip r:embed="rId5">
+            <a:extLst>
+              <a:ext uri="{28A0092B-C50C-407E-A947-70E740481C1C}">
+                <a14:useLocalDpi xmlns:a14="http://schemas.microsoft.com/office/drawing/2010/main" val="0"/>
+              </a:ext>
+            </a:extLst>
+          </a:blip>
+          <a:srcRect/>
+          <a:stretch>
+            <a:fillRect/>
+          </a:stretch>
+        </p:blipFill>
+        <p:spPr bwMode="auto">
+          <a:xfrm>
+            <a:off x="3423502" y="3256121"/>
+            <a:ext cx="574509" cy="563019"/>
+          </a:xfrm>
+          <a:prstGeom prst="rect">
+            <a:avLst/>
+          </a:prstGeom>
+          <a:noFill/>
+          <a:extLst>
+            <a:ext uri="{909E8E84-426E-40DD-AFC4-6F175D3DCCD1}">
+              <a14:hiddenFill xmlns:a14="http://schemas.microsoft.com/office/drawing/2010/main">
+                <a:solidFill>
+                  <a:srgbClr val="FFFFFF"/>
+                </a:solidFill>
+              </a14:hiddenFill>
+            </a:ext>
+          </a:extLst>
+        </p:spPr>
+      </p:pic>
+      <p:sp>
+        <p:nvSpPr>
+          <p:cNvPr id="20" name="TextBox 19">
+            <a:extLst>
+              <a:ext uri="{FF2B5EF4-FFF2-40B4-BE49-F238E27FC236}">
+                <a16:creationId xmlns:a16="http://schemas.microsoft.com/office/drawing/2014/main" id="{9EB7C4F2-DFD8-A259-6F04-761C19B77678}"/>
+              </a:ext>
+            </a:extLst>
+          </p:cNvPr>
+          <p:cNvSpPr txBox="1"/>
+          <p:nvPr/>
+        </p:nvSpPr>
+        <p:spPr>
+          <a:xfrm>
+            <a:off x="3030801" y="3780985"/>
+            <a:ext cx="1389658" cy="369332"/>
+          </a:xfrm>
+          <a:prstGeom prst="rect">
+            <a:avLst/>
+          </a:prstGeom>
+          <a:noFill/>
+        </p:spPr>
+        <p:txBody>
+          <a:bodyPr wrap="square" rtlCol="0">
+            <a:spAutoFit/>
+          </a:bodyPr>
+          <a:lstStyle/>
+          <a:p>
+            <a:pPr algn="ctr"/>
+            <a:r>
+              <a:rPr lang="en-US" sz="900" dirty="0"/>
+              <a:t>Cell Ontology API Fetch </a:t>
+            </a:r>
+            <a:r>
+              <a:rPr lang="en-US" sz="900" dirty="0" err="1"/>
+              <a:t>CellType</a:t>
+            </a:r>
+            <a:r>
+              <a:rPr lang="en-US" sz="900" dirty="0"/>
+              <a:t>-Description</a:t>
+            </a:r>
+          </a:p>
+        </p:txBody>
+      </p:sp>
+      <p:cxnSp>
+        <p:nvCxnSpPr>
+          <p:cNvPr id="24" name="Straight Arrow Connector 23">
+            <a:extLst>
+              <a:ext uri="{FF2B5EF4-FFF2-40B4-BE49-F238E27FC236}">
+                <a16:creationId xmlns:a16="http://schemas.microsoft.com/office/drawing/2014/main" id="{04593358-209D-0F25-ACC5-173ED0DC6E83}"/>
+              </a:ext>
+            </a:extLst>
+          </p:cNvPr>
+          <p:cNvCxnSpPr>
+            <a:cxnSpLocks/>
+            <a:stCxn id="19" idx="0"/>
+          </p:cNvCxnSpPr>
+          <p:nvPr/>
+        </p:nvCxnSpPr>
+        <p:spPr>
+          <a:xfrm flipH="1" flipV="1">
+            <a:off x="3701029" y="2129056"/>
+            <a:ext cx="9728" cy="1127065"/>
+          </a:xfrm>
+          <a:prstGeom prst="straightConnector1">
+            <a:avLst/>
+          </a:prstGeom>
+          <a:ln>
+            <a:tailEnd type="triangle"/>
+          </a:ln>
+        </p:spPr>
+        <p:style>
+          <a:lnRef idx="1">
+            <a:schemeClr val="accent1"/>
+          </a:lnRef>
+          <a:fillRef idx="0">
+            <a:schemeClr val="accent1"/>
+          </a:fillRef>
+          <a:effectRef idx="0">
+            <a:schemeClr val="accent1"/>
+          </a:effectRef>
+          <a:fontRef idx="minor">
+            <a:schemeClr val="tx1"/>
+          </a:fontRef>
+        </p:style>
+      </p:cxnSp>
+      <p:sp>
+        <p:nvSpPr>
+          <p:cNvPr id="33" name="Shape 32">
+            <a:extLst>
+              <a:ext uri="{FF2B5EF4-FFF2-40B4-BE49-F238E27FC236}">
+                <a16:creationId xmlns:a16="http://schemas.microsoft.com/office/drawing/2014/main" id="{4743432D-F4C8-E93B-74DC-C950A7486F96}"/>
+              </a:ext>
+            </a:extLst>
+          </p:cNvPr>
+          <p:cNvSpPr/>
+          <p:nvPr/>
+        </p:nvSpPr>
+        <p:spPr>
+          <a:xfrm rot="1898290">
+            <a:off x="5139902" y="4107198"/>
+            <a:ext cx="2749050" cy="2110785"/>
+          </a:xfrm>
+          <a:prstGeom prst="swooshArrow">
+            <a:avLst>
+              <a:gd name="adj1" fmla="val 16310"/>
+              <a:gd name="adj2" fmla="val 31370"/>
+            </a:avLst>
+          </a:prstGeom>
+          <a:gradFill flip="none" rotWithShape="1">
+            <a:gsLst>
+              <a:gs pos="0">
+                <a:schemeClr val="accent5">
+                  <a:lumMod val="67000"/>
+                </a:schemeClr>
+              </a:gs>
+              <a:gs pos="48000">
+                <a:schemeClr val="accent5">
+                  <a:lumMod val="97000"/>
+                  <a:lumOff val="3000"/>
+                </a:schemeClr>
+              </a:gs>
+              <a:gs pos="100000">
+                <a:schemeClr val="accent5">
+                  <a:lumMod val="60000"/>
+                  <a:lumOff val="40000"/>
+                </a:schemeClr>
+              </a:gs>
+            </a:gsLst>
+            <a:lin ang="16200000" scaled="1"/>
+            <a:tileRect/>
+          </a:gradFill>
+          <a:ln>
+            <a:solidFill>
+              <a:schemeClr val="accent1">
+                <a:lumMod val="60000"/>
+                <a:lumOff val="40000"/>
+              </a:schemeClr>
+            </a:solidFill>
+          </a:ln>
+        </p:spPr>
+        <p:style>
+          <a:lnRef idx="0">
+            <a:scrgbClr r="0" g="0" b="0"/>
+          </a:lnRef>
+          <a:fillRef idx="0">
+            <a:scrgbClr r="0" g="0" b="0"/>
+          </a:fillRef>
+          <a:effectRef idx="0">
+            <a:scrgbClr r="0" g="0" b="0"/>
+          </a:effectRef>
+          <a:fontRef idx="minor">
+            <a:schemeClr val="lt1"/>
+          </a:fontRef>
+        </p:style>
+      </p:sp>
+      <p:grpSp>
+        <p:nvGrpSpPr>
+          <p:cNvPr id="34" name="Group 33">
+            <a:extLst>
+              <a:ext uri="{FF2B5EF4-FFF2-40B4-BE49-F238E27FC236}">
+                <a16:creationId xmlns:a16="http://schemas.microsoft.com/office/drawing/2014/main" id="{4068C9EB-E74E-A4D4-7C91-A57C4362A3F4}"/>
+              </a:ext>
+            </a:extLst>
+          </p:cNvPr>
+          <p:cNvGrpSpPr/>
+          <p:nvPr/>
+        </p:nvGrpSpPr>
+        <p:grpSpPr>
+          <a:xfrm>
+            <a:off x="4563712" y="4502423"/>
+            <a:ext cx="882824" cy="492464"/>
+            <a:chOff x="1083733" y="0"/>
+            <a:chExt cx="2205397" cy="866986"/>
+          </a:xfrm>
+        </p:grpSpPr>
+        <p:sp>
+          <p:nvSpPr>
+            <p:cNvPr id="35" name="Rectangle 34">
+              <a:extLst>
+                <a:ext uri="{FF2B5EF4-FFF2-40B4-BE49-F238E27FC236}">
+                  <a16:creationId xmlns:a16="http://schemas.microsoft.com/office/drawing/2014/main" id="{74D70149-62F8-C92F-12B3-BB9C848A4573}"/>
+                </a:ext>
+              </a:extLst>
+            </p:cNvPr>
+            <p:cNvSpPr/>
+            <p:nvPr/>
+          </p:nvSpPr>
+          <p:spPr>
+            <a:xfrm>
+              <a:off x="1083733" y="0"/>
+              <a:ext cx="2205397" cy="866986"/>
+            </a:xfrm>
+            <a:prstGeom prst="rect">
+              <a:avLst/>
+            </a:prstGeom>
+          </p:spPr>
+          <p:style>
+            <a:lnRef idx="0">
+              <a:schemeClr val="dk1">
+                <a:alpha val="0"/>
+                <a:hueOff val="0"/>
+                <a:satOff val="0"/>
+                <a:lumOff val="0"/>
+                <a:alphaOff val="0"/>
+              </a:schemeClr>
+            </a:lnRef>
+            <a:fillRef idx="0">
+              <a:schemeClr val="lt1">
+                <a:alpha val="0"/>
+                <a:hueOff val="0"/>
+                <a:satOff val="0"/>
+                <a:lumOff val="0"/>
+                <a:alphaOff val="0"/>
+              </a:schemeClr>
+            </a:fillRef>
+            <a:effectRef idx="0">
+              <a:schemeClr val="lt1">
+                <a:alpha val="0"/>
+                <a:hueOff val="0"/>
+                <a:satOff val="0"/>
+                <a:lumOff val="0"/>
+                <a:alphaOff val="0"/>
+              </a:schemeClr>
+            </a:effectRef>
+            <a:fontRef idx="minor">
+              <a:schemeClr val="tx1">
+                <a:hueOff val="0"/>
+                <a:satOff val="0"/>
+                <a:lumOff val="0"/>
+                <a:alphaOff val="0"/>
+              </a:schemeClr>
+            </a:fontRef>
+          </p:style>
+        </p:sp>
+        <p:sp>
+          <p:nvSpPr>
+            <p:cNvPr id="36" name="TextBox 35">
+              <a:extLst>
+                <a:ext uri="{FF2B5EF4-FFF2-40B4-BE49-F238E27FC236}">
+                  <a16:creationId xmlns:a16="http://schemas.microsoft.com/office/drawing/2014/main" id="{6153AFF4-2FB3-1096-83AC-7079CB651A68}"/>
+                </a:ext>
+              </a:extLst>
+            </p:cNvPr>
+            <p:cNvSpPr txBox="1"/>
+            <p:nvPr/>
+          </p:nvSpPr>
+          <p:spPr>
+            <a:xfrm>
+              <a:off x="1083733" y="0"/>
+              <a:ext cx="2205397" cy="866986"/>
+            </a:xfrm>
+            <a:prstGeom prst="rect">
+              <a:avLst/>
+            </a:prstGeom>
+          </p:spPr>
+          <p:style>
+            <a:lnRef idx="0">
+              <a:scrgbClr r="0" g="0" b="0"/>
+            </a:lnRef>
+            <a:fillRef idx="0">
+              <a:scrgbClr r="0" g="0" b="0"/>
+            </a:fillRef>
+            <a:effectRef idx="0">
+              <a:scrgbClr r="0" g="0" b="0"/>
+            </a:effectRef>
+            <a:fontRef idx="minor">
+              <a:schemeClr val="tx1">
+                <a:hueOff val="0"/>
+                <a:satOff val="0"/>
+                <a:lumOff val="0"/>
+                <a:alphaOff val="0"/>
+              </a:schemeClr>
+            </a:fontRef>
+          </p:style>
+          <p:txBody>
+            <a:bodyPr spcFirstLastPara="0" vert="horz" wrap="square" lIns="31750" tIns="31750" rIns="31750" bIns="31750" numCol="1" spcCol="1270" anchor="b" anchorCtr="0">
+              <a:noAutofit/>
+            </a:bodyPr>
+            <a:lstStyle/>
+            <a:p>
+              <a:pPr marL="0" lvl="0" indent="0" algn="ctr" defTabSz="1111250">
+                <a:lnSpc>
+                  <a:spcPct val="90000"/>
+                </a:lnSpc>
+                <a:spcBef>
+                  <a:spcPct val="0"/>
+                </a:spcBef>
+                <a:spcAft>
+                  <a:spcPct val="35000"/>
+                </a:spcAft>
+                <a:buNone/>
+              </a:pPr>
+              <a:r>
+                <a:rPr lang="en-US" sz="1200" kern="1200" dirty="0"/>
+                <a:t>1. Remove </a:t>
+              </a:r>
+              <a:br>
+                <a:rPr lang="en-US" sz="1200" kern="1200" dirty="0"/>
+              </a:br>
+              <a:r>
+                <a:rPr lang="en-US" sz="1200" kern="1200" dirty="0"/>
+                <a:t>whitespaces</a:t>
+              </a:r>
+            </a:p>
+          </p:txBody>
+        </p:sp>
+      </p:grpSp>
+      <p:grpSp>
+        <p:nvGrpSpPr>
+          <p:cNvPr id="37" name="Group 36">
+            <a:extLst>
+              <a:ext uri="{FF2B5EF4-FFF2-40B4-BE49-F238E27FC236}">
+                <a16:creationId xmlns:a16="http://schemas.microsoft.com/office/drawing/2014/main" id="{EB2FE3B4-22B7-5EEF-6FD4-75BBFD4C6DD8}"/>
+              </a:ext>
+            </a:extLst>
+          </p:cNvPr>
+          <p:cNvGrpSpPr/>
+          <p:nvPr/>
+        </p:nvGrpSpPr>
+        <p:grpSpPr>
+          <a:xfrm>
+            <a:off x="6126541" y="4795071"/>
+            <a:ext cx="928239" cy="866986"/>
+            <a:chOff x="3765973" y="1025753"/>
+            <a:chExt cx="3278293" cy="866986"/>
+          </a:xfrm>
+        </p:grpSpPr>
+        <p:sp>
+          <p:nvSpPr>
+            <p:cNvPr id="38" name="Rectangle 37">
+              <a:extLst>
+                <a:ext uri="{FF2B5EF4-FFF2-40B4-BE49-F238E27FC236}">
+                  <a16:creationId xmlns:a16="http://schemas.microsoft.com/office/drawing/2014/main" id="{271C327B-78F5-46B7-0C38-ECF04686D8D1}"/>
+                </a:ext>
+              </a:extLst>
+            </p:cNvPr>
+            <p:cNvSpPr/>
+            <p:nvPr/>
+          </p:nvSpPr>
+          <p:spPr>
+            <a:xfrm>
+              <a:off x="3765973" y="1025753"/>
+              <a:ext cx="3278293" cy="866986"/>
+            </a:xfrm>
+            <a:prstGeom prst="rect">
+              <a:avLst/>
+            </a:prstGeom>
+          </p:spPr>
+          <p:style>
+            <a:lnRef idx="0">
+              <a:schemeClr val="dk1">
+                <a:alpha val="0"/>
+                <a:hueOff val="0"/>
+                <a:satOff val="0"/>
+                <a:lumOff val="0"/>
+                <a:alphaOff val="0"/>
+              </a:schemeClr>
+            </a:lnRef>
+            <a:fillRef idx="0">
+              <a:schemeClr val="lt1">
+                <a:alpha val="0"/>
+                <a:hueOff val="0"/>
+                <a:satOff val="0"/>
+                <a:lumOff val="0"/>
+                <a:alphaOff val="0"/>
+              </a:schemeClr>
+            </a:fillRef>
+            <a:effectRef idx="0">
+              <a:schemeClr val="lt1">
+                <a:alpha val="0"/>
+                <a:hueOff val="0"/>
+                <a:satOff val="0"/>
+                <a:lumOff val="0"/>
+                <a:alphaOff val="0"/>
+              </a:schemeClr>
+            </a:effectRef>
+            <a:fontRef idx="minor">
+              <a:schemeClr val="tx1">
+                <a:hueOff val="0"/>
+                <a:satOff val="0"/>
+                <a:lumOff val="0"/>
+                <a:alphaOff val="0"/>
+              </a:schemeClr>
+            </a:fontRef>
+          </p:style>
+        </p:sp>
+        <p:sp>
+          <p:nvSpPr>
+            <p:cNvPr id="39" name="TextBox 38">
+              <a:extLst>
+                <a:ext uri="{FF2B5EF4-FFF2-40B4-BE49-F238E27FC236}">
+                  <a16:creationId xmlns:a16="http://schemas.microsoft.com/office/drawing/2014/main" id="{05CD150F-3B3C-88E4-8A0B-ABA5E82F50FA}"/>
+                </a:ext>
+              </a:extLst>
+            </p:cNvPr>
+            <p:cNvSpPr txBox="1"/>
+            <p:nvPr/>
+          </p:nvSpPr>
+          <p:spPr>
+            <a:xfrm>
+              <a:off x="3765973" y="1025753"/>
+              <a:ext cx="3278293" cy="866986"/>
+            </a:xfrm>
+            <a:prstGeom prst="rect">
+              <a:avLst/>
+            </a:prstGeom>
+          </p:spPr>
+          <p:style>
+            <a:lnRef idx="0">
+              <a:scrgbClr r="0" g="0" b="0"/>
+            </a:lnRef>
+            <a:fillRef idx="0">
+              <a:scrgbClr r="0" g="0" b="0"/>
+            </a:fillRef>
+            <a:effectRef idx="0">
+              <a:scrgbClr r="0" g="0" b="0"/>
+            </a:effectRef>
+            <a:fontRef idx="minor">
+              <a:schemeClr val="tx1">
+                <a:hueOff val="0"/>
+                <a:satOff val="0"/>
+                <a:lumOff val="0"/>
+                <a:alphaOff val="0"/>
+              </a:schemeClr>
+            </a:fontRef>
+          </p:style>
+          <p:txBody>
+            <a:bodyPr spcFirstLastPara="0" vert="horz" wrap="square" lIns="31750" tIns="31750" rIns="31750" bIns="31750" numCol="1" spcCol="1270" anchor="ctr" anchorCtr="0">
+              <a:noAutofit/>
+            </a:bodyPr>
+            <a:lstStyle/>
+            <a:p>
+              <a:pPr marL="0" lvl="0" indent="0" algn="ctr" defTabSz="1111250">
+                <a:lnSpc>
+                  <a:spcPct val="90000"/>
+                </a:lnSpc>
+                <a:spcBef>
+                  <a:spcPct val="0"/>
+                </a:spcBef>
+                <a:spcAft>
+                  <a:spcPct val="35000"/>
+                </a:spcAft>
+                <a:buNone/>
+              </a:pPr>
+              <a:r>
+                <a:rPr lang="en-US" sz="1200" kern="1200" dirty="0"/>
+                <a:t>4. Expand</a:t>
+              </a:r>
+              <a:br>
+                <a:rPr lang="en-US" sz="1200" kern="1200" dirty="0"/>
+              </a:br>
+              <a:r>
+                <a:rPr lang="en-US" sz="1200" kern="1200" dirty="0"/>
+                <a:t>word</a:t>
+              </a:r>
+              <a:br>
+                <a:rPr lang="en-US" sz="1200" kern="1200" dirty="0"/>
+              </a:br>
+              <a:r>
+                <a:rPr lang="en-US" sz="1200" kern="1200" dirty="0"/>
+                <a:t>contractions</a:t>
+              </a:r>
+            </a:p>
+          </p:txBody>
+        </p:sp>
+      </p:grpSp>
+      <p:grpSp>
+        <p:nvGrpSpPr>
+          <p:cNvPr id="40" name="Group 39">
+            <a:extLst>
+              <a:ext uri="{FF2B5EF4-FFF2-40B4-BE49-F238E27FC236}">
+                <a16:creationId xmlns:a16="http://schemas.microsoft.com/office/drawing/2014/main" id="{6F313E55-33F3-CDB0-1E88-3AD6FA481522}"/>
+              </a:ext>
+            </a:extLst>
+          </p:cNvPr>
+          <p:cNvGrpSpPr/>
+          <p:nvPr/>
+        </p:nvGrpSpPr>
+        <p:grpSpPr>
+          <a:xfrm>
+            <a:off x="5083934" y="5092129"/>
+            <a:ext cx="896259" cy="592125"/>
+            <a:chOff x="-930129" y="1537817"/>
+            <a:chExt cx="4254555" cy="1881341"/>
+          </a:xfrm>
+        </p:grpSpPr>
+        <p:sp>
+          <p:nvSpPr>
+            <p:cNvPr id="41" name="Rectangle 40">
+              <a:extLst>
+                <a:ext uri="{FF2B5EF4-FFF2-40B4-BE49-F238E27FC236}">
+                  <a16:creationId xmlns:a16="http://schemas.microsoft.com/office/drawing/2014/main" id="{2EFEE287-3490-3EB7-D2DE-65DF53CAE255}"/>
+                </a:ext>
+              </a:extLst>
+            </p:cNvPr>
+            <p:cNvSpPr/>
+            <p:nvPr/>
+          </p:nvSpPr>
+          <p:spPr>
+            <a:xfrm>
+              <a:off x="1083733" y="1537817"/>
+              <a:ext cx="2205397" cy="866986"/>
+            </a:xfrm>
+            <a:prstGeom prst="rect">
+              <a:avLst/>
+            </a:prstGeom>
+          </p:spPr>
+          <p:style>
+            <a:lnRef idx="0">
+              <a:schemeClr val="dk1">
+                <a:alpha val="0"/>
+                <a:hueOff val="0"/>
+                <a:satOff val="0"/>
+                <a:lumOff val="0"/>
+                <a:alphaOff val="0"/>
+              </a:schemeClr>
+            </a:lnRef>
+            <a:fillRef idx="0">
+              <a:schemeClr val="lt1">
+                <a:alpha val="0"/>
+                <a:hueOff val="0"/>
+                <a:satOff val="0"/>
+                <a:lumOff val="0"/>
+                <a:alphaOff val="0"/>
+              </a:schemeClr>
+            </a:fillRef>
+            <a:effectRef idx="0">
+              <a:schemeClr val="lt1">
+                <a:alpha val="0"/>
+                <a:hueOff val="0"/>
+                <a:satOff val="0"/>
+                <a:lumOff val="0"/>
+                <a:alphaOff val="0"/>
+              </a:schemeClr>
+            </a:effectRef>
+            <a:fontRef idx="minor">
+              <a:schemeClr val="tx1">
+                <a:hueOff val="0"/>
+                <a:satOff val="0"/>
+                <a:lumOff val="0"/>
+                <a:alphaOff val="0"/>
+              </a:schemeClr>
+            </a:fontRef>
+          </p:style>
+        </p:sp>
+        <p:sp>
+          <p:nvSpPr>
+            <p:cNvPr id="42" name="TextBox 41">
+              <a:extLst>
+                <a:ext uri="{FF2B5EF4-FFF2-40B4-BE49-F238E27FC236}">
+                  <a16:creationId xmlns:a16="http://schemas.microsoft.com/office/drawing/2014/main" id="{5C11DDEF-98F3-2E6F-4626-15DE940D9FC8}"/>
+                </a:ext>
+              </a:extLst>
+            </p:cNvPr>
+            <p:cNvSpPr txBox="1"/>
+            <p:nvPr/>
+          </p:nvSpPr>
+          <p:spPr>
+            <a:xfrm>
+              <a:off x="-930129" y="1582423"/>
+              <a:ext cx="4254555" cy="1836735"/>
+            </a:xfrm>
+            <a:prstGeom prst="rect">
+              <a:avLst/>
+            </a:prstGeom>
+          </p:spPr>
+          <p:style>
+            <a:lnRef idx="0">
+              <a:scrgbClr r="0" g="0" b="0"/>
+            </a:lnRef>
+            <a:fillRef idx="0">
+              <a:scrgbClr r="0" g="0" b="0"/>
+            </a:fillRef>
+            <a:effectRef idx="0">
+              <a:scrgbClr r="0" g="0" b="0"/>
+            </a:effectRef>
+            <a:fontRef idx="minor">
+              <a:schemeClr val="tx1">
+                <a:hueOff val="0"/>
+                <a:satOff val="0"/>
+                <a:lumOff val="0"/>
+                <a:alphaOff val="0"/>
+              </a:schemeClr>
+            </a:fontRef>
+          </p:style>
+          <p:txBody>
+            <a:bodyPr spcFirstLastPara="0" vert="horz" wrap="square" lIns="31750" tIns="31750" rIns="31750" bIns="31750" numCol="1" spcCol="1270" anchor="ctr" anchorCtr="0">
+              <a:noAutofit/>
+            </a:bodyPr>
+            <a:lstStyle/>
+            <a:p>
+              <a:pPr marL="0" lvl="0" indent="0" algn="ctr" defTabSz="1111250">
+                <a:lnSpc>
+                  <a:spcPct val="90000"/>
+                </a:lnSpc>
+                <a:spcBef>
+                  <a:spcPct val="0"/>
+                </a:spcBef>
+                <a:spcAft>
+                  <a:spcPct val="35000"/>
+                </a:spcAft>
+                <a:buNone/>
+              </a:pPr>
+              <a:r>
+                <a:rPr lang="en-US" sz="1200" kern="1200" dirty="0"/>
+                <a:t>2. Replace special</a:t>
+              </a:r>
+              <a:br>
+                <a:rPr lang="en-US" sz="1200" kern="1200" dirty="0"/>
+              </a:br>
+              <a:r>
+                <a:rPr lang="en-US" sz="1200" kern="1200" dirty="0"/>
+                <a:t>chars</a:t>
+              </a:r>
+            </a:p>
+          </p:txBody>
+        </p:sp>
+      </p:grpSp>
+      <p:grpSp>
+        <p:nvGrpSpPr>
+          <p:cNvPr id="43" name="Group 42">
+            <a:extLst>
+              <a:ext uri="{FF2B5EF4-FFF2-40B4-BE49-F238E27FC236}">
+                <a16:creationId xmlns:a16="http://schemas.microsoft.com/office/drawing/2014/main" id="{B68D5B7D-FAA4-4A70-581E-08775A4AC644}"/>
+              </a:ext>
+            </a:extLst>
+          </p:cNvPr>
+          <p:cNvGrpSpPr/>
+          <p:nvPr/>
+        </p:nvGrpSpPr>
+        <p:grpSpPr>
+          <a:xfrm>
+            <a:off x="6960587" y="4077076"/>
+            <a:ext cx="714691" cy="866986"/>
+            <a:chOff x="4838869" y="2137122"/>
+            <a:chExt cx="2205397" cy="866986"/>
+          </a:xfrm>
+        </p:grpSpPr>
+        <p:sp>
+          <p:nvSpPr>
+            <p:cNvPr id="44" name="Rectangle 43">
+              <a:extLst>
+                <a:ext uri="{FF2B5EF4-FFF2-40B4-BE49-F238E27FC236}">
+                  <a16:creationId xmlns:a16="http://schemas.microsoft.com/office/drawing/2014/main" id="{DFD0841D-209D-31FF-98B0-16C891FF40C7}"/>
+                </a:ext>
+              </a:extLst>
+            </p:cNvPr>
+            <p:cNvSpPr/>
+            <p:nvPr/>
+          </p:nvSpPr>
+          <p:spPr>
+            <a:xfrm>
+              <a:off x="4838869" y="2137122"/>
+              <a:ext cx="2205397" cy="866986"/>
+            </a:xfrm>
+            <a:prstGeom prst="rect">
+              <a:avLst/>
+            </a:prstGeom>
+          </p:spPr>
+          <p:style>
+            <a:lnRef idx="0">
+              <a:schemeClr val="dk1">
+                <a:alpha val="0"/>
+                <a:hueOff val="0"/>
+                <a:satOff val="0"/>
+                <a:lumOff val="0"/>
+                <a:alphaOff val="0"/>
+              </a:schemeClr>
+            </a:lnRef>
+            <a:fillRef idx="0">
+              <a:schemeClr val="lt1">
+                <a:alpha val="0"/>
+                <a:hueOff val="0"/>
+                <a:satOff val="0"/>
+                <a:lumOff val="0"/>
+                <a:alphaOff val="0"/>
+              </a:schemeClr>
+            </a:fillRef>
+            <a:effectRef idx="0">
+              <a:schemeClr val="lt1">
+                <a:alpha val="0"/>
+                <a:hueOff val="0"/>
+                <a:satOff val="0"/>
+                <a:lumOff val="0"/>
+                <a:alphaOff val="0"/>
+              </a:schemeClr>
+            </a:effectRef>
+            <a:fontRef idx="minor">
+              <a:schemeClr val="tx1">
+                <a:hueOff val="0"/>
+                <a:satOff val="0"/>
+                <a:lumOff val="0"/>
+                <a:alphaOff val="0"/>
+              </a:schemeClr>
+            </a:fontRef>
+          </p:style>
+        </p:sp>
+        <p:sp>
+          <p:nvSpPr>
+            <p:cNvPr id="45" name="TextBox 44">
+              <a:extLst>
+                <a:ext uri="{FF2B5EF4-FFF2-40B4-BE49-F238E27FC236}">
+                  <a16:creationId xmlns:a16="http://schemas.microsoft.com/office/drawing/2014/main" id="{4E4C9D3F-7590-EAE4-7AF2-3A52AC14BDE8}"/>
+                </a:ext>
+              </a:extLst>
+            </p:cNvPr>
+            <p:cNvSpPr txBox="1"/>
+            <p:nvPr/>
+          </p:nvSpPr>
+          <p:spPr>
+            <a:xfrm>
+              <a:off x="4838869" y="2137122"/>
+              <a:ext cx="2205397" cy="866986"/>
+            </a:xfrm>
+            <a:prstGeom prst="rect">
+              <a:avLst/>
+            </a:prstGeom>
+          </p:spPr>
+          <p:style>
+            <a:lnRef idx="0">
+              <a:scrgbClr r="0" g="0" b="0"/>
+            </a:lnRef>
+            <a:fillRef idx="0">
+              <a:scrgbClr r="0" g="0" b="0"/>
+            </a:fillRef>
+            <a:effectRef idx="0">
+              <a:scrgbClr r="0" g="0" b="0"/>
+            </a:effectRef>
+            <a:fontRef idx="minor">
+              <a:schemeClr val="tx1">
+                <a:hueOff val="0"/>
+                <a:satOff val="0"/>
+                <a:lumOff val="0"/>
+                <a:alphaOff val="0"/>
+              </a:schemeClr>
+            </a:fontRef>
+          </p:style>
+          <p:txBody>
+            <a:bodyPr spcFirstLastPara="0" vert="horz" wrap="square" lIns="31750" tIns="31750" rIns="31750" bIns="31750" numCol="1" spcCol="1270" anchor="ctr" anchorCtr="0">
+              <a:noAutofit/>
+            </a:bodyPr>
+            <a:lstStyle/>
+            <a:p>
+              <a:pPr marL="0" lvl="0" indent="0" algn="ctr" defTabSz="1111250">
+                <a:lnSpc>
+                  <a:spcPct val="90000"/>
+                </a:lnSpc>
+                <a:spcBef>
+                  <a:spcPct val="0"/>
+                </a:spcBef>
+                <a:spcAft>
+                  <a:spcPct val="35000"/>
+                </a:spcAft>
+                <a:buNone/>
+              </a:pPr>
+              <a:r>
+                <a:rPr lang="en-US" sz="1200" kern="1200" dirty="0"/>
+                <a:t>5. Convert</a:t>
+              </a:r>
+              <a:br>
+                <a:rPr lang="en-US" sz="1200" kern="1200" dirty="0"/>
+              </a:br>
+              <a:r>
+                <a:rPr lang="en-US" sz="1200" kern="1200" dirty="0"/>
+                <a:t>number </a:t>
+              </a:r>
+              <a:br>
+                <a:rPr lang="en-US" sz="1200" kern="1200" dirty="0"/>
+              </a:br>
+              <a:r>
+                <a:rPr lang="en-US" sz="1200" kern="1200" dirty="0"/>
+                <a:t>to word</a:t>
+              </a:r>
+            </a:p>
+          </p:txBody>
+        </p:sp>
+      </p:grpSp>
+      <p:grpSp>
+        <p:nvGrpSpPr>
+          <p:cNvPr id="46" name="Group 45">
+            <a:extLst>
+              <a:ext uri="{FF2B5EF4-FFF2-40B4-BE49-F238E27FC236}">
+                <a16:creationId xmlns:a16="http://schemas.microsoft.com/office/drawing/2014/main" id="{F099E37C-15EA-F13B-9849-65B9AB1B1D00}"/>
+              </a:ext>
+            </a:extLst>
+          </p:cNvPr>
+          <p:cNvGrpSpPr/>
+          <p:nvPr/>
+        </p:nvGrpSpPr>
+        <p:grpSpPr>
+          <a:xfrm>
+            <a:off x="5566821" y="4232020"/>
+            <a:ext cx="811874" cy="578086"/>
+            <a:chOff x="1083733" y="2778131"/>
+            <a:chExt cx="3491172" cy="885429"/>
+          </a:xfrm>
+        </p:grpSpPr>
+        <p:sp>
+          <p:nvSpPr>
+            <p:cNvPr id="47" name="Rectangle 46">
+              <a:extLst>
+                <a:ext uri="{FF2B5EF4-FFF2-40B4-BE49-F238E27FC236}">
+                  <a16:creationId xmlns:a16="http://schemas.microsoft.com/office/drawing/2014/main" id="{84BD49CB-CD21-C9CC-B086-F7AF9E97EEE5}"/>
+                </a:ext>
+              </a:extLst>
+            </p:cNvPr>
+            <p:cNvSpPr/>
+            <p:nvPr/>
+          </p:nvSpPr>
+          <p:spPr>
+            <a:xfrm>
+              <a:off x="1083733" y="2796574"/>
+              <a:ext cx="3278293" cy="866986"/>
+            </a:xfrm>
+            <a:prstGeom prst="rect">
+              <a:avLst/>
+            </a:prstGeom>
+          </p:spPr>
+          <p:style>
+            <a:lnRef idx="0">
+              <a:schemeClr val="dk1">
+                <a:alpha val="0"/>
+                <a:hueOff val="0"/>
+                <a:satOff val="0"/>
+                <a:lumOff val="0"/>
+                <a:alphaOff val="0"/>
+              </a:schemeClr>
+            </a:lnRef>
+            <a:fillRef idx="0">
+              <a:schemeClr val="lt1">
+                <a:alpha val="0"/>
+                <a:hueOff val="0"/>
+                <a:satOff val="0"/>
+                <a:lumOff val="0"/>
+                <a:alphaOff val="0"/>
+              </a:schemeClr>
+            </a:fillRef>
+            <a:effectRef idx="0">
+              <a:schemeClr val="lt1">
+                <a:alpha val="0"/>
+                <a:hueOff val="0"/>
+                <a:satOff val="0"/>
+                <a:lumOff val="0"/>
+                <a:alphaOff val="0"/>
+              </a:schemeClr>
+            </a:effectRef>
+            <a:fontRef idx="minor">
+              <a:schemeClr val="tx1">
+                <a:hueOff val="0"/>
+                <a:satOff val="0"/>
+                <a:lumOff val="0"/>
+                <a:alphaOff val="0"/>
+              </a:schemeClr>
+            </a:fontRef>
+          </p:style>
+        </p:sp>
+        <p:sp>
+          <p:nvSpPr>
+            <p:cNvPr id="48" name="TextBox 47">
+              <a:extLst>
+                <a:ext uri="{FF2B5EF4-FFF2-40B4-BE49-F238E27FC236}">
+                  <a16:creationId xmlns:a16="http://schemas.microsoft.com/office/drawing/2014/main" id="{9113E5F0-88B0-C91D-0E69-A0F60E5F4283}"/>
+                </a:ext>
+              </a:extLst>
+            </p:cNvPr>
+            <p:cNvSpPr txBox="1"/>
+            <p:nvPr/>
+          </p:nvSpPr>
+          <p:spPr>
+            <a:xfrm>
+              <a:off x="1296612" y="2778131"/>
+              <a:ext cx="3278293" cy="866986"/>
+            </a:xfrm>
+            <a:prstGeom prst="rect">
+              <a:avLst/>
+            </a:prstGeom>
+          </p:spPr>
+          <p:style>
+            <a:lnRef idx="0">
+              <a:scrgbClr r="0" g="0" b="0"/>
+            </a:lnRef>
+            <a:fillRef idx="0">
+              <a:scrgbClr r="0" g="0" b="0"/>
+            </a:fillRef>
+            <a:effectRef idx="0">
+              <a:scrgbClr r="0" g="0" b="0"/>
+            </a:effectRef>
+            <a:fontRef idx="minor">
+              <a:schemeClr val="tx1">
+                <a:hueOff val="0"/>
+                <a:satOff val="0"/>
+                <a:lumOff val="0"/>
+                <a:alphaOff val="0"/>
+              </a:schemeClr>
+            </a:fontRef>
+          </p:style>
+          <p:txBody>
+            <a:bodyPr spcFirstLastPara="0" vert="horz" wrap="square" lIns="31750" tIns="31750" rIns="31750" bIns="31750" numCol="1" spcCol="1270" anchor="ctr" anchorCtr="0">
+              <a:noAutofit/>
+            </a:bodyPr>
+            <a:lstStyle/>
+            <a:p>
+              <a:pPr marL="0" lvl="0" indent="0" algn="ctr" defTabSz="1111250">
+                <a:lnSpc>
+                  <a:spcPct val="90000"/>
+                </a:lnSpc>
+                <a:spcBef>
+                  <a:spcPct val="0"/>
+                </a:spcBef>
+                <a:spcAft>
+                  <a:spcPct val="35000"/>
+                </a:spcAft>
+                <a:buNone/>
+              </a:pPr>
+              <a:r>
+                <a:rPr lang="en-US" sz="1200" kern="1200" dirty="0"/>
+                <a:t>3. Make lowercase</a:t>
+              </a:r>
+            </a:p>
+          </p:txBody>
+        </p:sp>
+      </p:grpSp>
+      <p:grpSp>
+        <p:nvGrpSpPr>
+          <p:cNvPr id="49" name="Group 48">
+            <a:extLst>
+              <a:ext uri="{FF2B5EF4-FFF2-40B4-BE49-F238E27FC236}">
+                <a16:creationId xmlns:a16="http://schemas.microsoft.com/office/drawing/2014/main" id="{C95880CF-A353-A25C-8C9E-EDD86CD6F5E4}"/>
+              </a:ext>
+            </a:extLst>
+          </p:cNvPr>
+          <p:cNvGrpSpPr/>
+          <p:nvPr/>
+        </p:nvGrpSpPr>
+        <p:grpSpPr>
+          <a:xfrm>
+            <a:off x="7186744" y="5345715"/>
+            <a:ext cx="724117" cy="592125"/>
+            <a:chOff x="4064000" y="4551680"/>
+            <a:chExt cx="2980266" cy="866986"/>
+          </a:xfrm>
+        </p:grpSpPr>
+        <p:sp>
+          <p:nvSpPr>
+            <p:cNvPr id="50" name="Rectangle 49">
+              <a:extLst>
+                <a:ext uri="{FF2B5EF4-FFF2-40B4-BE49-F238E27FC236}">
+                  <a16:creationId xmlns:a16="http://schemas.microsoft.com/office/drawing/2014/main" id="{DB619F1E-9585-18AF-B561-C66F4FA1CA56}"/>
+                </a:ext>
+              </a:extLst>
+            </p:cNvPr>
+            <p:cNvSpPr/>
+            <p:nvPr/>
+          </p:nvSpPr>
+          <p:spPr>
+            <a:xfrm>
+              <a:off x="4064000" y="4551680"/>
+              <a:ext cx="2980266" cy="866986"/>
+            </a:xfrm>
+            <a:prstGeom prst="rect">
+              <a:avLst/>
+            </a:prstGeom>
+          </p:spPr>
+          <p:style>
+            <a:lnRef idx="0">
+              <a:schemeClr val="dk1">
+                <a:alpha val="0"/>
+                <a:hueOff val="0"/>
+                <a:satOff val="0"/>
+                <a:lumOff val="0"/>
+                <a:alphaOff val="0"/>
+              </a:schemeClr>
+            </a:lnRef>
+            <a:fillRef idx="0">
+              <a:schemeClr val="lt1">
+                <a:alpha val="0"/>
+                <a:hueOff val="0"/>
+                <a:satOff val="0"/>
+                <a:lumOff val="0"/>
+                <a:alphaOff val="0"/>
+              </a:schemeClr>
+            </a:fillRef>
+            <a:effectRef idx="0">
+              <a:schemeClr val="lt1">
+                <a:alpha val="0"/>
+                <a:hueOff val="0"/>
+                <a:satOff val="0"/>
+                <a:lumOff val="0"/>
+                <a:alphaOff val="0"/>
+              </a:schemeClr>
+            </a:effectRef>
+            <a:fontRef idx="minor">
+              <a:schemeClr val="tx1">
+                <a:hueOff val="0"/>
+                <a:satOff val="0"/>
+                <a:lumOff val="0"/>
+                <a:alphaOff val="0"/>
+              </a:schemeClr>
+            </a:fontRef>
+          </p:style>
+        </p:sp>
+        <p:sp>
+          <p:nvSpPr>
+            <p:cNvPr id="51" name="TextBox 50">
+              <a:extLst>
+                <a:ext uri="{FF2B5EF4-FFF2-40B4-BE49-F238E27FC236}">
+                  <a16:creationId xmlns:a16="http://schemas.microsoft.com/office/drawing/2014/main" id="{8EC8AAC3-DFAC-5B0E-9F98-9ADC5A1F474D}"/>
+                </a:ext>
+              </a:extLst>
+            </p:cNvPr>
+            <p:cNvSpPr txBox="1"/>
+            <p:nvPr/>
+          </p:nvSpPr>
+          <p:spPr>
+            <a:xfrm>
+              <a:off x="4064000" y="4551680"/>
+              <a:ext cx="2980266" cy="866986"/>
+            </a:xfrm>
+            <a:prstGeom prst="rect">
+              <a:avLst/>
+            </a:prstGeom>
+          </p:spPr>
+          <p:style>
+            <a:lnRef idx="0">
+              <a:scrgbClr r="0" g="0" b="0"/>
+            </a:lnRef>
+            <a:fillRef idx="0">
+              <a:scrgbClr r="0" g="0" b="0"/>
+            </a:fillRef>
+            <a:effectRef idx="0">
+              <a:scrgbClr r="0" g="0" b="0"/>
+            </a:effectRef>
+            <a:fontRef idx="minor">
+              <a:schemeClr val="tx1">
+                <a:hueOff val="0"/>
+                <a:satOff val="0"/>
+                <a:lumOff val="0"/>
+                <a:alphaOff val="0"/>
+              </a:schemeClr>
+            </a:fontRef>
+          </p:style>
+          <p:txBody>
+            <a:bodyPr spcFirstLastPara="0" vert="horz" wrap="square" lIns="31750" tIns="31750" rIns="31750" bIns="31750" numCol="1" spcCol="1270" anchor="t" anchorCtr="0">
+              <a:noAutofit/>
+            </a:bodyPr>
+            <a:lstStyle/>
+            <a:p>
+              <a:pPr marL="0" lvl="0" indent="0" algn="ctr" defTabSz="1111250">
+                <a:lnSpc>
+                  <a:spcPct val="90000"/>
+                </a:lnSpc>
+                <a:spcBef>
+                  <a:spcPct val="0"/>
+                </a:spcBef>
+                <a:spcAft>
+                  <a:spcPct val="35000"/>
+                </a:spcAft>
+                <a:buNone/>
+              </a:pPr>
+              <a:r>
+                <a:rPr lang="en-US" sz="1200" kern="1200" dirty="0"/>
+                <a:t>6. Get</a:t>
+              </a:r>
+              <a:br>
+                <a:rPr lang="en-US" sz="1200" kern="1200" dirty="0"/>
+              </a:br>
+              <a:r>
+                <a:rPr lang="en-US" sz="1200" kern="1200" dirty="0"/>
+                <a:t>root word</a:t>
+              </a:r>
+            </a:p>
+          </p:txBody>
+        </p:sp>
+      </p:grpSp>
+      <p:graphicFrame>
+        <p:nvGraphicFramePr>
+          <p:cNvPr id="52" name="Diagram 51">
+            <a:extLst>
+              <a:ext uri="{FF2B5EF4-FFF2-40B4-BE49-F238E27FC236}">
+                <a16:creationId xmlns:a16="http://schemas.microsoft.com/office/drawing/2014/main" id="{6328B15C-FD66-B791-A915-054B1E1E08E6}"/>
+              </a:ext>
+            </a:extLst>
+          </p:cNvPr>
+          <p:cNvGraphicFramePr/>
+          <p:nvPr>
+            <p:extLst>
+              <p:ext uri="{D42A27DB-BD31-4B8C-83A1-F6EECF244321}">
+                <p14:modId xmlns:p14="http://schemas.microsoft.com/office/powerpoint/2010/main" val="179650171"/>
+              </p:ext>
+            </p:extLst>
+          </p:nvPr>
+        </p:nvGraphicFramePr>
+        <p:xfrm>
+          <a:off x="5599289" y="1631229"/>
+          <a:ext cx="1536348" cy="990330"/>
+        </p:xfrm>
+        <a:graphic>
+          <a:graphicData uri="http://schemas.openxmlformats.org/drawingml/2006/diagram">
+            <dgm:relIds xmlns:dgm="http://schemas.openxmlformats.org/drawingml/2006/diagram" xmlns:r="http://schemas.openxmlformats.org/officeDocument/2006/relationships" r:dm="rId6" r:lo="rId7" r:qs="rId8" r:cs="rId9"/>
+          </a:graphicData>
+        </a:graphic>
+      </p:graphicFrame>
+      <p:pic>
+        <p:nvPicPr>
+          <p:cNvPr id="54" name="Graphic 53" descr="Cube with solid fill">
+            <a:extLst>
+              <a:ext uri="{FF2B5EF4-FFF2-40B4-BE49-F238E27FC236}">
+                <a16:creationId xmlns:a16="http://schemas.microsoft.com/office/drawing/2014/main" id="{610301C9-B50B-FE6F-9BF7-C6C5DEFCBD88}"/>
+              </a:ext>
+            </a:extLst>
+          </p:cNvPr>
+          <p:cNvPicPr>
+            <a:picLocks noChangeAspect="1"/>
+          </p:cNvPicPr>
+          <p:nvPr/>
+        </p:nvPicPr>
+        <p:blipFill>
+          <a:blip r:embed="rId11">
+            <a:extLst>
+              <a:ext uri="{28A0092B-C50C-407E-A947-70E740481C1C}">
+                <a14:useLocalDpi xmlns:a14="http://schemas.microsoft.com/office/drawing/2010/main" val="0"/>
+              </a:ext>
+              <a:ext uri="{96DAC541-7B7A-43D3-8B79-37D633B846F1}">
+                <asvg:svgBlip xmlns:asvg="http://schemas.microsoft.com/office/drawing/2016/SVG/main" r:embed="rId12"/>
+              </a:ext>
+            </a:extLst>
+          </a:blip>
+          <a:stretch>
+            <a:fillRect/>
+          </a:stretch>
+        </p:blipFill>
+        <p:spPr>
+          <a:xfrm>
+            <a:off x="7476279" y="1672358"/>
+            <a:ext cx="914400" cy="914400"/>
+          </a:xfrm>
+          <a:prstGeom prst="rect">
+            <a:avLst/>
+          </a:prstGeom>
+          <a:effectLst>
+            <a:outerShdw blurRad="50800" dist="38100" dir="16200000" rotWithShape="0">
+              <a:prstClr val="black">
+                <a:alpha val="40000"/>
+              </a:prstClr>
+            </a:outerShdw>
+          </a:effectLst>
+        </p:spPr>
+      </p:pic>
+      <p:cxnSp>
+        <p:nvCxnSpPr>
+          <p:cNvPr id="55" name="Straight Arrow Connector 54">
+            <a:extLst>
+              <a:ext uri="{FF2B5EF4-FFF2-40B4-BE49-F238E27FC236}">
+                <a16:creationId xmlns:a16="http://schemas.microsoft.com/office/drawing/2014/main" id="{E5029405-0956-8E94-87B2-00A505D4362A}"/>
+              </a:ext>
+            </a:extLst>
+          </p:cNvPr>
+          <p:cNvCxnSpPr>
+            <a:cxnSpLocks/>
+            <a:stCxn id="11" idx="3"/>
+            <a:endCxn id="52" idx="1"/>
+          </p:cNvCxnSpPr>
+          <p:nvPr/>
+        </p:nvCxnSpPr>
+        <p:spPr>
+          <a:xfrm flipV="1">
+            <a:off x="5300377" y="2126394"/>
+            <a:ext cx="298912" cy="2662"/>
+          </a:xfrm>
+          <a:prstGeom prst="straightConnector1">
+            <a:avLst/>
+          </a:prstGeom>
+          <a:ln>
+            <a:tailEnd type="triangle"/>
+          </a:ln>
+        </p:spPr>
+        <p:style>
+          <a:lnRef idx="1">
+            <a:schemeClr val="accent1"/>
+          </a:lnRef>
+          <a:fillRef idx="0">
+            <a:schemeClr val="accent1"/>
+          </a:fillRef>
+          <a:effectRef idx="0">
+            <a:schemeClr val="accent1"/>
+          </a:effectRef>
+          <a:fontRef idx="minor">
+            <a:schemeClr val="tx1"/>
+          </a:fontRef>
+        </p:style>
+      </p:cxnSp>
+      <p:cxnSp>
+        <p:nvCxnSpPr>
+          <p:cNvPr id="59" name="Straight Arrow Connector 58">
+            <a:extLst>
+              <a:ext uri="{FF2B5EF4-FFF2-40B4-BE49-F238E27FC236}">
+                <a16:creationId xmlns:a16="http://schemas.microsoft.com/office/drawing/2014/main" id="{AC3C73A3-5FDB-5CF1-4B71-803F94B1AC70}"/>
+              </a:ext>
+            </a:extLst>
+          </p:cNvPr>
+          <p:cNvCxnSpPr>
+            <a:cxnSpLocks/>
+          </p:cNvCxnSpPr>
+          <p:nvPr/>
+        </p:nvCxnSpPr>
+        <p:spPr>
+          <a:xfrm>
+            <a:off x="7150790" y="2126394"/>
+            <a:ext cx="372796" cy="0"/>
+          </a:xfrm>
+          <a:prstGeom prst="straightConnector1">
+            <a:avLst/>
+          </a:prstGeom>
+          <a:ln>
+            <a:tailEnd type="triangle"/>
+          </a:ln>
+        </p:spPr>
+        <p:style>
+          <a:lnRef idx="1">
+            <a:schemeClr val="accent1"/>
+          </a:lnRef>
+          <a:fillRef idx="0">
+            <a:schemeClr val="accent1"/>
+          </a:fillRef>
+          <a:effectRef idx="0">
+            <a:schemeClr val="accent1"/>
+          </a:effectRef>
+          <a:fontRef idx="minor">
+            <a:schemeClr val="tx1"/>
+          </a:fontRef>
+        </p:style>
+      </p:cxnSp>
+      <p:sp>
+        <p:nvSpPr>
+          <p:cNvPr id="62" name="TextBox 61">
+            <a:extLst>
+              <a:ext uri="{FF2B5EF4-FFF2-40B4-BE49-F238E27FC236}">
+                <a16:creationId xmlns:a16="http://schemas.microsoft.com/office/drawing/2014/main" id="{98B2ED10-E400-4BB4-B583-4CFAF5010D0C}"/>
+              </a:ext>
+            </a:extLst>
+          </p:cNvPr>
+          <p:cNvSpPr txBox="1"/>
+          <p:nvPr/>
+        </p:nvSpPr>
+        <p:spPr>
+          <a:xfrm>
+            <a:off x="6930743" y="2519136"/>
+            <a:ext cx="2093426" cy="507831"/>
+          </a:xfrm>
+          <a:prstGeom prst="rect">
+            <a:avLst/>
+          </a:prstGeom>
+          <a:noFill/>
+        </p:spPr>
+        <p:txBody>
+          <a:bodyPr wrap="square" rtlCol="0">
+            <a:spAutoFit/>
+          </a:bodyPr>
+          <a:lstStyle/>
+          <a:p>
+            <a:pPr algn="ctr"/>
+            <a:r>
+              <a:rPr lang="en-US" sz="900" dirty="0"/>
+              <a:t>BERT Model</a:t>
+            </a:r>
+            <a:br>
+              <a:rPr lang="en-US" sz="900" dirty="0"/>
+            </a:br>
+            <a:r>
+              <a:rPr lang="en-US" sz="900" dirty="0"/>
+              <a:t>creates 768-dimensional</a:t>
+            </a:r>
+            <a:br>
+              <a:rPr lang="en-US" sz="900" dirty="0"/>
+            </a:br>
+            <a:r>
+              <a:rPr lang="en-US" sz="900" dirty="0"/>
+              <a:t>embeddings for “Description”</a:t>
+            </a:r>
+          </a:p>
+        </p:txBody>
+      </p:sp>
+      <p:cxnSp>
+        <p:nvCxnSpPr>
+          <p:cNvPr id="63" name="Straight Arrow Connector 62">
+            <a:extLst>
+              <a:ext uri="{FF2B5EF4-FFF2-40B4-BE49-F238E27FC236}">
+                <a16:creationId xmlns:a16="http://schemas.microsoft.com/office/drawing/2014/main" id="{D42DEC0C-35BD-FBCA-BD0E-06AFE8442184}"/>
+              </a:ext>
+            </a:extLst>
+          </p:cNvPr>
+          <p:cNvCxnSpPr>
+            <a:cxnSpLocks/>
+            <a:endCxn id="76" idx="1"/>
+          </p:cNvCxnSpPr>
+          <p:nvPr/>
+        </p:nvCxnSpPr>
+        <p:spPr>
+          <a:xfrm flipV="1">
+            <a:off x="8258048" y="2150362"/>
+            <a:ext cx="1915162" cy="22197"/>
+          </a:xfrm>
+          <a:prstGeom prst="straightConnector1">
+            <a:avLst/>
+          </a:prstGeom>
+          <a:ln>
+            <a:tailEnd type="triangle"/>
+          </a:ln>
+        </p:spPr>
+        <p:style>
+          <a:lnRef idx="1">
+            <a:schemeClr val="accent1"/>
+          </a:lnRef>
+          <a:fillRef idx="0">
+            <a:schemeClr val="accent1"/>
+          </a:fillRef>
+          <a:effectRef idx="0">
+            <a:schemeClr val="accent1"/>
+          </a:effectRef>
+          <a:fontRef idx="minor">
+            <a:schemeClr val="tx1"/>
+          </a:fontRef>
+        </p:style>
+      </p:cxnSp>
+      <p:sp>
+        <p:nvSpPr>
+          <p:cNvPr id="67" name="TextBox 66">
+            <a:extLst>
+              <a:ext uri="{FF2B5EF4-FFF2-40B4-BE49-F238E27FC236}">
+                <a16:creationId xmlns:a16="http://schemas.microsoft.com/office/drawing/2014/main" id="{15BD1EBE-E242-B561-DF33-E1DF12B49C54}"/>
+              </a:ext>
+            </a:extLst>
+          </p:cNvPr>
+          <p:cNvSpPr txBox="1"/>
+          <p:nvPr/>
+        </p:nvSpPr>
+        <p:spPr>
+          <a:xfrm>
+            <a:off x="9652430" y="2765486"/>
+            <a:ext cx="2093426" cy="369332"/>
+          </a:xfrm>
+          <a:prstGeom prst="rect">
+            <a:avLst/>
+          </a:prstGeom>
+          <a:noFill/>
+        </p:spPr>
+        <p:txBody>
+          <a:bodyPr wrap="square" rtlCol="0">
+            <a:spAutoFit/>
+          </a:bodyPr>
+          <a:lstStyle/>
+          <a:p>
+            <a:pPr algn="ctr"/>
+            <a:r>
+              <a:rPr lang="en-US" sz="900" dirty="0"/>
+              <a:t>Pickle file/Key-value store:</a:t>
+            </a:r>
+          </a:p>
+          <a:p>
+            <a:pPr algn="ctr"/>
+            <a:r>
+              <a:rPr lang="en-US" sz="900" dirty="0"/>
+              <a:t>Embedding -&gt; </a:t>
+            </a:r>
+            <a:r>
+              <a:rPr lang="en-US" sz="900" dirty="0" err="1"/>
+              <a:t>CellType</a:t>
+            </a:r>
+            <a:endParaRPr lang="en-US" sz="900" dirty="0"/>
+          </a:p>
+        </p:txBody>
+      </p:sp>
+      <p:cxnSp>
+        <p:nvCxnSpPr>
+          <p:cNvPr id="72" name="Straight Arrow Connector 71">
+            <a:extLst>
+              <a:ext uri="{FF2B5EF4-FFF2-40B4-BE49-F238E27FC236}">
+                <a16:creationId xmlns:a16="http://schemas.microsoft.com/office/drawing/2014/main" id="{99162FD5-D4AD-1816-150D-C314B0893422}"/>
+              </a:ext>
+            </a:extLst>
+          </p:cNvPr>
+          <p:cNvCxnSpPr>
+            <a:cxnSpLocks/>
+            <a:endCxn id="68" idx="0"/>
+          </p:cNvCxnSpPr>
+          <p:nvPr/>
+        </p:nvCxnSpPr>
+        <p:spPr>
+          <a:xfrm>
+            <a:off x="6416702" y="2346756"/>
+            <a:ext cx="0" cy="1685560"/>
+          </a:xfrm>
+          <a:prstGeom prst="straightConnector1">
+            <a:avLst/>
+          </a:prstGeom>
+          <a:ln>
+            <a:headEnd type="triangle"/>
+            <a:tailEnd type="triangle"/>
+          </a:ln>
+        </p:spPr>
+        <p:style>
+          <a:lnRef idx="3">
+            <a:schemeClr val="dk1"/>
+          </a:lnRef>
+          <a:fillRef idx="0">
+            <a:schemeClr val="dk1"/>
+          </a:fillRef>
+          <a:effectRef idx="2">
+            <a:schemeClr val="dk1"/>
+          </a:effectRef>
+          <a:fontRef idx="minor">
+            <a:schemeClr val="tx1"/>
+          </a:fontRef>
+        </p:style>
+      </p:cxnSp>
+      <p:pic>
+        <p:nvPicPr>
+          <p:cNvPr id="76" name="Picture 75" descr="Shape, circle&#10;&#10;Description automatically generated">
+            <a:extLst>
+              <a:ext uri="{FF2B5EF4-FFF2-40B4-BE49-F238E27FC236}">
+                <a16:creationId xmlns:a16="http://schemas.microsoft.com/office/drawing/2014/main" id="{8C48FA7C-6C56-7345-EE22-A04F07ED978F}"/>
+              </a:ext>
+            </a:extLst>
+          </p:cNvPr>
+          <p:cNvPicPr>
+            <a:picLocks noChangeAspect="1"/>
+          </p:cNvPicPr>
+          <p:nvPr/>
+        </p:nvPicPr>
+        <p:blipFill>
+          <a:blip r:embed="rId13">
+            <a:extLst>
+              <a:ext uri="{28A0092B-C50C-407E-A947-70E740481C1C}">
+                <a14:useLocalDpi xmlns:a14="http://schemas.microsoft.com/office/drawing/2010/main" val="0"/>
+              </a:ext>
+            </a:extLst>
+          </a:blip>
+          <a:stretch>
+            <a:fillRect/>
+          </a:stretch>
+        </p:blipFill>
+        <p:spPr>
+          <a:xfrm>
+            <a:off x="10173210" y="1560579"/>
+            <a:ext cx="1034239" cy="1179566"/>
+          </a:xfrm>
+          <a:prstGeom prst="roundRect">
+            <a:avLst>
+              <a:gd name="adj" fmla="val 16667"/>
+            </a:avLst>
+          </a:prstGeom>
+          <a:ln>
+            <a:noFill/>
+          </a:ln>
+          <a:effectLst>
+            <a:outerShdw blurRad="76200" dist="38100" dir="7800000" algn="tl" rotWithShape="0">
+              <a:srgbClr val="000000">
+                <a:alpha val="40000"/>
+              </a:srgbClr>
+            </a:outerShdw>
+          </a:effectLst>
+          <a:scene3d>
+            <a:camera prst="orthographicFront"/>
+            <a:lightRig rig="contrasting" dir="t">
+              <a:rot lat="0" lon="0" rev="4200000"/>
+            </a:lightRig>
+          </a:scene3d>
+          <a:sp3d prstMaterial="plastic">
+            <a:bevelT w="381000" h="114300" prst="relaxedInset"/>
+            <a:contourClr>
+              <a:srgbClr val="969696"/>
+            </a:contourClr>
+          </a:sp3d>
+        </p:spPr>
+      </p:pic>
+    </p:spTree>
+    <p:extLst>
+      <p:ext uri="{BB962C8B-B14F-4D97-AF65-F5344CB8AC3E}">
+        <p14:creationId xmlns:p14="http://schemas.microsoft.com/office/powerpoint/2010/main" val="3914184801"/>
+      </p:ext>
+    </p:extLst>
+  </p:cSld>
+  <p:clrMapOvr>
+    <a:masterClrMapping/>
+  </p:clrMapOvr>
+</p:sld>
+</file>
+
+<file path=ppt/slides/slide3.xml><?xml version="1.0" encoding="utf-8"?>
+<p:sld xmlns:a="http://schemas.openxmlformats.org/drawingml/2006/main" xmlns:r="http://schemas.openxmlformats.org/officeDocument/2006/relationships" xmlns:p="http://schemas.openxmlformats.org/presentationml/2006/main">
+  <p:cSld>
+    <p:spTree>
+      <p:nvGrpSpPr>
+        <p:cNvPr id="1" name=""/>
+        <p:cNvGrpSpPr/>
+        <p:nvPr/>
+      </p:nvGrpSpPr>
+      <p:grpSpPr>
+        <a:xfrm>
+          <a:off x="0" y="0"/>
+          <a:ext cx="0" cy="0"/>
+          <a:chOff x="0" y="0"/>
+          <a:chExt cx="0" cy="0"/>
+        </a:xfrm>
+      </p:grpSpPr>
+      <p:sp>
+        <p:nvSpPr>
+          <p:cNvPr id="23" name="Rectangle: Rounded Corners 22">
+            <a:extLst>
+              <a:ext uri="{FF2B5EF4-FFF2-40B4-BE49-F238E27FC236}">
+                <a16:creationId xmlns:a16="http://schemas.microsoft.com/office/drawing/2014/main" id="{C9AB0D2E-883A-9FBA-D1AE-CD880C4044C1}"/>
+              </a:ext>
+            </a:extLst>
+          </p:cNvPr>
+          <p:cNvSpPr/>
+          <p:nvPr/>
+        </p:nvSpPr>
+        <p:spPr>
+          <a:xfrm>
+            <a:off x="1484281" y="3812800"/>
+            <a:ext cx="3643150" cy="1905524"/>
+          </a:xfrm>
+          <a:prstGeom prst="roundRect">
+            <a:avLst/>
+          </a:prstGeom>
+          <a:gradFill flip="none" rotWithShape="1">
+            <a:gsLst>
+              <a:gs pos="0">
+                <a:schemeClr val="accent6">
+                  <a:lumMod val="67000"/>
+                </a:schemeClr>
+              </a:gs>
+              <a:gs pos="18000">
+                <a:schemeClr val="accent6">
+                  <a:lumMod val="97000"/>
+                  <a:lumOff val="3000"/>
+                </a:schemeClr>
+              </a:gs>
+              <a:gs pos="64000">
+                <a:schemeClr val="accent6">
+                  <a:lumMod val="40000"/>
+                  <a:lumOff val="60000"/>
+                </a:schemeClr>
+              </a:gs>
+            </a:gsLst>
+            <a:lin ang="16200000" scaled="1"/>
+            <a:tileRect/>
+          </a:gradFill>
+          <a:ln>
+            <a:noFill/>
+          </a:ln>
+        </p:spPr>
+        <p:style>
+          <a:lnRef idx="0">
+            <a:scrgbClr r="0" g="0" b="0"/>
+          </a:lnRef>
+          <a:fillRef idx="0">
+            <a:scrgbClr r="0" g="0" b="0"/>
+          </a:fillRef>
+          <a:effectRef idx="0">
+            <a:scrgbClr r="0" g="0" b="0"/>
+          </a:effectRef>
+          <a:fontRef idx="minor">
+            <a:schemeClr val="lt1"/>
+          </a:fontRef>
+        </p:style>
+        <p:txBody>
+          <a:bodyPr rtlCol="0" anchor="ctr"/>
+          <a:lstStyle/>
+          <a:p>
+            <a:pPr algn="ctr"/>
+            <a:endParaRPr lang="en-US"/>
+          </a:p>
+        </p:txBody>
+      </p:sp>
+      <p:sp>
+        <p:nvSpPr>
+          <p:cNvPr id="24" name="Rectangle 23">
+            <a:extLst>
+              <a:ext uri="{FF2B5EF4-FFF2-40B4-BE49-F238E27FC236}">
+                <a16:creationId xmlns:a16="http://schemas.microsoft.com/office/drawing/2014/main" id="{822D9091-AD09-C302-3BED-68DC3136EF00}"/>
+              </a:ext>
+            </a:extLst>
+          </p:cNvPr>
+          <p:cNvSpPr/>
+          <p:nvPr/>
+        </p:nvSpPr>
+        <p:spPr>
+          <a:xfrm>
+            <a:off x="1143644" y="1070216"/>
+            <a:ext cx="6784299" cy="1982250"/>
+          </a:xfrm>
+          <a:prstGeom prst="rect">
+            <a:avLst/>
+          </a:prstGeom>
+          <a:gradFill flip="none" rotWithShape="1">
+            <a:gsLst>
+              <a:gs pos="0">
+                <a:srgbClr val="FFC000">
+                  <a:tint val="66000"/>
+                  <a:satMod val="160000"/>
+                </a:srgbClr>
+              </a:gs>
+              <a:gs pos="50000">
+                <a:srgbClr val="FFC000">
+                  <a:tint val="44500"/>
+                  <a:satMod val="160000"/>
+                </a:srgbClr>
+              </a:gs>
+              <a:gs pos="100000">
+                <a:srgbClr val="FFC000">
+                  <a:tint val="23500"/>
+                  <a:satMod val="160000"/>
+                </a:srgbClr>
+              </a:gs>
+            </a:gsLst>
+            <a:lin ang="2700000" scaled="1"/>
+            <a:tileRect/>
+          </a:gradFill>
+        </p:spPr>
+        <p:style>
+          <a:lnRef idx="2">
+            <a:schemeClr val="accent1">
+              <a:shade val="50000"/>
+            </a:schemeClr>
+          </a:lnRef>
+          <a:fillRef idx="1">
+            <a:schemeClr val="accent1"/>
+          </a:fillRef>
+          <a:effectRef idx="0">
+            <a:schemeClr val="accent1"/>
+          </a:effectRef>
+          <a:fontRef idx="minor">
+            <a:schemeClr val="lt1"/>
+          </a:fontRef>
+        </p:style>
+        <p:txBody>
+          <a:bodyPr rtlCol="0" anchor="ctr"/>
+          <a:lstStyle/>
+          <a:p>
+            <a:pPr algn="ctr"/>
+            <a:endParaRPr lang="en-US" dirty="0"/>
+          </a:p>
+        </p:txBody>
+      </p:sp>
+      <p:sp>
+        <p:nvSpPr>
+          <p:cNvPr id="25" name="TextBox 24">
+            <a:extLst>
+              <a:ext uri="{FF2B5EF4-FFF2-40B4-BE49-F238E27FC236}">
+                <a16:creationId xmlns:a16="http://schemas.microsoft.com/office/drawing/2014/main" id="{E2E7A1D3-6E17-69BF-DDFC-F923DEA1BE9C}"/>
+              </a:ext>
+            </a:extLst>
+          </p:cNvPr>
+          <p:cNvSpPr txBox="1"/>
+          <p:nvPr/>
+        </p:nvSpPr>
+        <p:spPr>
+          <a:xfrm>
+            <a:off x="1250657" y="1026400"/>
+            <a:ext cx="3491025" cy="553998"/>
+          </a:xfrm>
+          <a:prstGeom prst="rect">
+            <a:avLst/>
+          </a:prstGeom>
+          <a:noFill/>
+        </p:spPr>
+        <p:txBody>
+          <a:bodyPr wrap="square" rtlCol="0">
+            <a:spAutoFit/>
+          </a:bodyPr>
+          <a:lstStyle/>
+          <a:p>
+            <a:r>
+              <a:rPr lang="en-US" b="1" dirty="0"/>
+              <a:t>Step 2:</a:t>
+            </a:r>
+          </a:p>
+          <a:p>
+            <a:r>
+              <a:rPr lang="en-US" sz="1200" dirty="0"/>
+              <a:t>Map query </a:t>
+            </a:r>
+            <a:r>
+              <a:rPr lang="en-US" sz="1200" dirty="0" err="1"/>
+              <a:t>CellType</a:t>
+            </a:r>
+            <a:r>
+              <a:rPr lang="en-US" sz="1200" dirty="0"/>
+              <a:t>-Labels to reference embeddings</a:t>
+            </a:r>
+          </a:p>
+        </p:txBody>
+      </p:sp>
+      <p:sp>
+        <p:nvSpPr>
+          <p:cNvPr id="38" name="Shape 37">
+            <a:extLst>
+              <a:ext uri="{FF2B5EF4-FFF2-40B4-BE49-F238E27FC236}">
+                <a16:creationId xmlns:a16="http://schemas.microsoft.com/office/drawing/2014/main" id="{06970A4F-A669-2C73-BEEF-003CB4CE455E}"/>
+              </a:ext>
+            </a:extLst>
+          </p:cNvPr>
+          <p:cNvSpPr/>
+          <p:nvPr/>
+        </p:nvSpPr>
+        <p:spPr>
+          <a:xfrm rot="1898290">
+            <a:off x="2029056" y="3887682"/>
+            <a:ext cx="2749050" cy="2110785"/>
+          </a:xfrm>
+          <a:prstGeom prst="swooshArrow">
+            <a:avLst>
+              <a:gd name="adj1" fmla="val 16310"/>
+              <a:gd name="adj2" fmla="val 31370"/>
+            </a:avLst>
+          </a:prstGeom>
+          <a:gradFill flip="none" rotWithShape="1">
+            <a:gsLst>
+              <a:gs pos="0">
+                <a:schemeClr val="accent5">
+                  <a:lumMod val="67000"/>
+                </a:schemeClr>
+              </a:gs>
+              <a:gs pos="48000">
+                <a:schemeClr val="accent5">
+                  <a:lumMod val="97000"/>
+                  <a:lumOff val="3000"/>
+                </a:schemeClr>
+              </a:gs>
+              <a:gs pos="100000">
+                <a:schemeClr val="accent5">
+                  <a:lumMod val="60000"/>
+                  <a:lumOff val="40000"/>
+                </a:schemeClr>
+              </a:gs>
+            </a:gsLst>
+            <a:lin ang="16200000" scaled="1"/>
+            <a:tileRect/>
+          </a:gradFill>
+          <a:ln>
+            <a:solidFill>
+              <a:schemeClr val="accent1">
+                <a:lumMod val="60000"/>
+                <a:lumOff val="40000"/>
+              </a:schemeClr>
+            </a:solidFill>
+          </a:ln>
+        </p:spPr>
+        <p:style>
+          <a:lnRef idx="0">
+            <a:scrgbClr r="0" g="0" b="0"/>
+          </a:lnRef>
+          <a:fillRef idx="0">
+            <a:scrgbClr r="0" g="0" b="0"/>
+          </a:fillRef>
+          <a:effectRef idx="0">
+            <a:scrgbClr r="0" g="0" b="0"/>
+          </a:effectRef>
+          <a:fontRef idx="minor">
+            <a:schemeClr val="lt1"/>
+          </a:fontRef>
+        </p:style>
+      </p:sp>
+      <p:grpSp>
+        <p:nvGrpSpPr>
+          <p:cNvPr id="39" name="Group 38">
+            <a:extLst>
+              <a:ext uri="{FF2B5EF4-FFF2-40B4-BE49-F238E27FC236}">
+                <a16:creationId xmlns:a16="http://schemas.microsoft.com/office/drawing/2014/main" id="{28AADC5E-5354-4805-4D93-9B5829219F05}"/>
+              </a:ext>
+            </a:extLst>
+          </p:cNvPr>
+          <p:cNvGrpSpPr/>
+          <p:nvPr/>
+        </p:nvGrpSpPr>
+        <p:grpSpPr>
+          <a:xfrm>
+            <a:off x="1452866" y="4282907"/>
+            <a:ext cx="882824" cy="492464"/>
+            <a:chOff x="1083733" y="0"/>
+            <a:chExt cx="2205397" cy="866986"/>
+          </a:xfrm>
+        </p:grpSpPr>
+        <p:sp>
+          <p:nvSpPr>
+            <p:cNvPr id="40" name="Rectangle 39">
+              <a:extLst>
+                <a:ext uri="{FF2B5EF4-FFF2-40B4-BE49-F238E27FC236}">
+                  <a16:creationId xmlns:a16="http://schemas.microsoft.com/office/drawing/2014/main" id="{E7D8BAF3-8083-9F50-FCD7-B8D1CA313C51}"/>
+                </a:ext>
+              </a:extLst>
+            </p:cNvPr>
+            <p:cNvSpPr/>
+            <p:nvPr/>
+          </p:nvSpPr>
+          <p:spPr>
+            <a:xfrm>
+              <a:off x="1083733" y="0"/>
+              <a:ext cx="2205397" cy="866986"/>
+            </a:xfrm>
+            <a:prstGeom prst="rect">
+              <a:avLst/>
+            </a:prstGeom>
+          </p:spPr>
+          <p:style>
+            <a:lnRef idx="0">
+              <a:schemeClr val="dk1">
+                <a:alpha val="0"/>
+                <a:hueOff val="0"/>
+                <a:satOff val="0"/>
+                <a:lumOff val="0"/>
+                <a:alphaOff val="0"/>
+              </a:schemeClr>
+            </a:lnRef>
+            <a:fillRef idx="0">
+              <a:schemeClr val="lt1">
+                <a:alpha val="0"/>
+                <a:hueOff val="0"/>
+                <a:satOff val="0"/>
+                <a:lumOff val="0"/>
+                <a:alphaOff val="0"/>
+              </a:schemeClr>
+            </a:fillRef>
+            <a:effectRef idx="0">
+              <a:schemeClr val="lt1">
+                <a:alpha val="0"/>
+                <a:hueOff val="0"/>
+                <a:satOff val="0"/>
+                <a:lumOff val="0"/>
+                <a:alphaOff val="0"/>
+              </a:schemeClr>
+            </a:effectRef>
+            <a:fontRef idx="minor">
+              <a:schemeClr val="tx1">
+                <a:hueOff val="0"/>
+                <a:satOff val="0"/>
+                <a:lumOff val="0"/>
+                <a:alphaOff val="0"/>
+              </a:schemeClr>
+            </a:fontRef>
+          </p:style>
+        </p:sp>
+        <p:sp>
+          <p:nvSpPr>
+            <p:cNvPr id="41" name="TextBox 40">
+              <a:extLst>
+                <a:ext uri="{FF2B5EF4-FFF2-40B4-BE49-F238E27FC236}">
+                  <a16:creationId xmlns:a16="http://schemas.microsoft.com/office/drawing/2014/main" id="{0E9C85DE-4A72-00E5-4052-9064D991671B}"/>
+                </a:ext>
+              </a:extLst>
+            </p:cNvPr>
+            <p:cNvSpPr txBox="1"/>
+            <p:nvPr/>
+          </p:nvSpPr>
+          <p:spPr>
+            <a:xfrm>
+              <a:off x="1083733" y="0"/>
+              <a:ext cx="2205397" cy="866986"/>
+            </a:xfrm>
+            <a:prstGeom prst="rect">
+              <a:avLst/>
+            </a:prstGeom>
+          </p:spPr>
+          <p:style>
+            <a:lnRef idx="0">
+              <a:scrgbClr r="0" g="0" b="0"/>
+            </a:lnRef>
+            <a:fillRef idx="0">
+              <a:scrgbClr r="0" g="0" b="0"/>
+            </a:fillRef>
+            <a:effectRef idx="0">
+              <a:scrgbClr r="0" g="0" b="0"/>
+            </a:effectRef>
+            <a:fontRef idx="minor">
+              <a:schemeClr val="tx1">
+                <a:hueOff val="0"/>
+                <a:satOff val="0"/>
+                <a:lumOff val="0"/>
+                <a:alphaOff val="0"/>
+              </a:schemeClr>
+            </a:fontRef>
+          </p:style>
+          <p:txBody>
+            <a:bodyPr spcFirstLastPara="0" vert="horz" wrap="square" lIns="31750" tIns="31750" rIns="31750" bIns="31750" numCol="1" spcCol="1270" anchor="b" anchorCtr="0">
+              <a:noAutofit/>
+            </a:bodyPr>
+            <a:lstStyle/>
+            <a:p>
+              <a:pPr marL="0" lvl="0" indent="0" algn="ctr" defTabSz="1111250">
+                <a:lnSpc>
+                  <a:spcPct val="90000"/>
+                </a:lnSpc>
+                <a:spcBef>
+                  <a:spcPct val="0"/>
+                </a:spcBef>
+                <a:spcAft>
+                  <a:spcPct val="35000"/>
+                </a:spcAft>
+                <a:buNone/>
+              </a:pPr>
+              <a:r>
+                <a:rPr lang="en-US" sz="1200" kern="1200" dirty="0"/>
+                <a:t>1. Remove </a:t>
+              </a:r>
+              <a:br>
+                <a:rPr lang="en-US" sz="1200" kern="1200" dirty="0"/>
+              </a:br>
+              <a:r>
+                <a:rPr lang="en-US" sz="1200" kern="1200" dirty="0"/>
+                <a:t>whitespaces</a:t>
+              </a:r>
+            </a:p>
+          </p:txBody>
+        </p:sp>
+      </p:grpSp>
+      <p:grpSp>
+        <p:nvGrpSpPr>
+          <p:cNvPr id="42" name="Group 41">
+            <a:extLst>
+              <a:ext uri="{FF2B5EF4-FFF2-40B4-BE49-F238E27FC236}">
+                <a16:creationId xmlns:a16="http://schemas.microsoft.com/office/drawing/2014/main" id="{B5C58D66-883A-424E-8D44-528AA35BD71A}"/>
+              </a:ext>
+            </a:extLst>
+          </p:cNvPr>
+          <p:cNvGrpSpPr/>
+          <p:nvPr/>
+        </p:nvGrpSpPr>
+        <p:grpSpPr>
+          <a:xfrm>
+            <a:off x="3015695" y="4575555"/>
+            <a:ext cx="928239" cy="866986"/>
+            <a:chOff x="3765973" y="1025753"/>
+            <a:chExt cx="3278293" cy="866986"/>
+          </a:xfrm>
+        </p:grpSpPr>
+        <p:sp>
+          <p:nvSpPr>
+            <p:cNvPr id="43" name="Rectangle 42">
+              <a:extLst>
+                <a:ext uri="{FF2B5EF4-FFF2-40B4-BE49-F238E27FC236}">
+                  <a16:creationId xmlns:a16="http://schemas.microsoft.com/office/drawing/2014/main" id="{7AAA3C53-8450-9D70-179A-65AAA34BDB92}"/>
+                </a:ext>
+              </a:extLst>
+            </p:cNvPr>
+            <p:cNvSpPr/>
+            <p:nvPr/>
+          </p:nvSpPr>
+          <p:spPr>
+            <a:xfrm>
+              <a:off x="3765973" y="1025753"/>
+              <a:ext cx="3278293" cy="866986"/>
+            </a:xfrm>
+            <a:prstGeom prst="rect">
+              <a:avLst/>
+            </a:prstGeom>
+          </p:spPr>
+          <p:style>
+            <a:lnRef idx="0">
+              <a:schemeClr val="dk1">
+                <a:alpha val="0"/>
+                <a:hueOff val="0"/>
+                <a:satOff val="0"/>
+                <a:lumOff val="0"/>
+                <a:alphaOff val="0"/>
+              </a:schemeClr>
+            </a:lnRef>
+            <a:fillRef idx="0">
+              <a:schemeClr val="lt1">
+                <a:alpha val="0"/>
+                <a:hueOff val="0"/>
+                <a:satOff val="0"/>
+                <a:lumOff val="0"/>
+                <a:alphaOff val="0"/>
+              </a:schemeClr>
+            </a:fillRef>
+            <a:effectRef idx="0">
+              <a:schemeClr val="lt1">
+                <a:alpha val="0"/>
+                <a:hueOff val="0"/>
+                <a:satOff val="0"/>
+                <a:lumOff val="0"/>
+                <a:alphaOff val="0"/>
+              </a:schemeClr>
+            </a:effectRef>
+            <a:fontRef idx="minor">
+              <a:schemeClr val="tx1">
+                <a:hueOff val="0"/>
+                <a:satOff val="0"/>
+                <a:lumOff val="0"/>
+                <a:alphaOff val="0"/>
+              </a:schemeClr>
+            </a:fontRef>
+          </p:style>
+        </p:sp>
+        <p:sp>
+          <p:nvSpPr>
+            <p:cNvPr id="44" name="TextBox 43">
+              <a:extLst>
+                <a:ext uri="{FF2B5EF4-FFF2-40B4-BE49-F238E27FC236}">
+                  <a16:creationId xmlns:a16="http://schemas.microsoft.com/office/drawing/2014/main" id="{F37C6925-5B9F-39EC-B544-C4E53850AD3E}"/>
+                </a:ext>
+              </a:extLst>
+            </p:cNvPr>
+            <p:cNvSpPr txBox="1"/>
+            <p:nvPr/>
+          </p:nvSpPr>
+          <p:spPr>
+            <a:xfrm>
+              <a:off x="3765973" y="1025753"/>
+              <a:ext cx="3278293" cy="866986"/>
+            </a:xfrm>
+            <a:prstGeom prst="rect">
+              <a:avLst/>
+            </a:prstGeom>
+          </p:spPr>
+          <p:style>
+            <a:lnRef idx="0">
+              <a:scrgbClr r="0" g="0" b="0"/>
+            </a:lnRef>
+            <a:fillRef idx="0">
+              <a:scrgbClr r="0" g="0" b="0"/>
+            </a:fillRef>
+            <a:effectRef idx="0">
+              <a:scrgbClr r="0" g="0" b="0"/>
+            </a:effectRef>
+            <a:fontRef idx="minor">
+              <a:schemeClr val="tx1">
+                <a:hueOff val="0"/>
+                <a:satOff val="0"/>
+                <a:lumOff val="0"/>
+                <a:alphaOff val="0"/>
+              </a:schemeClr>
+            </a:fontRef>
+          </p:style>
+          <p:txBody>
+            <a:bodyPr spcFirstLastPara="0" vert="horz" wrap="square" lIns="31750" tIns="31750" rIns="31750" bIns="31750" numCol="1" spcCol="1270" anchor="ctr" anchorCtr="0">
+              <a:noAutofit/>
+            </a:bodyPr>
+            <a:lstStyle/>
+            <a:p>
+              <a:pPr marL="0" lvl="0" indent="0" algn="ctr" defTabSz="1111250">
+                <a:lnSpc>
+                  <a:spcPct val="90000"/>
+                </a:lnSpc>
+                <a:spcBef>
+                  <a:spcPct val="0"/>
+                </a:spcBef>
+                <a:spcAft>
+                  <a:spcPct val="35000"/>
+                </a:spcAft>
+                <a:buNone/>
+              </a:pPr>
+              <a:r>
+                <a:rPr lang="en-US" sz="1200" kern="1200" dirty="0"/>
+                <a:t>4. Expand</a:t>
+              </a:r>
+              <a:br>
+                <a:rPr lang="en-US" sz="1200" kern="1200" dirty="0"/>
+              </a:br>
+              <a:r>
+                <a:rPr lang="en-US" sz="1200" kern="1200" dirty="0"/>
+                <a:t>word</a:t>
+              </a:r>
+              <a:br>
+                <a:rPr lang="en-US" sz="1200" kern="1200" dirty="0"/>
+              </a:br>
+              <a:r>
+                <a:rPr lang="en-US" sz="1200" kern="1200" dirty="0"/>
+                <a:t>contractions</a:t>
+              </a:r>
+            </a:p>
+          </p:txBody>
+        </p:sp>
+      </p:grpSp>
+      <p:grpSp>
+        <p:nvGrpSpPr>
+          <p:cNvPr id="45" name="Group 44">
+            <a:extLst>
+              <a:ext uri="{FF2B5EF4-FFF2-40B4-BE49-F238E27FC236}">
+                <a16:creationId xmlns:a16="http://schemas.microsoft.com/office/drawing/2014/main" id="{52ADDEED-944A-EF73-EF8A-B7C88F9A41A3}"/>
+              </a:ext>
+            </a:extLst>
+          </p:cNvPr>
+          <p:cNvGrpSpPr/>
+          <p:nvPr/>
+        </p:nvGrpSpPr>
+        <p:grpSpPr>
+          <a:xfrm>
+            <a:off x="1973088" y="4872613"/>
+            <a:ext cx="896259" cy="592125"/>
+            <a:chOff x="-930129" y="1537817"/>
+            <a:chExt cx="4254555" cy="1881341"/>
+          </a:xfrm>
+        </p:grpSpPr>
+        <p:sp>
+          <p:nvSpPr>
+            <p:cNvPr id="46" name="Rectangle 45">
+              <a:extLst>
+                <a:ext uri="{FF2B5EF4-FFF2-40B4-BE49-F238E27FC236}">
+                  <a16:creationId xmlns:a16="http://schemas.microsoft.com/office/drawing/2014/main" id="{B47CEE98-EDC8-792A-FBAB-436D2E725394}"/>
+                </a:ext>
+              </a:extLst>
+            </p:cNvPr>
+            <p:cNvSpPr/>
+            <p:nvPr/>
+          </p:nvSpPr>
+          <p:spPr>
+            <a:xfrm>
+              <a:off x="1083733" y="1537817"/>
+              <a:ext cx="2205397" cy="866986"/>
+            </a:xfrm>
+            <a:prstGeom prst="rect">
+              <a:avLst/>
+            </a:prstGeom>
+          </p:spPr>
+          <p:style>
+            <a:lnRef idx="0">
+              <a:schemeClr val="dk1">
+                <a:alpha val="0"/>
+                <a:hueOff val="0"/>
+                <a:satOff val="0"/>
+                <a:lumOff val="0"/>
+                <a:alphaOff val="0"/>
+              </a:schemeClr>
+            </a:lnRef>
+            <a:fillRef idx="0">
+              <a:schemeClr val="lt1">
+                <a:alpha val="0"/>
+                <a:hueOff val="0"/>
+                <a:satOff val="0"/>
+                <a:lumOff val="0"/>
+                <a:alphaOff val="0"/>
+              </a:schemeClr>
+            </a:fillRef>
+            <a:effectRef idx="0">
+              <a:schemeClr val="lt1">
+                <a:alpha val="0"/>
+                <a:hueOff val="0"/>
+                <a:satOff val="0"/>
+                <a:lumOff val="0"/>
+                <a:alphaOff val="0"/>
+              </a:schemeClr>
+            </a:effectRef>
+            <a:fontRef idx="minor">
+              <a:schemeClr val="tx1">
+                <a:hueOff val="0"/>
+                <a:satOff val="0"/>
+                <a:lumOff val="0"/>
+                <a:alphaOff val="0"/>
+              </a:schemeClr>
+            </a:fontRef>
+          </p:style>
+        </p:sp>
+        <p:sp>
+          <p:nvSpPr>
+            <p:cNvPr id="47" name="TextBox 46">
+              <a:extLst>
+                <a:ext uri="{FF2B5EF4-FFF2-40B4-BE49-F238E27FC236}">
+                  <a16:creationId xmlns:a16="http://schemas.microsoft.com/office/drawing/2014/main" id="{FA0A95D8-F1C5-E0F8-7C62-844E5AC3CD4B}"/>
+                </a:ext>
+              </a:extLst>
+            </p:cNvPr>
+            <p:cNvSpPr txBox="1"/>
+            <p:nvPr/>
+          </p:nvSpPr>
+          <p:spPr>
+            <a:xfrm>
+              <a:off x="-930129" y="1582423"/>
+              <a:ext cx="4254555" cy="1836735"/>
+            </a:xfrm>
+            <a:prstGeom prst="rect">
+              <a:avLst/>
+            </a:prstGeom>
+          </p:spPr>
+          <p:style>
+            <a:lnRef idx="0">
+              <a:scrgbClr r="0" g="0" b="0"/>
+            </a:lnRef>
+            <a:fillRef idx="0">
+              <a:scrgbClr r="0" g="0" b="0"/>
+            </a:fillRef>
+            <a:effectRef idx="0">
+              <a:scrgbClr r="0" g="0" b="0"/>
+            </a:effectRef>
+            <a:fontRef idx="minor">
+              <a:schemeClr val="tx1">
+                <a:hueOff val="0"/>
+                <a:satOff val="0"/>
+                <a:lumOff val="0"/>
+                <a:alphaOff val="0"/>
+              </a:schemeClr>
+            </a:fontRef>
+          </p:style>
+          <p:txBody>
+            <a:bodyPr spcFirstLastPara="0" vert="horz" wrap="square" lIns="31750" tIns="31750" rIns="31750" bIns="31750" numCol="1" spcCol="1270" anchor="ctr" anchorCtr="0">
+              <a:noAutofit/>
+            </a:bodyPr>
+            <a:lstStyle/>
+            <a:p>
+              <a:pPr marL="0" lvl="0" indent="0" algn="ctr" defTabSz="1111250">
+                <a:lnSpc>
+                  <a:spcPct val="90000"/>
+                </a:lnSpc>
+                <a:spcBef>
+                  <a:spcPct val="0"/>
+                </a:spcBef>
+                <a:spcAft>
+                  <a:spcPct val="35000"/>
+                </a:spcAft>
+                <a:buNone/>
+              </a:pPr>
+              <a:r>
+                <a:rPr lang="en-US" sz="1200" kern="1200" dirty="0"/>
+                <a:t>2. Replace special</a:t>
+              </a:r>
+              <a:br>
+                <a:rPr lang="en-US" sz="1200" kern="1200" dirty="0"/>
+              </a:br>
+              <a:r>
+                <a:rPr lang="en-US" sz="1200" kern="1200" dirty="0"/>
+                <a:t>chars</a:t>
+              </a:r>
+            </a:p>
+          </p:txBody>
+        </p:sp>
+      </p:grpSp>
+      <p:grpSp>
+        <p:nvGrpSpPr>
+          <p:cNvPr id="48" name="Group 47">
+            <a:extLst>
+              <a:ext uri="{FF2B5EF4-FFF2-40B4-BE49-F238E27FC236}">
+                <a16:creationId xmlns:a16="http://schemas.microsoft.com/office/drawing/2014/main" id="{E0AF082C-49C0-894F-F69F-6DE0B9F095CF}"/>
+              </a:ext>
+            </a:extLst>
+          </p:cNvPr>
+          <p:cNvGrpSpPr/>
+          <p:nvPr/>
+        </p:nvGrpSpPr>
+        <p:grpSpPr>
+          <a:xfrm>
+            <a:off x="3849741" y="3857560"/>
+            <a:ext cx="714691" cy="866986"/>
+            <a:chOff x="4838869" y="2137122"/>
+            <a:chExt cx="2205397" cy="866986"/>
+          </a:xfrm>
+        </p:grpSpPr>
+        <p:sp>
+          <p:nvSpPr>
+            <p:cNvPr id="49" name="Rectangle 48">
+              <a:extLst>
+                <a:ext uri="{FF2B5EF4-FFF2-40B4-BE49-F238E27FC236}">
+                  <a16:creationId xmlns:a16="http://schemas.microsoft.com/office/drawing/2014/main" id="{9A00669B-C882-5B5A-B2BD-3F321F3F2574}"/>
+                </a:ext>
+              </a:extLst>
+            </p:cNvPr>
+            <p:cNvSpPr/>
+            <p:nvPr/>
+          </p:nvSpPr>
+          <p:spPr>
+            <a:xfrm>
+              <a:off x="4838869" y="2137122"/>
+              <a:ext cx="2205397" cy="866986"/>
+            </a:xfrm>
+            <a:prstGeom prst="rect">
+              <a:avLst/>
+            </a:prstGeom>
+          </p:spPr>
+          <p:style>
+            <a:lnRef idx="0">
+              <a:schemeClr val="dk1">
+                <a:alpha val="0"/>
+                <a:hueOff val="0"/>
+                <a:satOff val="0"/>
+                <a:lumOff val="0"/>
+                <a:alphaOff val="0"/>
+              </a:schemeClr>
+            </a:lnRef>
+            <a:fillRef idx="0">
+              <a:schemeClr val="lt1">
+                <a:alpha val="0"/>
+                <a:hueOff val="0"/>
+                <a:satOff val="0"/>
+                <a:lumOff val="0"/>
+                <a:alphaOff val="0"/>
+              </a:schemeClr>
+            </a:fillRef>
+            <a:effectRef idx="0">
+              <a:schemeClr val="lt1">
+                <a:alpha val="0"/>
+                <a:hueOff val="0"/>
+                <a:satOff val="0"/>
+                <a:lumOff val="0"/>
+                <a:alphaOff val="0"/>
+              </a:schemeClr>
+            </a:effectRef>
+            <a:fontRef idx="minor">
+              <a:schemeClr val="tx1">
+                <a:hueOff val="0"/>
+                <a:satOff val="0"/>
+                <a:lumOff val="0"/>
+                <a:alphaOff val="0"/>
+              </a:schemeClr>
+            </a:fontRef>
+          </p:style>
+        </p:sp>
+        <p:sp>
+          <p:nvSpPr>
+            <p:cNvPr id="50" name="TextBox 49">
+              <a:extLst>
+                <a:ext uri="{FF2B5EF4-FFF2-40B4-BE49-F238E27FC236}">
+                  <a16:creationId xmlns:a16="http://schemas.microsoft.com/office/drawing/2014/main" id="{02C1831C-FCBE-E37D-433E-F71F31D3352D}"/>
+                </a:ext>
+              </a:extLst>
+            </p:cNvPr>
+            <p:cNvSpPr txBox="1"/>
+            <p:nvPr/>
+          </p:nvSpPr>
+          <p:spPr>
+            <a:xfrm>
+              <a:off x="4838869" y="2137122"/>
+              <a:ext cx="2205397" cy="866986"/>
+            </a:xfrm>
+            <a:prstGeom prst="rect">
+              <a:avLst/>
+            </a:prstGeom>
+          </p:spPr>
+          <p:style>
+            <a:lnRef idx="0">
+              <a:scrgbClr r="0" g="0" b="0"/>
+            </a:lnRef>
+            <a:fillRef idx="0">
+              <a:scrgbClr r="0" g="0" b="0"/>
+            </a:fillRef>
+            <a:effectRef idx="0">
+              <a:scrgbClr r="0" g="0" b="0"/>
+            </a:effectRef>
+            <a:fontRef idx="minor">
+              <a:schemeClr val="tx1">
+                <a:hueOff val="0"/>
+                <a:satOff val="0"/>
+                <a:lumOff val="0"/>
+                <a:alphaOff val="0"/>
+              </a:schemeClr>
+            </a:fontRef>
+          </p:style>
+          <p:txBody>
+            <a:bodyPr spcFirstLastPara="0" vert="horz" wrap="square" lIns="31750" tIns="31750" rIns="31750" bIns="31750" numCol="1" spcCol="1270" anchor="ctr" anchorCtr="0">
+              <a:noAutofit/>
+            </a:bodyPr>
+            <a:lstStyle/>
+            <a:p>
+              <a:pPr marL="0" lvl="0" indent="0" algn="ctr" defTabSz="1111250">
+                <a:lnSpc>
+                  <a:spcPct val="90000"/>
+                </a:lnSpc>
+                <a:spcBef>
+                  <a:spcPct val="0"/>
+                </a:spcBef>
+                <a:spcAft>
+                  <a:spcPct val="35000"/>
+                </a:spcAft>
+                <a:buNone/>
+              </a:pPr>
+              <a:r>
+                <a:rPr lang="en-US" sz="1200" kern="1200" dirty="0"/>
+                <a:t>5. Convert</a:t>
+              </a:r>
+              <a:br>
+                <a:rPr lang="en-US" sz="1200" kern="1200" dirty="0"/>
+              </a:br>
+              <a:r>
+                <a:rPr lang="en-US" sz="1200" kern="1200" dirty="0"/>
+                <a:t>number </a:t>
+              </a:r>
+              <a:br>
+                <a:rPr lang="en-US" sz="1200" kern="1200" dirty="0"/>
+              </a:br>
+              <a:r>
+                <a:rPr lang="en-US" sz="1200" kern="1200" dirty="0"/>
+                <a:t>to word</a:t>
+              </a:r>
+            </a:p>
+          </p:txBody>
+        </p:sp>
+      </p:grpSp>
+      <p:grpSp>
+        <p:nvGrpSpPr>
+          <p:cNvPr id="51" name="Group 50">
+            <a:extLst>
+              <a:ext uri="{FF2B5EF4-FFF2-40B4-BE49-F238E27FC236}">
+                <a16:creationId xmlns:a16="http://schemas.microsoft.com/office/drawing/2014/main" id="{C24AB3BC-4910-773B-35DA-DC5C236DB49D}"/>
+              </a:ext>
+            </a:extLst>
+          </p:cNvPr>
+          <p:cNvGrpSpPr/>
+          <p:nvPr/>
+        </p:nvGrpSpPr>
+        <p:grpSpPr>
+          <a:xfrm>
+            <a:off x="2455975" y="4012504"/>
+            <a:ext cx="811874" cy="578086"/>
+            <a:chOff x="1083733" y="2778131"/>
+            <a:chExt cx="3491172" cy="885429"/>
+          </a:xfrm>
+        </p:grpSpPr>
+        <p:sp>
+          <p:nvSpPr>
+            <p:cNvPr id="52" name="Rectangle 51">
+              <a:extLst>
+                <a:ext uri="{FF2B5EF4-FFF2-40B4-BE49-F238E27FC236}">
+                  <a16:creationId xmlns:a16="http://schemas.microsoft.com/office/drawing/2014/main" id="{F7C1696B-0CEC-9158-0817-D0824AEBDC30}"/>
+                </a:ext>
+              </a:extLst>
+            </p:cNvPr>
+            <p:cNvSpPr/>
+            <p:nvPr/>
+          </p:nvSpPr>
+          <p:spPr>
+            <a:xfrm>
+              <a:off x="1083733" y="2796574"/>
+              <a:ext cx="3278293" cy="866986"/>
+            </a:xfrm>
+            <a:prstGeom prst="rect">
+              <a:avLst/>
+            </a:prstGeom>
+          </p:spPr>
+          <p:style>
+            <a:lnRef idx="0">
+              <a:schemeClr val="dk1">
+                <a:alpha val="0"/>
+                <a:hueOff val="0"/>
+                <a:satOff val="0"/>
+                <a:lumOff val="0"/>
+                <a:alphaOff val="0"/>
+              </a:schemeClr>
+            </a:lnRef>
+            <a:fillRef idx="0">
+              <a:schemeClr val="lt1">
+                <a:alpha val="0"/>
+                <a:hueOff val="0"/>
+                <a:satOff val="0"/>
+                <a:lumOff val="0"/>
+                <a:alphaOff val="0"/>
+              </a:schemeClr>
+            </a:fillRef>
+            <a:effectRef idx="0">
+              <a:schemeClr val="lt1">
+                <a:alpha val="0"/>
+                <a:hueOff val="0"/>
+                <a:satOff val="0"/>
+                <a:lumOff val="0"/>
+                <a:alphaOff val="0"/>
+              </a:schemeClr>
+            </a:effectRef>
+            <a:fontRef idx="minor">
+              <a:schemeClr val="tx1">
+                <a:hueOff val="0"/>
+                <a:satOff val="0"/>
+                <a:lumOff val="0"/>
+                <a:alphaOff val="0"/>
+              </a:schemeClr>
+            </a:fontRef>
+          </p:style>
+        </p:sp>
+        <p:sp>
+          <p:nvSpPr>
+            <p:cNvPr id="53" name="TextBox 52">
+              <a:extLst>
+                <a:ext uri="{FF2B5EF4-FFF2-40B4-BE49-F238E27FC236}">
+                  <a16:creationId xmlns:a16="http://schemas.microsoft.com/office/drawing/2014/main" id="{93B8ED69-5F61-D07C-E567-05ED47069769}"/>
+                </a:ext>
+              </a:extLst>
+            </p:cNvPr>
+            <p:cNvSpPr txBox="1"/>
+            <p:nvPr/>
+          </p:nvSpPr>
+          <p:spPr>
+            <a:xfrm>
+              <a:off x="1296612" y="2778131"/>
+              <a:ext cx="3278293" cy="866986"/>
+            </a:xfrm>
+            <a:prstGeom prst="rect">
+              <a:avLst/>
+            </a:prstGeom>
+          </p:spPr>
+          <p:style>
+            <a:lnRef idx="0">
+              <a:scrgbClr r="0" g="0" b="0"/>
+            </a:lnRef>
+            <a:fillRef idx="0">
+              <a:scrgbClr r="0" g="0" b="0"/>
+            </a:fillRef>
+            <a:effectRef idx="0">
+              <a:scrgbClr r="0" g="0" b="0"/>
+            </a:effectRef>
+            <a:fontRef idx="minor">
+              <a:schemeClr val="tx1">
+                <a:hueOff val="0"/>
+                <a:satOff val="0"/>
+                <a:lumOff val="0"/>
+                <a:alphaOff val="0"/>
+              </a:schemeClr>
+            </a:fontRef>
+          </p:style>
+          <p:txBody>
+            <a:bodyPr spcFirstLastPara="0" vert="horz" wrap="square" lIns="31750" tIns="31750" rIns="31750" bIns="31750" numCol="1" spcCol="1270" anchor="ctr" anchorCtr="0">
+              <a:noAutofit/>
+            </a:bodyPr>
+            <a:lstStyle/>
+            <a:p>
+              <a:pPr marL="0" lvl="0" indent="0" algn="ctr" defTabSz="1111250">
+                <a:lnSpc>
+                  <a:spcPct val="90000"/>
+                </a:lnSpc>
+                <a:spcBef>
+                  <a:spcPct val="0"/>
+                </a:spcBef>
+                <a:spcAft>
+                  <a:spcPct val="35000"/>
+                </a:spcAft>
+                <a:buNone/>
+              </a:pPr>
+              <a:r>
+                <a:rPr lang="en-US" sz="1200" kern="1200" dirty="0"/>
+                <a:t>3. Make lowercase</a:t>
+              </a:r>
+            </a:p>
+          </p:txBody>
+        </p:sp>
+      </p:grpSp>
+      <p:grpSp>
+        <p:nvGrpSpPr>
+          <p:cNvPr id="54" name="Group 53">
+            <a:extLst>
+              <a:ext uri="{FF2B5EF4-FFF2-40B4-BE49-F238E27FC236}">
+                <a16:creationId xmlns:a16="http://schemas.microsoft.com/office/drawing/2014/main" id="{E25275F6-307D-84F7-3D31-C8144124D54B}"/>
+              </a:ext>
+            </a:extLst>
+          </p:cNvPr>
+          <p:cNvGrpSpPr/>
+          <p:nvPr/>
+        </p:nvGrpSpPr>
+        <p:grpSpPr>
+          <a:xfrm>
+            <a:off x="4075898" y="5126199"/>
+            <a:ext cx="724117" cy="592125"/>
+            <a:chOff x="4064000" y="4551680"/>
+            <a:chExt cx="2980266" cy="866986"/>
+          </a:xfrm>
+        </p:grpSpPr>
+        <p:sp>
+          <p:nvSpPr>
+            <p:cNvPr id="55" name="Rectangle 54">
+              <a:extLst>
+                <a:ext uri="{FF2B5EF4-FFF2-40B4-BE49-F238E27FC236}">
+                  <a16:creationId xmlns:a16="http://schemas.microsoft.com/office/drawing/2014/main" id="{561AE8C4-D5C3-847A-2DFC-52EACF9F9E4E}"/>
+                </a:ext>
+              </a:extLst>
+            </p:cNvPr>
+            <p:cNvSpPr/>
+            <p:nvPr/>
+          </p:nvSpPr>
+          <p:spPr>
+            <a:xfrm>
+              <a:off x="4064000" y="4551680"/>
+              <a:ext cx="2980266" cy="866986"/>
+            </a:xfrm>
+            <a:prstGeom prst="rect">
+              <a:avLst/>
+            </a:prstGeom>
+          </p:spPr>
+          <p:style>
+            <a:lnRef idx="0">
+              <a:schemeClr val="dk1">
+                <a:alpha val="0"/>
+                <a:hueOff val="0"/>
+                <a:satOff val="0"/>
+                <a:lumOff val="0"/>
+                <a:alphaOff val="0"/>
+              </a:schemeClr>
+            </a:lnRef>
+            <a:fillRef idx="0">
+              <a:schemeClr val="lt1">
+                <a:alpha val="0"/>
+                <a:hueOff val="0"/>
+                <a:satOff val="0"/>
+                <a:lumOff val="0"/>
+                <a:alphaOff val="0"/>
+              </a:schemeClr>
+            </a:fillRef>
+            <a:effectRef idx="0">
+              <a:schemeClr val="lt1">
+                <a:alpha val="0"/>
+                <a:hueOff val="0"/>
+                <a:satOff val="0"/>
+                <a:lumOff val="0"/>
+                <a:alphaOff val="0"/>
+              </a:schemeClr>
+            </a:effectRef>
+            <a:fontRef idx="minor">
+              <a:schemeClr val="tx1">
+                <a:hueOff val="0"/>
+                <a:satOff val="0"/>
+                <a:lumOff val="0"/>
+                <a:alphaOff val="0"/>
+              </a:schemeClr>
+            </a:fontRef>
+          </p:style>
+        </p:sp>
+        <p:sp>
+          <p:nvSpPr>
+            <p:cNvPr id="56" name="TextBox 55">
+              <a:extLst>
+                <a:ext uri="{FF2B5EF4-FFF2-40B4-BE49-F238E27FC236}">
+                  <a16:creationId xmlns:a16="http://schemas.microsoft.com/office/drawing/2014/main" id="{C460D0AB-340B-BF18-8BE7-9C479AD8BE77}"/>
+                </a:ext>
+              </a:extLst>
+            </p:cNvPr>
+            <p:cNvSpPr txBox="1"/>
+            <p:nvPr/>
+          </p:nvSpPr>
+          <p:spPr>
+            <a:xfrm>
+              <a:off x="4064000" y="4551680"/>
+              <a:ext cx="2980266" cy="866986"/>
+            </a:xfrm>
+            <a:prstGeom prst="rect">
+              <a:avLst/>
+            </a:prstGeom>
+          </p:spPr>
+          <p:style>
+            <a:lnRef idx="0">
+              <a:scrgbClr r="0" g="0" b="0"/>
+            </a:lnRef>
+            <a:fillRef idx="0">
+              <a:scrgbClr r="0" g="0" b="0"/>
+            </a:fillRef>
+            <a:effectRef idx="0">
+              <a:scrgbClr r="0" g="0" b="0"/>
+            </a:effectRef>
+            <a:fontRef idx="minor">
+              <a:schemeClr val="tx1">
+                <a:hueOff val="0"/>
+                <a:satOff val="0"/>
+                <a:lumOff val="0"/>
+                <a:alphaOff val="0"/>
+              </a:schemeClr>
+            </a:fontRef>
+          </p:style>
+          <p:txBody>
+            <a:bodyPr spcFirstLastPara="0" vert="horz" wrap="square" lIns="31750" tIns="31750" rIns="31750" bIns="31750" numCol="1" spcCol="1270" anchor="t" anchorCtr="0">
+              <a:noAutofit/>
+            </a:bodyPr>
+            <a:lstStyle/>
+            <a:p>
+              <a:pPr marL="0" lvl="0" indent="0" algn="ctr" defTabSz="1111250">
+                <a:lnSpc>
+                  <a:spcPct val="90000"/>
+                </a:lnSpc>
+                <a:spcBef>
+                  <a:spcPct val="0"/>
+                </a:spcBef>
+                <a:spcAft>
+                  <a:spcPct val="35000"/>
+                </a:spcAft>
+                <a:buNone/>
+              </a:pPr>
+              <a:r>
+                <a:rPr lang="en-US" sz="1200" kern="1200" dirty="0"/>
+                <a:t>6. Get</a:t>
+              </a:r>
+              <a:br>
+                <a:rPr lang="en-US" sz="1200" kern="1200" dirty="0"/>
+              </a:br>
+              <a:r>
+                <a:rPr lang="en-US" sz="1200" kern="1200" dirty="0"/>
+                <a:t>root word</a:t>
+              </a:r>
+            </a:p>
+          </p:txBody>
+        </p:sp>
+      </p:grpSp>
+      <p:graphicFrame>
+        <p:nvGraphicFramePr>
+          <p:cNvPr id="57" name="Diagram 56">
+            <a:extLst>
+              <a:ext uri="{FF2B5EF4-FFF2-40B4-BE49-F238E27FC236}">
+                <a16:creationId xmlns:a16="http://schemas.microsoft.com/office/drawing/2014/main" id="{1064C0A7-A6B1-261A-ED6C-6697FD3927C2}"/>
+              </a:ext>
+            </a:extLst>
+          </p:cNvPr>
+          <p:cNvGraphicFramePr/>
+          <p:nvPr>
+            <p:extLst>
+              <p:ext uri="{D42A27DB-BD31-4B8C-83A1-F6EECF244321}">
+                <p14:modId xmlns:p14="http://schemas.microsoft.com/office/powerpoint/2010/main" val="317282754"/>
+              </p:ext>
+            </p:extLst>
+          </p:nvPr>
+        </p:nvGraphicFramePr>
+        <p:xfrm>
+          <a:off x="2601565" y="1594942"/>
+          <a:ext cx="1536348" cy="990330"/>
+        </p:xfrm>
+        <a:graphic>
+          <a:graphicData uri="http://schemas.openxmlformats.org/drawingml/2006/diagram">
+            <dgm:relIds xmlns:dgm="http://schemas.openxmlformats.org/drawingml/2006/diagram" xmlns:r="http://schemas.openxmlformats.org/officeDocument/2006/relationships" r:dm="rId2" r:lo="rId3" r:qs="rId4" r:cs="rId5"/>
+          </a:graphicData>
+        </a:graphic>
+      </p:graphicFrame>
+      <p:pic>
+        <p:nvPicPr>
+          <p:cNvPr id="58" name="Graphic 57" descr="Cube with solid fill">
+            <a:extLst>
+              <a:ext uri="{FF2B5EF4-FFF2-40B4-BE49-F238E27FC236}">
+                <a16:creationId xmlns:a16="http://schemas.microsoft.com/office/drawing/2014/main" id="{F72D8045-8D5F-C097-307C-3CBBBB13AD56}"/>
+              </a:ext>
+            </a:extLst>
+          </p:cNvPr>
+          <p:cNvPicPr>
+            <a:picLocks noChangeAspect="1"/>
+          </p:cNvPicPr>
+          <p:nvPr/>
+        </p:nvPicPr>
+        <p:blipFill>
+          <a:blip r:embed="rId7">
+            <a:extLst>
+              <a:ext uri="{28A0092B-C50C-407E-A947-70E740481C1C}">
+                <a14:useLocalDpi xmlns:a14="http://schemas.microsoft.com/office/drawing/2010/main" val="0"/>
+              </a:ext>
+              <a:ext uri="{96DAC541-7B7A-43D3-8B79-37D633B846F1}">
+                <asvg:svgBlip xmlns:asvg="http://schemas.microsoft.com/office/drawing/2016/SVG/main" r:embed="rId8"/>
+              </a:ext>
+            </a:extLst>
+          </a:blip>
+          <a:stretch>
+            <a:fillRect/>
+          </a:stretch>
+        </p:blipFill>
+        <p:spPr>
+          <a:xfrm>
+            <a:off x="4478555" y="1636071"/>
+            <a:ext cx="914400" cy="914400"/>
+          </a:xfrm>
+          <a:prstGeom prst="rect">
+            <a:avLst/>
+          </a:prstGeom>
+          <a:effectLst>
+            <a:outerShdw blurRad="50800" dist="38100" dir="16200000" rotWithShape="0">
+              <a:prstClr val="black">
+                <a:alpha val="40000"/>
+              </a:prstClr>
+            </a:outerShdw>
+          </a:effectLst>
+        </p:spPr>
+      </p:pic>
+      <p:cxnSp>
+        <p:nvCxnSpPr>
+          <p:cNvPr id="59" name="Straight Arrow Connector 58">
+            <a:extLst>
+              <a:ext uri="{FF2B5EF4-FFF2-40B4-BE49-F238E27FC236}">
+                <a16:creationId xmlns:a16="http://schemas.microsoft.com/office/drawing/2014/main" id="{C6863AFB-FAB1-7909-713C-4150830C1E65}"/>
+              </a:ext>
+            </a:extLst>
+          </p:cNvPr>
+          <p:cNvCxnSpPr>
+            <a:cxnSpLocks/>
+            <a:endCxn id="57" idx="1"/>
+          </p:cNvCxnSpPr>
+          <p:nvPr/>
+        </p:nvCxnSpPr>
+        <p:spPr>
+          <a:xfrm flipV="1">
+            <a:off x="2302653" y="2090107"/>
+            <a:ext cx="298912" cy="2662"/>
+          </a:xfrm>
+          <a:prstGeom prst="straightConnector1">
+            <a:avLst/>
+          </a:prstGeom>
+          <a:ln>
+            <a:tailEnd type="triangle"/>
+          </a:ln>
+        </p:spPr>
+        <p:style>
+          <a:lnRef idx="1">
+            <a:schemeClr val="accent1"/>
+          </a:lnRef>
+          <a:fillRef idx="0">
+            <a:schemeClr val="accent1"/>
+          </a:fillRef>
+          <a:effectRef idx="0">
+            <a:schemeClr val="accent1"/>
+          </a:effectRef>
+          <a:fontRef idx="minor">
+            <a:schemeClr val="tx1"/>
+          </a:fontRef>
+        </p:style>
+      </p:cxnSp>
+      <p:cxnSp>
+        <p:nvCxnSpPr>
+          <p:cNvPr id="60" name="Straight Arrow Connector 59">
+            <a:extLst>
+              <a:ext uri="{FF2B5EF4-FFF2-40B4-BE49-F238E27FC236}">
+                <a16:creationId xmlns:a16="http://schemas.microsoft.com/office/drawing/2014/main" id="{DAE67CC7-2879-D901-D391-250925FA9FB2}"/>
+              </a:ext>
+            </a:extLst>
+          </p:cNvPr>
+          <p:cNvCxnSpPr>
+            <a:cxnSpLocks/>
+          </p:cNvCxnSpPr>
+          <p:nvPr/>
+        </p:nvCxnSpPr>
+        <p:spPr>
+          <a:xfrm>
+            <a:off x="4153066" y="2090107"/>
+            <a:ext cx="372796" cy="0"/>
+          </a:xfrm>
+          <a:prstGeom prst="straightConnector1">
+            <a:avLst/>
+          </a:prstGeom>
+          <a:ln>
+            <a:tailEnd type="triangle"/>
+          </a:ln>
+        </p:spPr>
+        <p:style>
+          <a:lnRef idx="1">
+            <a:schemeClr val="accent1"/>
+          </a:lnRef>
+          <a:fillRef idx="0">
+            <a:schemeClr val="accent1"/>
+          </a:fillRef>
+          <a:effectRef idx="0">
+            <a:schemeClr val="accent1"/>
+          </a:effectRef>
+          <a:fontRef idx="minor">
+            <a:schemeClr val="tx1"/>
+          </a:fontRef>
+        </p:style>
+      </p:cxnSp>
+      <p:sp>
+        <p:nvSpPr>
+          <p:cNvPr id="61" name="TextBox 60">
+            <a:extLst>
+              <a:ext uri="{FF2B5EF4-FFF2-40B4-BE49-F238E27FC236}">
+                <a16:creationId xmlns:a16="http://schemas.microsoft.com/office/drawing/2014/main" id="{95ADA714-5ECD-A175-70FE-D4D65E88E047}"/>
+              </a:ext>
+            </a:extLst>
+          </p:cNvPr>
+          <p:cNvSpPr txBox="1"/>
+          <p:nvPr/>
+        </p:nvSpPr>
+        <p:spPr>
+          <a:xfrm>
+            <a:off x="3933940" y="2500482"/>
+            <a:ext cx="2093426" cy="507831"/>
+          </a:xfrm>
+          <a:prstGeom prst="rect">
+            <a:avLst/>
+          </a:prstGeom>
+          <a:noFill/>
+        </p:spPr>
+        <p:txBody>
+          <a:bodyPr wrap="square" rtlCol="0">
+            <a:spAutoFit/>
+          </a:bodyPr>
+          <a:lstStyle/>
+          <a:p>
+            <a:pPr algn="ctr"/>
+            <a:r>
+              <a:rPr lang="en-US" sz="900" dirty="0"/>
+              <a:t>BERT Model</a:t>
+            </a:r>
+            <a:br>
+              <a:rPr lang="en-US" sz="900" dirty="0"/>
+            </a:br>
+            <a:r>
+              <a:rPr lang="en-US" sz="900" dirty="0"/>
+              <a:t>creates 768-dimensional</a:t>
+            </a:r>
+            <a:br>
+              <a:rPr lang="en-US" sz="900" dirty="0"/>
+            </a:br>
+            <a:r>
+              <a:rPr lang="en-US" sz="900" dirty="0"/>
+              <a:t>embeddings for input label</a:t>
+            </a:r>
+          </a:p>
+        </p:txBody>
+      </p:sp>
+      <p:cxnSp>
+        <p:nvCxnSpPr>
+          <p:cNvPr id="62" name="Straight Arrow Connector 61">
+            <a:extLst>
+              <a:ext uri="{FF2B5EF4-FFF2-40B4-BE49-F238E27FC236}">
+                <a16:creationId xmlns:a16="http://schemas.microsoft.com/office/drawing/2014/main" id="{307E06AA-BE6B-194A-4FDA-9F697CB57DD7}"/>
+              </a:ext>
+            </a:extLst>
+          </p:cNvPr>
+          <p:cNvCxnSpPr>
+            <a:cxnSpLocks/>
+            <a:endCxn id="70" idx="2"/>
+          </p:cNvCxnSpPr>
+          <p:nvPr/>
+        </p:nvCxnSpPr>
+        <p:spPr>
+          <a:xfrm>
+            <a:off x="5240553" y="2090107"/>
+            <a:ext cx="913103" cy="11922"/>
+          </a:xfrm>
+          <a:prstGeom prst="straightConnector1">
+            <a:avLst/>
+          </a:prstGeom>
+          <a:ln>
+            <a:tailEnd type="triangle"/>
+          </a:ln>
+        </p:spPr>
+        <p:style>
+          <a:lnRef idx="1">
+            <a:schemeClr val="accent1"/>
+          </a:lnRef>
+          <a:fillRef idx="0">
+            <a:schemeClr val="accent1"/>
+          </a:fillRef>
+          <a:effectRef idx="0">
+            <a:schemeClr val="accent1"/>
+          </a:effectRef>
+          <a:fontRef idx="minor">
+            <a:schemeClr val="tx1"/>
+          </a:fontRef>
+        </p:style>
+      </p:cxnSp>
+      <p:sp>
+        <p:nvSpPr>
+          <p:cNvPr id="63" name="TextBox 62">
+            <a:extLst>
+              <a:ext uri="{FF2B5EF4-FFF2-40B4-BE49-F238E27FC236}">
+                <a16:creationId xmlns:a16="http://schemas.microsoft.com/office/drawing/2014/main" id="{0C82BBA8-D6CD-7CDB-70BC-1D9BE839DF37}"/>
+              </a:ext>
+            </a:extLst>
+          </p:cNvPr>
+          <p:cNvSpPr txBox="1"/>
+          <p:nvPr/>
+        </p:nvSpPr>
+        <p:spPr>
+          <a:xfrm>
+            <a:off x="5696311" y="4730501"/>
+            <a:ext cx="2093426" cy="369332"/>
+          </a:xfrm>
+          <a:prstGeom prst="rect">
+            <a:avLst/>
+          </a:prstGeom>
+          <a:noFill/>
+        </p:spPr>
+        <p:txBody>
+          <a:bodyPr wrap="square" rtlCol="0">
+            <a:spAutoFit/>
+          </a:bodyPr>
+          <a:lstStyle/>
+          <a:p>
+            <a:pPr algn="ctr"/>
+            <a:r>
+              <a:rPr lang="en-US" sz="900" dirty="0"/>
+              <a:t>Precomputed Key-value store:</a:t>
+            </a:r>
+          </a:p>
+          <a:p>
+            <a:pPr algn="ctr"/>
+            <a:r>
+              <a:rPr lang="en-US" sz="900" dirty="0"/>
+              <a:t>Embedding -&gt; </a:t>
+            </a:r>
+            <a:r>
+              <a:rPr lang="en-US" sz="900" dirty="0" err="1"/>
+              <a:t>CellType</a:t>
+            </a:r>
+            <a:endParaRPr lang="en-US" sz="900" dirty="0"/>
+          </a:p>
+        </p:txBody>
+      </p:sp>
+      <p:cxnSp>
+        <p:nvCxnSpPr>
+          <p:cNvPr id="64" name="Straight Arrow Connector 63">
+            <a:extLst>
+              <a:ext uri="{FF2B5EF4-FFF2-40B4-BE49-F238E27FC236}">
+                <a16:creationId xmlns:a16="http://schemas.microsoft.com/office/drawing/2014/main" id="{0282653E-061D-6871-A59B-6B51BD18F3FF}"/>
+              </a:ext>
+            </a:extLst>
+          </p:cNvPr>
+          <p:cNvCxnSpPr>
+            <a:cxnSpLocks/>
+            <a:endCxn id="23" idx="0"/>
+          </p:cNvCxnSpPr>
+          <p:nvPr/>
+        </p:nvCxnSpPr>
+        <p:spPr>
+          <a:xfrm>
+            <a:off x="3282845" y="2318993"/>
+            <a:ext cx="23011" cy="1493807"/>
+          </a:xfrm>
+          <a:prstGeom prst="straightConnector1">
+            <a:avLst/>
+          </a:prstGeom>
+          <a:ln>
+            <a:headEnd type="triangle"/>
+            <a:tailEnd type="triangle"/>
+          </a:ln>
+        </p:spPr>
+        <p:style>
+          <a:lnRef idx="3">
+            <a:schemeClr val="dk1"/>
+          </a:lnRef>
+          <a:fillRef idx="0">
+            <a:schemeClr val="dk1"/>
+          </a:fillRef>
+          <a:effectRef idx="2">
+            <a:schemeClr val="dk1"/>
+          </a:effectRef>
+          <a:fontRef idx="minor">
+            <a:schemeClr val="tx1"/>
+          </a:fontRef>
+        </p:style>
+      </p:cxnSp>
+      <p:pic>
+        <p:nvPicPr>
+          <p:cNvPr id="67" name="Graphic 66" descr="List with solid fill">
+            <a:extLst>
+              <a:ext uri="{FF2B5EF4-FFF2-40B4-BE49-F238E27FC236}">
+                <a16:creationId xmlns:a16="http://schemas.microsoft.com/office/drawing/2014/main" id="{77F1AF0F-6A27-2E53-1B83-9AB834807FE9}"/>
+              </a:ext>
+            </a:extLst>
+          </p:cNvPr>
+          <p:cNvPicPr>
+            <a:picLocks noChangeAspect="1"/>
+          </p:cNvPicPr>
+          <p:nvPr/>
+        </p:nvPicPr>
+        <p:blipFill>
+          <a:blip r:embed="rId9">
+            <a:extLst>
+              <a:ext uri="{28A0092B-C50C-407E-A947-70E740481C1C}">
+                <a14:useLocalDpi xmlns:a14="http://schemas.microsoft.com/office/drawing/2010/main" val="0"/>
+              </a:ext>
+              <a:ext uri="{96DAC541-7B7A-43D3-8B79-37D633B846F1}">
+                <asvg:svgBlip xmlns:asvg="http://schemas.microsoft.com/office/drawing/2016/SVG/main" r:embed="rId10"/>
+              </a:ext>
+            </a:extLst>
+          </a:blip>
+          <a:stretch>
+            <a:fillRect/>
+          </a:stretch>
+        </p:blipFill>
+        <p:spPr>
+          <a:xfrm>
+            <a:off x="1524421" y="1645246"/>
+            <a:ext cx="914400" cy="914400"/>
+          </a:xfrm>
+          <a:prstGeom prst="rect">
+            <a:avLst/>
+          </a:prstGeom>
+          <a:effectLst>
+            <a:outerShdw blurRad="50800" dist="38100" dir="13500000" algn="br" rotWithShape="0">
+              <a:prstClr val="black">
+                <a:alpha val="40000"/>
+              </a:prstClr>
+            </a:outerShdw>
+          </a:effectLst>
+        </p:spPr>
+      </p:pic>
+      <p:sp>
+        <p:nvSpPr>
+          <p:cNvPr id="68" name="TextBox 67">
+            <a:extLst>
+              <a:ext uri="{FF2B5EF4-FFF2-40B4-BE49-F238E27FC236}">
+                <a16:creationId xmlns:a16="http://schemas.microsoft.com/office/drawing/2014/main" id="{2F428091-46D4-13F4-D381-60E8934A6747}"/>
+              </a:ext>
+            </a:extLst>
+          </p:cNvPr>
+          <p:cNvSpPr txBox="1"/>
+          <p:nvPr/>
+        </p:nvSpPr>
+        <p:spPr>
+          <a:xfrm>
+            <a:off x="934908" y="2464675"/>
+            <a:ext cx="2093426" cy="507831"/>
+          </a:xfrm>
+          <a:prstGeom prst="rect">
+            <a:avLst/>
+          </a:prstGeom>
+          <a:noFill/>
+        </p:spPr>
+        <p:txBody>
+          <a:bodyPr wrap="square" rtlCol="0">
+            <a:spAutoFit/>
+          </a:bodyPr>
+          <a:lstStyle/>
+          <a:p>
+            <a:pPr algn="ctr"/>
+            <a:r>
+              <a:rPr lang="en-US" sz="900" dirty="0"/>
+              <a:t>List of </a:t>
+            </a:r>
+            <a:br>
+              <a:rPr lang="en-US" sz="900" dirty="0"/>
+            </a:br>
+            <a:r>
+              <a:rPr lang="en-US" sz="900" dirty="0"/>
+              <a:t>raw input</a:t>
+            </a:r>
+            <a:br>
+              <a:rPr lang="en-US" sz="900" dirty="0"/>
+            </a:br>
+            <a:r>
+              <a:rPr lang="en-US" sz="900" dirty="0" err="1"/>
+              <a:t>CellType</a:t>
+            </a:r>
+            <a:r>
+              <a:rPr lang="en-US" sz="900" dirty="0"/>
+              <a:t>-Labels</a:t>
+            </a:r>
+          </a:p>
+        </p:txBody>
+      </p:sp>
+      <p:sp>
+        <p:nvSpPr>
+          <p:cNvPr id="70" name="Oval 69">
+            <a:extLst>
+              <a:ext uri="{FF2B5EF4-FFF2-40B4-BE49-F238E27FC236}">
+                <a16:creationId xmlns:a16="http://schemas.microsoft.com/office/drawing/2014/main" id="{DAF35856-22A3-D798-36CB-C10596261CC0}"/>
+              </a:ext>
+            </a:extLst>
+          </p:cNvPr>
+          <p:cNvSpPr/>
+          <p:nvPr/>
+        </p:nvSpPr>
+        <p:spPr>
+          <a:xfrm>
+            <a:off x="6153656" y="1511986"/>
+            <a:ext cx="1123192" cy="1180085"/>
+          </a:xfrm>
+          <a:prstGeom prst="ellipse">
+            <a:avLst/>
+          </a:prstGeom>
+        </p:spPr>
+        <p:style>
+          <a:lnRef idx="0">
+            <a:schemeClr val="accent2"/>
+          </a:lnRef>
+          <a:fillRef idx="3">
+            <a:schemeClr val="accent2"/>
+          </a:fillRef>
+          <a:effectRef idx="3">
+            <a:schemeClr val="accent2"/>
+          </a:effectRef>
+          <a:fontRef idx="minor">
+            <a:schemeClr val="lt1"/>
+          </a:fontRef>
+        </p:style>
+        <p:txBody>
+          <a:bodyPr rtlCol="0" anchor="ctr"/>
+          <a:lstStyle/>
+          <a:p>
+            <a:pPr algn="ctr"/>
+            <a:r>
+              <a:rPr lang="en-US" sz="1200" b="1" dirty="0"/>
+              <a:t>Cosine Similarity</a:t>
+            </a:r>
+          </a:p>
+          <a:p>
+            <a:pPr algn="ctr"/>
+            <a:r>
+              <a:rPr lang="en-US" sz="1200" b="1" dirty="0"/>
+              <a:t>Scores</a:t>
+            </a:r>
+          </a:p>
+        </p:txBody>
+      </p:sp>
+      <p:cxnSp>
+        <p:nvCxnSpPr>
+          <p:cNvPr id="77" name="Straight Arrow Connector 76">
+            <a:extLst>
+              <a:ext uri="{FF2B5EF4-FFF2-40B4-BE49-F238E27FC236}">
+                <a16:creationId xmlns:a16="http://schemas.microsoft.com/office/drawing/2014/main" id="{DE08B97C-CD91-4920-C315-6C48BF797F1A}"/>
+              </a:ext>
+            </a:extLst>
+          </p:cNvPr>
+          <p:cNvCxnSpPr>
+            <a:cxnSpLocks/>
+            <a:stCxn id="100" idx="0"/>
+          </p:cNvCxnSpPr>
+          <p:nvPr/>
+        </p:nvCxnSpPr>
+        <p:spPr>
+          <a:xfrm flipV="1">
+            <a:off x="6715252" y="2718590"/>
+            <a:ext cx="0" cy="768330"/>
+          </a:xfrm>
+          <a:prstGeom prst="straightConnector1">
+            <a:avLst/>
+          </a:prstGeom>
+          <a:ln>
+            <a:tailEnd type="triangle"/>
+          </a:ln>
+        </p:spPr>
+        <p:style>
+          <a:lnRef idx="1">
+            <a:schemeClr val="accent1"/>
+          </a:lnRef>
+          <a:fillRef idx="0">
+            <a:schemeClr val="accent1"/>
+          </a:fillRef>
+          <a:effectRef idx="0">
+            <a:schemeClr val="accent1"/>
+          </a:effectRef>
+          <a:fontRef idx="minor">
+            <a:schemeClr val="tx1"/>
+          </a:fontRef>
+        </p:style>
+      </p:cxnSp>
+      <p:pic>
+        <p:nvPicPr>
+          <p:cNvPr id="86" name="Picture 85" descr="Icon&#10;&#10;Description automatically generated">
+            <a:extLst>
+              <a:ext uri="{FF2B5EF4-FFF2-40B4-BE49-F238E27FC236}">
+                <a16:creationId xmlns:a16="http://schemas.microsoft.com/office/drawing/2014/main" id="{91F302C3-65F2-495A-E456-B94E5943CD38}"/>
+              </a:ext>
+            </a:extLst>
+          </p:cNvPr>
+          <p:cNvPicPr>
+            <a:picLocks noChangeAspect="1"/>
+          </p:cNvPicPr>
+          <p:nvPr/>
+        </p:nvPicPr>
+        <p:blipFill>
+          <a:blip r:embed="rId11">
+            <a:extLst>
+              <a:ext uri="{28A0092B-C50C-407E-A947-70E740481C1C}">
+                <a14:useLocalDpi xmlns:a14="http://schemas.microsoft.com/office/drawing/2010/main" val="0"/>
+              </a:ext>
+            </a:extLst>
+          </a:blip>
+          <a:stretch>
+            <a:fillRect/>
+          </a:stretch>
+        </p:blipFill>
+        <p:spPr>
+          <a:xfrm>
+            <a:off x="8968594" y="1155830"/>
+            <a:ext cx="1570560" cy="1868554"/>
+          </a:xfrm>
+          <a:prstGeom prst="rect">
+            <a:avLst/>
+          </a:prstGeom>
+        </p:spPr>
+      </p:pic>
+      <p:cxnSp>
+        <p:nvCxnSpPr>
+          <p:cNvPr id="87" name="Straight Arrow Connector 86">
+            <a:extLst>
+              <a:ext uri="{FF2B5EF4-FFF2-40B4-BE49-F238E27FC236}">
+                <a16:creationId xmlns:a16="http://schemas.microsoft.com/office/drawing/2014/main" id="{8706D08A-CD55-794B-350A-1876B340EF13}"/>
+              </a:ext>
+            </a:extLst>
+          </p:cNvPr>
+          <p:cNvCxnSpPr>
+            <a:cxnSpLocks/>
+            <a:stCxn id="70" idx="6"/>
+            <a:endCxn id="86" idx="1"/>
+          </p:cNvCxnSpPr>
+          <p:nvPr/>
+        </p:nvCxnSpPr>
+        <p:spPr>
+          <a:xfrm flipV="1">
+            <a:off x="7276848" y="2090107"/>
+            <a:ext cx="1691746" cy="11922"/>
+          </a:xfrm>
+          <a:prstGeom prst="straightConnector1">
+            <a:avLst/>
+          </a:prstGeom>
+          <a:ln>
+            <a:tailEnd type="triangle"/>
+          </a:ln>
+        </p:spPr>
+        <p:style>
+          <a:lnRef idx="1">
+            <a:schemeClr val="accent1"/>
+          </a:lnRef>
+          <a:fillRef idx="0">
+            <a:schemeClr val="accent1"/>
+          </a:fillRef>
+          <a:effectRef idx="0">
+            <a:schemeClr val="accent1"/>
+          </a:effectRef>
+          <a:fontRef idx="minor">
+            <a:schemeClr val="tx1"/>
+          </a:fontRef>
+        </p:style>
+      </p:cxnSp>
+      <p:sp>
+        <p:nvSpPr>
+          <p:cNvPr id="89" name="TextBox 88">
+            <a:extLst>
+              <a:ext uri="{FF2B5EF4-FFF2-40B4-BE49-F238E27FC236}">
+                <a16:creationId xmlns:a16="http://schemas.microsoft.com/office/drawing/2014/main" id="{7CD189E1-E24E-A06E-E680-2D60E49C42A2}"/>
+              </a:ext>
+            </a:extLst>
+          </p:cNvPr>
+          <p:cNvSpPr txBox="1"/>
+          <p:nvPr/>
+        </p:nvSpPr>
+        <p:spPr>
+          <a:xfrm>
+            <a:off x="8781782" y="2979089"/>
+            <a:ext cx="2093426" cy="507831"/>
+          </a:xfrm>
+          <a:prstGeom prst="rect">
+            <a:avLst/>
+          </a:prstGeom>
+          <a:noFill/>
+        </p:spPr>
+        <p:txBody>
+          <a:bodyPr wrap="square" rtlCol="0">
+            <a:spAutoFit/>
+          </a:bodyPr>
+          <a:lstStyle/>
+          <a:p>
+            <a:pPr algn="ctr"/>
+            <a:r>
+              <a:rPr lang="en-US" sz="900" dirty="0"/>
+              <a:t>Raw input</a:t>
+            </a:r>
+            <a:br>
+              <a:rPr lang="en-US" sz="900" dirty="0"/>
+            </a:br>
+            <a:r>
+              <a:rPr lang="en-US" sz="900" dirty="0" err="1"/>
+              <a:t>CellType</a:t>
+            </a:r>
+            <a:r>
+              <a:rPr lang="en-US" sz="900" dirty="0"/>
+              <a:t>-Labels mapped to most similar ASCT+B </a:t>
+            </a:r>
+            <a:r>
+              <a:rPr lang="en-US" sz="900" dirty="0" err="1"/>
+              <a:t>CellType</a:t>
+            </a:r>
+            <a:r>
+              <a:rPr lang="en-US" sz="900" dirty="0"/>
+              <a:t>-Label</a:t>
+            </a:r>
+          </a:p>
+        </p:txBody>
+      </p:sp>
+      <p:pic>
+        <p:nvPicPr>
+          <p:cNvPr id="98" name="Picture 97">
+            <a:extLst>
+              <a:ext uri="{FF2B5EF4-FFF2-40B4-BE49-F238E27FC236}">
+                <a16:creationId xmlns:a16="http://schemas.microsoft.com/office/drawing/2014/main" id="{7FAA191A-D8C2-696E-F4DE-B2EBEA24300F}"/>
+              </a:ext>
+            </a:extLst>
+          </p:cNvPr>
+          <p:cNvPicPr>
+            <a:picLocks noChangeAspect="1"/>
+          </p:cNvPicPr>
+          <p:nvPr/>
+        </p:nvPicPr>
+        <p:blipFill>
+          <a:blip r:embed="rId12"/>
+          <a:stretch>
+            <a:fillRect/>
+          </a:stretch>
+        </p:blipFill>
+        <p:spPr>
+          <a:xfrm>
+            <a:off x="8222207" y="3507230"/>
+            <a:ext cx="3212575" cy="540783"/>
+          </a:xfrm>
+          <a:prstGeom prst="rect">
+            <a:avLst/>
+          </a:prstGeom>
+          <a:ln>
+            <a:noFill/>
+          </a:ln>
+          <a:effectLst>
+            <a:outerShdw blurRad="190500" algn="tl" rotWithShape="0">
+              <a:srgbClr val="000000">
+                <a:alpha val="70000"/>
+              </a:srgbClr>
+            </a:outerShdw>
+          </a:effectLst>
+        </p:spPr>
+      </p:pic>
+      <p:pic>
+        <p:nvPicPr>
+          <p:cNvPr id="100" name="Picture 99" descr="Shape, circle&#10;&#10;Description automatically generated">
+            <a:extLst>
+              <a:ext uri="{FF2B5EF4-FFF2-40B4-BE49-F238E27FC236}">
+                <a16:creationId xmlns:a16="http://schemas.microsoft.com/office/drawing/2014/main" id="{C997317E-7A3D-E033-799C-703545988BA6}"/>
+              </a:ext>
+            </a:extLst>
+          </p:cNvPr>
+          <p:cNvPicPr>
+            <a:picLocks noChangeAspect="1"/>
+          </p:cNvPicPr>
+          <p:nvPr/>
+        </p:nvPicPr>
+        <p:blipFill>
+          <a:blip r:embed="rId13">
+            <a:extLst>
+              <a:ext uri="{28A0092B-C50C-407E-A947-70E740481C1C}">
+                <a14:useLocalDpi xmlns:a14="http://schemas.microsoft.com/office/drawing/2010/main" val="0"/>
+              </a:ext>
+            </a:extLst>
+          </a:blip>
+          <a:stretch>
+            <a:fillRect/>
+          </a:stretch>
+        </p:blipFill>
+        <p:spPr>
+          <a:xfrm>
+            <a:off x="6198132" y="3486920"/>
+            <a:ext cx="1034239" cy="1179566"/>
+          </a:xfrm>
+          <a:prstGeom prst="roundRect">
+            <a:avLst>
+              <a:gd name="adj" fmla="val 16667"/>
+            </a:avLst>
+          </a:prstGeom>
+          <a:ln>
+            <a:noFill/>
+          </a:ln>
+          <a:effectLst>
+            <a:outerShdw blurRad="76200" dist="38100" dir="7800000" algn="tl" rotWithShape="0">
+              <a:srgbClr val="000000">
+                <a:alpha val="40000"/>
+              </a:srgbClr>
+            </a:outerShdw>
+          </a:effectLst>
+          <a:scene3d>
+            <a:camera prst="orthographicFront"/>
+            <a:lightRig rig="contrasting" dir="t">
+              <a:rot lat="0" lon="0" rev="4200000"/>
+            </a:lightRig>
+          </a:scene3d>
+          <a:sp3d prstMaterial="plastic">
+            <a:bevelT w="381000" h="114300" prst="relaxedInset"/>
+            <a:contourClr>
+              <a:srgbClr val="969696"/>
+            </a:contourClr>
+          </a:sp3d>
+        </p:spPr>
+      </p:pic>
+    </p:spTree>
+    <p:extLst>
+      <p:ext uri="{BB962C8B-B14F-4D97-AF65-F5344CB8AC3E}">
+        <p14:creationId xmlns:p14="http://schemas.microsoft.com/office/powerpoint/2010/main" val="3703493135"/>
+      </p:ext>
+    </p:extLst>
+  </p:cSld>
+  <p:clrMapOvr>
+    <a:masterClrMapping/>
+  </p:clrMapOvr>
+</p:sld>
+</file>
+
 <file path=ppt/theme/theme1.xml><?xml version="1.0" encoding="utf-8"?>
 <a:theme xmlns:a="http://schemas.openxmlformats.org/drawingml/2006/main" name="Office Theme">
   <a:themeElements>
